--- a/2022/7月/07072022.pptx
+++ b/2022/7月/07072022.pptx
@@ -5,24 +5,36 @@
     <p:sldMasterId id="2147483708" r:id="rId1"/>
   </p:sldMasterIdLst>
   <p:sldIdLst>
-    <p:sldId id="257" r:id="rId2"/>
-    <p:sldId id="268" r:id="rId3"/>
-    <p:sldId id="258" r:id="rId4"/>
-    <p:sldId id="265" r:id="rId5"/>
-    <p:sldId id="266" r:id="rId6"/>
-    <p:sldId id="267" r:id="rId7"/>
-    <p:sldId id="271" r:id="rId8"/>
-    <p:sldId id="259" r:id="rId9"/>
-    <p:sldId id="260" r:id="rId10"/>
-    <p:sldId id="261" r:id="rId11"/>
-    <p:sldId id="262" r:id="rId12"/>
-    <p:sldId id="263" r:id="rId13"/>
-    <p:sldId id="264" r:id="rId14"/>
-    <p:sldId id="269" r:id="rId15"/>
-    <p:sldId id="270" r:id="rId16"/>
-    <p:sldId id="272" r:id="rId17"/>
+    <p:sldId id="273" r:id="rId2"/>
+    <p:sldId id="274" r:id="rId3"/>
+    <p:sldId id="275" r:id="rId4"/>
+    <p:sldId id="278" r:id="rId5"/>
+    <p:sldId id="279" r:id="rId6"/>
+    <p:sldId id="280" r:id="rId7"/>
+    <p:sldId id="276" r:id="rId8"/>
+    <p:sldId id="277" r:id="rId9"/>
+    <p:sldId id="281" r:id="rId10"/>
+    <p:sldId id="282" r:id="rId11"/>
+    <p:sldId id="283" r:id="rId12"/>
+    <p:sldId id="284" r:id="rId13"/>
+    <p:sldId id="285" r:id="rId14"/>
+    <p:sldId id="286" r:id="rId15"/>
+    <p:sldId id="287" r:id="rId16"/>
+    <p:sldId id="288" r:id="rId17"/>
+    <p:sldId id="289" r:id="rId18"/>
+    <p:sldId id="290" r:id="rId19"/>
+    <p:sldId id="291" r:id="rId20"/>
+    <p:sldId id="292" r:id="rId21"/>
+    <p:sldId id="293" r:id="rId22"/>
+    <p:sldId id="294" r:id="rId23"/>
+    <p:sldId id="295" r:id="rId24"/>
+    <p:sldId id="296" r:id="rId25"/>
+    <p:sldId id="297" r:id="rId26"/>
+    <p:sldId id="298" r:id="rId27"/>
+    <p:sldId id="299" r:id="rId28"/>
+    <p:sldId id="300" r:id="rId29"/>
   </p:sldIdLst>
-  <p:sldSz cx="9144000" cy="6858000" type="screen4x3"/>
+  <p:sldSz cx="12192000" cy="6858000"/>
   <p:notesSz cx="6858000" cy="9144000"/>
   <p:defaultTextStyle>
     <a:defPPr>
@@ -119,6 +131,22 @@
       </a:defRPr>
     </a:lvl9pPr>
   </p:defaultTextStyle>
+  <p:extLst>
+    <p:ext uri="{EFAFB233-063F-42B5-8137-9DF3F51BA10A}">
+      <p15:sldGuideLst xmlns:p15="http://schemas.microsoft.com/office/powerpoint/2012/main">
+        <p15:guide id="1" orient="horz" pos="2160" userDrawn="1">
+          <p15:clr>
+            <a:srgbClr val="A4A3A4"/>
+          </p15:clr>
+        </p15:guide>
+        <p15:guide id="2" pos="3840" userDrawn="1">
+          <p15:clr>
+            <a:srgbClr val="A4A3A4"/>
+          </p15:clr>
+        </p15:guide>
+      </p15:sldGuideLst>
+    </p:ext>
+  </p:extLst>
 </p:presentation>
 </file>
 
@@ -151,8 +179,8 @@
         </p:nvSpPr>
         <p:spPr>
           <a:xfrm>
-            <a:off x="685800" y="2130425"/>
-            <a:ext cx="7772400" cy="1470025"/>
+            <a:off x="914400" y="2130426"/>
+            <a:ext cx="10363200" cy="1470025"/>
           </a:xfrm>
         </p:spPr>
         <p:txBody>
@@ -179,8 +207,8 @@
         </p:nvSpPr>
         <p:spPr>
           <a:xfrm>
-            <a:off x="1371600" y="3886200"/>
-            <a:ext cx="6400800" cy="1752600"/>
+            <a:off x="1828800" y="3886200"/>
+            <a:ext cx="8534400" cy="1752600"/>
           </a:xfrm>
         </p:spPr>
         <p:txBody>
@@ -303,7 +331,7 @@
           <a:p>
             <a:fld id="{5A80805E-1030-4D3C-8484-5F78309864D0}" type="datetimeFigureOut">
               <a:rPr lang="zh-TW" altLang="en-US" smtClean="0"/>
-              <a:t>2022/7/5</a:t>
+              <a:t>2022/7/7</a:t>
             </a:fld>
             <a:endParaRPr lang="zh-TW" altLang="en-US"/>
           </a:p>
@@ -468,7 +496,7 @@
           <a:p>
             <a:fld id="{5A80805E-1030-4D3C-8484-5F78309864D0}" type="datetimeFigureOut">
               <a:rPr lang="zh-TW" altLang="en-US" smtClean="0"/>
-              <a:t>2022/7/5</a:t>
+              <a:t>2022/7/7</a:t>
             </a:fld>
             <a:endParaRPr lang="zh-TW" altLang="en-US"/>
           </a:p>
@@ -553,8 +581,8 @@
         </p:nvSpPr>
         <p:spPr>
           <a:xfrm>
-            <a:off x="6629400" y="274638"/>
-            <a:ext cx="2057400" cy="5851525"/>
+            <a:off x="8839200" y="274639"/>
+            <a:ext cx="2743200" cy="5851525"/>
           </a:xfrm>
         </p:spPr>
         <p:txBody>
@@ -581,8 +609,8 @@
         </p:nvSpPr>
         <p:spPr>
           <a:xfrm>
-            <a:off x="457200" y="274638"/>
-            <a:ext cx="6019800" cy="5851525"/>
+            <a:off x="609600" y="274639"/>
+            <a:ext cx="8026400" cy="5851525"/>
           </a:xfrm>
         </p:spPr>
         <p:txBody>
@@ -643,7 +671,7 @@
           <a:p>
             <a:fld id="{5A80805E-1030-4D3C-8484-5F78309864D0}" type="datetimeFigureOut">
               <a:rPr lang="zh-TW" altLang="en-US" smtClean="0"/>
-              <a:t>2022/7/5</a:t>
+              <a:t>2022/7/7</a:t>
             </a:fld>
             <a:endParaRPr lang="zh-TW" altLang="en-US"/>
           </a:p>
@@ -808,7 +836,7 @@
           <a:p>
             <a:fld id="{5A80805E-1030-4D3C-8484-5F78309864D0}" type="datetimeFigureOut">
               <a:rPr lang="zh-TW" altLang="en-US" smtClean="0"/>
-              <a:t>2022/7/5</a:t>
+              <a:t>2022/7/7</a:t>
             </a:fld>
             <a:endParaRPr lang="zh-TW" altLang="en-US"/>
           </a:p>
@@ -893,8 +921,8 @@
         </p:nvSpPr>
         <p:spPr>
           <a:xfrm>
-            <a:off x="722313" y="4406900"/>
-            <a:ext cx="7772400" cy="1362075"/>
+            <a:off x="963084" y="4406901"/>
+            <a:ext cx="10363200" cy="1362075"/>
           </a:xfrm>
         </p:spPr>
         <p:txBody>
@@ -925,8 +953,8 @@
         </p:nvSpPr>
         <p:spPr>
           <a:xfrm>
-            <a:off x="722313" y="2906713"/>
-            <a:ext cx="7772400" cy="1500187"/>
+            <a:off x="963084" y="2906713"/>
+            <a:ext cx="10363200" cy="1500187"/>
           </a:xfrm>
         </p:spPr>
         <p:txBody>
@@ -1049,7 +1077,7 @@
           <a:p>
             <a:fld id="{5A80805E-1030-4D3C-8484-5F78309864D0}" type="datetimeFigureOut">
               <a:rPr lang="zh-TW" altLang="en-US" smtClean="0"/>
-              <a:t>2022/7/5</a:t>
+              <a:t>2022/7/7</a:t>
             </a:fld>
             <a:endParaRPr lang="zh-TW" altLang="en-US"/>
           </a:p>
@@ -1157,8 +1185,8 @@
         </p:nvSpPr>
         <p:spPr>
           <a:xfrm>
-            <a:off x="457200" y="1600200"/>
-            <a:ext cx="4038600" cy="4525963"/>
+            <a:off x="609600" y="1600201"/>
+            <a:ext cx="5384800" cy="4525963"/>
           </a:xfrm>
         </p:spPr>
         <p:txBody>
@@ -1242,8 +1270,8 @@
         </p:nvSpPr>
         <p:spPr>
           <a:xfrm>
-            <a:off x="4648200" y="1600200"/>
-            <a:ext cx="4038600" cy="4525963"/>
+            <a:off x="6197600" y="1600201"/>
+            <a:ext cx="5384800" cy="4525963"/>
           </a:xfrm>
         </p:spPr>
         <p:txBody>
@@ -1332,7 +1360,7 @@
           <a:p>
             <a:fld id="{5A80805E-1030-4D3C-8484-5F78309864D0}" type="datetimeFigureOut">
               <a:rPr lang="zh-TW" altLang="en-US" smtClean="0"/>
-              <a:t>2022/7/5</a:t>
+              <a:t>2022/7/7</a:t>
             </a:fld>
             <a:endParaRPr lang="zh-TW" altLang="en-US"/>
           </a:p>
@@ -1444,8 +1472,8 @@
         </p:nvSpPr>
         <p:spPr>
           <a:xfrm>
-            <a:off x="457200" y="1535113"/>
-            <a:ext cx="4040188" cy="639762"/>
+            <a:off x="609600" y="1535113"/>
+            <a:ext cx="5386917" cy="639762"/>
           </a:xfrm>
         </p:spPr>
         <p:txBody>
@@ -1509,8 +1537,8 @@
         </p:nvSpPr>
         <p:spPr>
           <a:xfrm>
-            <a:off x="457200" y="2174875"/>
-            <a:ext cx="4040188" cy="3951288"/>
+            <a:off x="609600" y="2174875"/>
+            <a:ext cx="5386917" cy="3951288"/>
           </a:xfrm>
         </p:spPr>
         <p:txBody>
@@ -1594,8 +1622,8 @@
         </p:nvSpPr>
         <p:spPr>
           <a:xfrm>
-            <a:off x="4645025" y="1535113"/>
-            <a:ext cx="4041775" cy="639762"/>
+            <a:off x="6193368" y="1535113"/>
+            <a:ext cx="5389033" cy="639762"/>
           </a:xfrm>
         </p:spPr>
         <p:txBody>
@@ -1659,8 +1687,8 @@
         </p:nvSpPr>
         <p:spPr>
           <a:xfrm>
-            <a:off x="4645025" y="2174875"/>
-            <a:ext cx="4041775" cy="3951288"/>
+            <a:off x="6193368" y="2174875"/>
+            <a:ext cx="5389033" cy="3951288"/>
           </a:xfrm>
         </p:spPr>
         <p:txBody>
@@ -1749,7 +1777,7 @@
           <a:p>
             <a:fld id="{5A80805E-1030-4D3C-8484-5F78309864D0}" type="datetimeFigureOut">
               <a:rPr lang="zh-TW" altLang="en-US" smtClean="0"/>
-              <a:t>2022/7/5</a:t>
+              <a:t>2022/7/7</a:t>
             </a:fld>
             <a:endParaRPr lang="zh-TW" altLang="en-US"/>
           </a:p>
@@ -1862,7 +1890,7 @@
           <a:p>
             <a:fld id="{5A80805E-1030-4D3C-8484-5F78309864D0}" type="datetimeFigureOut">
               <a:rPr lang="zh-TW" altLang="en-US" smtClean="0"/>
-              <a:t>2022/7/5</a:t>
+              <a:t>2022/7/7</a:t>
             </a:fld>
             <a:endParaRPr lang="zh-TW" altLang="en-US"/>
           </a:p>
@@ -1952,7 +1980,7 @@
           <a:p>
             <a:fld id="{5A80805E-1030-4D3C-8484-5F78309864D0}" type="datetimeFigureOut">
               <a:rPr lang="zh-TW" altLang="en-US" smtClean="0"/>
-              <a:t>2022/7/5</a:t>
+              <a:t>2022/7/7</a:t>
             </a:fld>
             <a:endParaRPr lang="zh-TW" altLang="en-US"/>
           </a:p>
@@ -2037,8 +2065,8 @@
         </p:nvSpPr>
         <p:spPr>
           <a:xfrm>
-            <a:off x="457200" y="273050"/>
-            <a:ext cx="3008313" cy="1162050"/>
+            <a:off x="609601" y="273050"/>
+            <a:ext cx="4011084" cy="1162050"/>
           </a:xfrm>
         </p:spPr>
         <p:txBody>
@@ -2069,8 +2097,8 @@
         </p:nvSpPr>
         <p:spPr>
           <a:xfrm>
-            <a:off x="3575050" y="273050"/>
-            <a:ext cx="5111750" cy="5853113"/>
+            <a:off x="4766733" y="273051"/>
+            <a:ext cx="6815667" cy="5853113"/>
           </a:xfrm>
         </p:spPr>
         <p:txBody>
@@ -2154,8 +2182,8 @@
         </p:nvSpPr>
         <p:spPr>
           <a:xfrm>
-            <a:off x="457200" y="1435100"/>
-            <a:ext cx="3008313" cy="4691063"/>
+            <a:off x="609601" y="1435101"/>
+            <a:ext cx="4011084" cy="4691063"/>
           </a:xfrm>
         </p:spPr>
         <p:txBody>
@@ -2224,7 +2252,7 @@
           <a:p>
             <a:fld id="{5A80805E-1030-4D3C-8484-5F78309864D0}" type="datetimeFigureOut">
               <a:rPr lang="zh-TW" altLang="en-US" smtClean="0"/>
-              <a:t>2022/7/5</a:t>
+              <a:t>2022/7/7</a:t>
             </a:fld>
             <a:endParaRPr lang="zh-TW" altLang="en-US"/>
           </a:p>
@@ -2309,8 +2337,8 @@
         </p:nvSpPr>
         <p:spPr>
           <a:xfrm>
-            <a:off x="1792288" y="4800600"/>
-            <a:ext cx="5486400" cy="566738"/>
+            <a:off x="2389717" y="4800600"/>
+            <a:ext cx="7315200" cy="566738"/>
           </a:xfrm>
         </p:spPr>
         <p:txBody>
@@ -2341,8 +2369,8 @@
         </p:nvSpPr>
         <p:spPr>
           <a:xfrm>
-            <a:off x="1792288" y="612775"/>
-            <a:ext cx="5486400" cy="4114800"/>
+            <a:off x="2389717" y="612775"/>
+            <a:ext cx="7315200" cy="4114800"/>
           </a:xfrm>
         </p:spPr>
         <p:txBody>
@@ -2406,8 +2434,8 @@
         </p:nvSpPr>
         <p:spPr>
           <a:xfrm>
-            <a:off x="1792288" y="5367338"/>
-            <a:ext cx="5486400" cy="804862"/>
+            <a:off x="2389717" y="5367338"/>
+            <a:ext cx="7315200" cy="804862"/>
           </a:xfrm>
         </p:spPr>
         <p:txBody>
@@ -2476,7 +2504,7 @@
           <a:p>
             <a:fld id="{5A80805E-1030-4D3C-8484-5F78309864D0}" type="datetimeFigureOut">
               <a:rPr lang="zh-TW" altLang="en-US" smtClean="0"/>
-              <a:t>2022/7/5</a:t>
+              <a:t>2022/7/7</a:t>
             </a:fld>
             <a:endParaRPr lang="zh-TW" altLang="en-US"/>
           </a:p>
@@ -2571,8 +2599,8 @@
         </p:nvSpPr>
         <p:spPr>
           <a:xfrm>
-            <a:off x="457200" y="274638"/>
-            <a:ext cx="8229600" cy="1143000"/>
+            <a:off x="609600" y="274638"/>
+            <a:ext cx="10972800" cy="1143000"/>
           </a:xfrm>
           <a:prstGeom prst="rect">
             <a:avLst/>
@@ -2604,8 +2632,8 @@
         </p:nvSpPr>
         <p:spPr>
           <a:xfrm>
-            <a:off x="457200" y="1600200"/>
-            <a:ext cx="8229600" cy="4525963"/>
+            <a:off x="609600" y="1600201"/>
+            <a:ext cx="10972800" cy="4525963"/>
           </a:xfrm>
           <a:prstGeom prst="rect">
             <a:avLst/>
@@ -2666,8 +2694,8 @@
         </p:nvSpPr>
         <p:spPr>
           <a:xfrm>
-            <a:off x="457200" y="6356350"/>
-            <a:ext cx="2133600" cy="365125"/>
+            <a:off x="609600" y="6356351"/>
+            <a:ext cx="2844800" cy="365125"/>
           </a:xfrm>
           <a:prstGeom prst="rect">
             <a:avLst/>
@@ -2689,7 +2717,7 @@
           <a:p>
             <a:fld id="{5A80805E-1030-4D3C-8484-5F78309864D0}" type="datetimeFigureOut">
               <a:rPr lang="zh-TW" altLang="en-US" smtClean="0"/>
-              <a:t>2022/7/5</a:t>
+              <a:t>2022/7/7</a:t>
             </a:fld>
             <a:endParaRPr lang="zh-TW" altLang="en-US"/>
           </a:p>
@@ -2707,8 +2735,8 @@
         </p:nvSpPr>
         <p:spPr>
           <a:xfrm>
-            <a:off x="3124200" y="6356350"/>
-            <a:ext cx="2895600" cy="365125"/>
+            <a:off x="4165600" y="6356351"/>
+            <a:ext cx="3860800" cy="365125"/>
           </a:xfrm>
           <a:prstGeom prst="rect">
             <a:avLst/>
@@ -2744,8 +2772,8 @@
         </p:nvSpPr>
         <p:spPr>
           <a:xfrm>
-            <a:off x="6553200" y="6356350"/>
-            <a:ext cx="2133600" cy="365125"/>
+            <a:off x="8737600" y="6356351"/>
+            <a:ext cx="2844800" cy="365125"/>
           </a:xfrm>
           <a:prstGeom prst="rect">
             <a:avLst/>
@@ -3061,7 +3089,7 @@
       </p:grpSpPr>
       <p:sp>
         <p:nvSpPr>
-          <p:cNvPr id="4" name="Title 3"/>
+          <p:cNvPr id="4" name="標題 3"/>
           <p:cNvSpPr>
             <a:spLocks noGrp="1"/>
           </p:cNvSpPr>
@@ -3071,303 +3099,77 @@
         </p:nvSpPr>
         <p:spPr>
           <a:xfrm>
-            <a:off x="457200" y="0"/>
-            <a:ext cx="8229600" cy="1143000"/>
+            <a:off x="0" y="2660915"/>
+            <a:ext cx="12192000" cy="1143000"/>
           </a:xfrm>
         </p:spPr>
         <p:txBody>
           <a:bodyPr>
-            <a:normAutofit/>
+            <a:noAutofit/>
           </a:bodyPr>
           <a:lstStyle/>
           <a:p>
             <a:r>
-              <a:rPr lang="zh-CN" altLang="en-US" sz="4000" b="1" dirty="0" smtClean="0">
-                <a:solidFill>
-                  <a:srgbClr val="660033"/>
-                </a:solidFill>
-                <a:latin typeface="微軟正黑體" pitchFamily="34" charset="-120"/>
-                <a:ea typeface="微軟正黑體" pitchFamily="34" charset="-120"/>
-              </a:rPr>
-              <a:t>願袮崇高</a:t>
-            </a:r>
-            <a:endParaRPr lang="en-US" sz="4000" b="1" dirty="0">
+              <a:rPr lang="zh-CN" altLang="en-US" sz="7200" b="1" i="1" dirty="0">
+                <a:solidFill>
+                  <a:srgbClr val="660033"/>
+                </a:solidFill>
+                <a:effectLst>
+                  <a:outerShdw blurRad="38100" dist="38100" dir="2700000" algn="tl">
+                    <a:srgbClr val="000000">
+                      <a:alpha val="43137"/>
+                    </a:srgbClr>
+                  </a:outerShdw>
+                </a:effectLst>
+                <a:latin typeface="微軟正黑體" pitchFamily="34" charset="-120"/>
+                <a:ea typeface="微軟正黑體" pitchFamily="34" charset="-120"/>
+              </a:rPr>
+              <a:t>願</a:t>
+            </a:r>
+            <a:r>
+              <a:rPr lang="zh-CN" altLang="en-US" sz="7200" b="1" i="1" dirty="0">
+                <a:solidFill>
+                  <a:srgbClr val="660033"/>
+                </a:solidFill>
+                <a:effectLst>
+                  <a:outerShdw blurRad="38100" dist="38100" dir="2700000" algn="tl">
+                    <a:srgbClr val="000000">
+                      <a:alpha val="43137"/>
+                    </a:srgbClr>
+                  </a:outerShdw>
+                </a:effectLst>
+                <a:latin typeface="微軟正黑體" pitchFamily="34" charset="-120"/>
+                <a:ea typeface="微軟正黑體" pitchFamily="34" charset="-120"/>
+              </a:rPr>
+              <a:t>袮崇高</a:t>
+            </a:r>
+            <a:endParaRPr lang="zh-TW" altLang="en-US" sz="7200" b="1" i="1" dirty="0">
               <a:solidFill>
                 <a:srgbClr val="660033"/>
               </a:solidFill>
+              <a:effectLst>
+                <a:outerShdw blurRad="38100" dist="38100" dir="2700000" algn="tl">
+                  <a:srgbClr val="000000">
+                    <a:alpha val="43137"/>
+                  </a:srgbClr>
+                </a:outerShdw>
+              </a:effectLst>
               <a:latin typeface="微軟正黑體" pitchFamily="34" charset="-120"/>
               <a:ea typeface="微軟正黑體" pitchFamily="34" charset="-120"/>
             </a:endParaRPr>
           </a:p>
         </p:txBody>
       </p:sp>
-      <p:sp>
-        <p:nvSpPr>
-          <p:cNvPr id="5" name="Content Placeholder 4"/>
-          <p:cNvSpPr>
-            <a:spLocks noGrp="1"/>
-          </p:cNvSpPr>
-          <p:nvPr>
-            <p:ph idx="1"/>
-          </p:nvPr>
-        </p:nvSpPr>
-        <p:spPr>
-          <a:xfrm>
-            <a:off x="0" y="1193800"/>
-            <a:ext cx="9144000" cy="5664200"/>
-          </a:xfrm>
-        </p:spPr>
-        <p:txBody>
-          <a:bodyPr>
-            <a:noAutofit/>
-          </a:bodyPr>
-          <a:lstStyle/>
-          <a:p>
-            <a:pPr algn="ctr">
-              <a:buNone/>
-            </a:pPr>
-            <a:r>
-              <a:rPr lang="zh-TW" altLang="en-US" sz="4800" b="1" dirty="0">
-                <a:solidFill>
-                  <a:srgbClr val="660033"/>
-                </a:solidFill>
-                <a:latin typeface="微軟正黑體" pitchFamily="34" charset="-120"/>
-                <a:ea typeface="微軟正黑體" pitchFamily="34" charset="-120"/>
-              </a:rPr>
-              <a:t>我要在萬民中稱</a:t>
-            </a:r>
-            <a:r>
-              <a:rPr lang="zh-TW" altLang="en-US" sz="4800" b="1" dirty="0" smtClean="0">
-                <a:solidFill>
-                  <a:srgbClr val="660033"/>
-                </a:solidFill>
-                <a:latin typeface="微軟正黑體" pitchFamily="34" charset="-120"/>
-                <a:ea typeface="微軟正黑體" pitchFamily="34" charset="-120"/>
-              </a:rPr>
-              <a:t>謝</a:t>
-            </a:r>
-            <a:r>
-              <a:rPr lang="zh-CN" altLang="en-US" sz="4800" b="1" dirty="0">
-                <a:solidFill>
-                  <a:srgbClr val="660033"/>
-                </a:solidFill>
-                <a:latin typeface="微軟正黑體" pitchFamily="34" charset="-120"/>
-                <a:ea typeface="微軟正黑體" pitchFamily="34" charset="-120"/>
-              </a:rPr>
-              <a:t>袮</a:t>
-            </a:r>
-            <a:endParaRPr lang="en-US" altLang="zh-TW" sz="4800" b="1" dirty="0" smtClean="0">
-              <a:solidFill>
-                <a:srgbClr val="660033"/>
-              </a:solidFill>
-              <a:latin typeface="微軟正黑體" pitchFamily="34" charset="-120"/>
-              <a:ea typeface="微軟正黑體" pitchFamily="34" charset="-120"/>
-            </a:endParaRPr>
-          </a:p>
-          <a:p>
-            <a:pPr algn="ctr">
-              <a:buNone/>
-            </a:pPr>
-            <a:r>
-              <a:rPr lang="zh-TW" altLang="en-US" sz="4800" b="1" dirty="0" smtClean="0">
-                <a:solidFill>
-                  <a:srgbClr val="660033"/>
-                </a:solidFill>
-                <a:latin typeface="微軟正黑體" pitchFamily="34" charset="-120"/>
-                <a:ea typeface="微軟正黑體" pitchFamily="34" charset="-120"/>
-              </a:rPr>
-              <a:t>我</a:t>
-            </a:r>
-            <a:r>
-              <a:rPr lang="zh-TW" altLang="en-US" sz="4800" b="1" dirty="0">
-                <a:solidFill>
-                  <a:srgbClr val="660033"/>
-                </a:solidFill>
-                <a:latin typeface="微軟正黑體" pitchFamily="34" charset="-120"/>
-                <a:ea typeface="微軟正黑體" pitchFamily="34" charset="-120"/>
-              </a:rPr>
-              <a:t>要在列邦中歌</a:t>
-            </a:r>
-            <a:r>
-              <a:rPr lang="zh-TW" altLang="en-US" sz="4800" b="1" dirty="0" smtClean="0">
-                <a:solidFill>
-                  <a:srgbClr val="660033"/>
-                </a:solidFill>
-                <a:latin typeface="微軟正黑體" pitchFamily="34" charset="-120"/>
-                <a:ea typeface="微軟正黑體" pitchFamily="34" charset="-120"/>
-              </a:rPr>
-              <a:t>頌</a:t>
-            </a:r>
-            <a:r>
-              <a:rPr lang="zh-CN" altLang="en-US" sz="4800" b="1" dirty="0">
-                <a:solidFill>
-                  <a:srgbClr val="660033"/>
-                </a:solidFill>
-                <a:latin typeface="微軟正黑體" pitchFamily="34" charset="-120"/>
-                <a:ea typeface="微軟正黑體" pitchFamily="34" charset="-120"/>
-              </a:rPr>
-              <a:t>袮</a:t>
-            </a:r>
-            <a:endParaRPr lang="en-US" altLang="zh-TW" sz="4800" b="1" dirty="0">
-              <a:solidFill>
-                <a:srgbClr val="660033"/>
-              </a:solidFill>
-              <a:latin typeface="微軟正黑體" pitchFamily="34" charset="-120"/>
-              <a:ea typeface="微軟正黑體" pitchFamily="34" charset="-120"/>
-            </a:endParaRPr>
-          </a:p>
-          <a:p>
-            <a:pPr algn="ctr">
-              <a:buNone/>
-            </a:pPr>
-            <a:endParaRPr lang="en-US" altLang="zh-TW" sz="1200" b="1" dirty="0" smtClean="0">
-              <a:solidFill>
-                <a:srgbClr val="660033"/>
-              </a:solidFill>
-              <a:latin typeface="微軟正黑體" pitchFamily="34" charset="-120"/>
-              <a:ea typeface="微軟正黑體" pitchFamily="34" charset="-120"/>
-            </a:endParaRPr>
-          </a:p>
-          <a:p>
-            <a:pPr algn="ctr">
-              <a:buNone/>
-            </a:pPr>
-            <a:r>
-              <a:rPr lang="zh-CN" altLang="en-US" sz="4800" b="1" dirty="0">
-                <a:solidFill>
-                  <a:srgbClr val="660033"/>
-                </a:solidFill>
-                <a:latin typeface="微軟正黑體" pitchFamily="34" charset="-120"/>
-                <a:ea typeface="微軟正黑體" pitchFamily="34" charset="-120"/>
-              </a:rPr>
-              <a:t>袮</a:t>
-            </a:r>
-            <a:r>
-              <a:rPr lang="zh-TW" altLang="en-US" sz="4800" b="1" dirty="0" smtClean="0">
-                <a:solidFill>
-                  <a:srgbClr val="660033"/>
-                </a:solidFill>
-                <a:latin typeface="微軟正黑體" pitchFamily="34" charset="-120"/>
-                <a:ea typeface="微軟正黑體" pitchFamily="34" charset="-120"/>
-              </a:rPr>
-              <a:t>的</a:t>
-            </a:r>
-            <a:r>
-              <a:rPr lang="zh-TW" altLang="en-US" sz="4800" b="1" dirty="0">
-                <a:solidFill>
-                  <a:srgbClr val="660033"/>
-                </a:solidFill>
-                <a:latin typeface="微軟正黑體" pitchFamily="34" charset="-120"/>
-                <a:ea typeface="微軟正黑體" pitchFamily="34" charset="-120"/>
-              </a:rPr>
-              <a:t>慈愛高及諸</a:t>
-            </a:r>
-            <a:r>
-              <a:rPr lang="zh-TW" altLang="en-US" sz="4800" b="1" dirty="0" smtClean="0">
-                <a:solidFill>
-                  <a:srgbClr val="660033"/>
-                </a:solidFill>
-                <a:latin typeface="微軟正黑體" pitchFamily="34" charset="-120"/>
-                <a:ea typeface="微軟正黑體" pitchFamily="34" charset="-120"/>
-              </a:rPr>
-              <a:t>天</a:t>
-            </a:r>
-            <a:endParaRPr lang="en-US" altLang="zh-TW" sz="4800" b="1" dirty="0" smtClean="0">
-              <a:solidFill>
-                <a:srgbClr val="660033"/>
-              </a:solidFill>
-              <a:latin typeface="微軟正黑體" pitchFamily="34" charset="-120"/>
-              <a:ea typeface="微軟正黑體" pitchFamily="34" charset="-120"/>
-            </a:endParaRPr>
-          </a:p>
-          <a:p>
-            <a:pPr algn="ctr">
-              <a:buNone/>
-            </a:pPr>
-            <a:r>
-              <a:rPr lang="zh-CN" altLang="en-US" sz="4800" b="1" dirty="0">
-                <a:solidFill>
-                  <a:srgbClr val="660033"/>
-                </a:solidFill>
-                <a:latin typeface="微軟正黑體" pitchFamily="34" charset="-120"/>
-                <a:ea typeface="微軟正黑體" pitchFamily="34" charset="-120"/>
-              </a:rPr>
-              <a:t>袮</a:t>
-            </a:r>
-            <a:r>
-              <a:rPr lang="zh-TW" altLang="en-US" sz="4800" b="1" dirty="0" smtClean="0">
-                <a:solidFill>
-                  <a:srgbClr val="660033"/>
-                </a:solidFill>
-                <a:latin typeface="微軟正黑體" pitchFamily="34" charset="-120"/>
-                <a:ea typeface="微軟正黑體" pitchFamily="34" charset="-120"/>
-              </a:rPr>
-              <a:t>的</a:t>
-            </a:r>
-            <a:r>
-              <a:rPr lang="zh-TW" altLang="en-US" sz="4800" b="1" dirty="0">
-                <a:solidFill>
-                  <a:srgbClr val="660033"/>
-                </a:solidFill>
-                <a:latin typeface="微軟正黑體" pitchFamily="34" charset="-120"/>
-                <a:ea typeface="微軟正黑體" pitchFamily="34" charset="-120"/>
-              </a:rPr>
-              <a:t>誠實上達穹</a:t>
-            </a:r>
-            <a:r>
-              <a:rPr lang="zh-TW" altLang="en-US" sz="4800" b="1" dirty="0" smtClean="0">
-                <a:solidFill>
-                  <a:srgbClr val="660033"/>
-                </a:solidFill>
-                <a:latin typeface="微軟正黑體" pitchFamily="34" charset="-120"/>
-                <a:ea typeface="微軟正黑體" pitchFamily="34" charset="-120"/>
-              </a:rPr>
-              <a:t>蒼</a:t>
-            </a:r>
-            <a:endParaRPr lang="en-US" altLang="zh-TW" sz="4800" b="1" dirty="0" smtClean="0">
-              <a:solidFill>
-                <a:srgbClr val="660033"/>
-              </a:solidFill>
-              <a:latin typeface="微軟正黑體" pitchFamily="34" charset="-120"/>
-              <a:ea typeface="微軟正黑體" pitchFamily="34" charset="-120"/>
-            </a:endParaRPr>
-          </a:p>
-          <a:p>
-            <a:pPr algn="ctr">
-              <a:buNone/>
-            </a:pPr>
-            <a:r>
-              <a:rPr lang="en-US" altLang="zh-TW" b="1" dirty="0" smtClean="0">
-                <a:solidFill>
-                  <a:srgbClr val="660033"/>
-                </a:solidFill>
-                <a:latin typeface="微軟正黑體" pitchFamily="34" charset="-120"/>
-                <a:ea typeface="微軟正黑體" pitchFamily="34" charset="-120"/>
-              </a:rPr>
-              <a:t>(x2)</a:t>
-            </a:r>
-            <a:endParaRPr lang="en-US" altLang="zh-TW" sz="4000" b="1" dirty="0">
-              <a:solidFill>
-                <a:srgbClr val="660033"/>
-              </a:solidFill>
-              <a:latin typeface="微軟正黑體" pitchFamily="34" charset="-120"/>
-              <a:ea typeface="微軟正黑體" pitchFamily="34" charset="-120"/>
-            </a:endParaRPr>
-          </a:p>
-        </p:txBody>
-      </p:sp>
     </p:spTree>
+    <p:extLst>
+      <p:ext uri="{BB962C8B-B14F-4D97-AF65-F5344CB8AC3E}">
+        <p14:creationId xmlns:p14="http://schemas.microsoft.com/office/powerpoint/2010/main" val="1760223530"/>
+      </p:ext>
+    </p:extLst>
   </p:cSld>
   <p:clrMapOvr>
     <a:masterClrMapping/>
   </p:clrMapOvr>
-  <p:timing>
-    <p:tnLst>
-      <p:par>
-        <p:cTn id="1" dur="indefinite" restart="never" nodeType="tmRoot"/>
-      </p:par>
-    </p:tnLst>
-  </p:timing>
 </p:sld>
 </file>
 
@@ -3390,32 +3192,7 @@
       </p:grpSpPr>
       <p:sp>
         <p:nvSpPr>
-          <p:cNvPr id="2" name="標題 1"/>
-          <p:cNvSpPr>
-            <a:spLocks noGrp="1"/>
-          </p:cNvSpPr>
-          <p:nvPr>
-            <p:ph type="title"/>
-          </p:nvPr>
-        </p:nvSpPr>
-        <p:spPr/>
-        <p:txBody>
-          <a:bodyPr/>
-          <a:lstStyle/>
-          <a:p>
-            <a:r>
-              <a:rPr lang="zh-TW" altLang="en-US" b="1" dirty="0">
-                <a:latin typeface="微軟正黑體" pitchFamily="34" charset="-120"/>
-                <a:ea typeface="微軟正黑體" pitchFamily="34" charset="-120"/>
-              </a:rPr>
-              <a:t>我以禱告來到你跟前</a:t>
-            </a:r>
-          </a:p>
-        </p:txBody>
-      </p:sp>
-      <p:sp>
-        <p:nvSpPr>
-          <p:cNvPr id="3" name="內容版面配置區 2"/>
+          <p:cNvPr id="5" name="內容版面配置區 4"/>
           <p:cNvSpPr>
             <a:spLocks noGrp="1"/>
           </p:cNvSpPr>
@@ -3423,9 +3200,14 @@
             <p:ph idx="1"/>
           </p:nvPr>
         </p:nvSpPr>
-        <p:spPr/>
-        <p:txBody>
-          <a:bodyPr>
+        <p:spPr>
+          <a:xfrm>
+            <a:off x="0" y="2084853"/>
+            <a:ext cx="12192000" cy="2404863"/>
+          </a:xfrm>
+        </p:spPr>
+        <p:txBody>
+          <a:bodyPr anchor="ctr">
             <a:normAutofit/>
           </a:bodyPr>
           <a:lstStyle/>
@@ -3434,13 +3216,29 @@
               <a:buNone/>
             </a:pPr>
             <a:r>
-              <a:rPr lang="zh-TW" altLang="en-US" sz="5400" b="1" dirty="0">
-                <a:latin typeface="微軟正黑體" pitchFamily="34" charset="-120"/>
-                <a:ea typeface="微軟正黑體" pitchFamily="34" charset="-120"/>
-              </a:rPr>
-              <a:t>每一次我禱告</a:t>
-            </a:r>
-            <a:endParaRPr lang="en-US" altLang="zh-TW" sz="5400" b="1" dirty="0">
+              <a:rPr lang="zh-CN" altLang="en-US" sz="6400" b="1" dirty="0">
+                <a:solidFill>
+                  <a:srgbClr val="660033"/>
+                </a:solidFill>
+                <a:latin typeface="微軟正黑體" pitchFamily="34" charset="-120"/>
+                <a:ea typeface="微軟正黑體" pitchFamily="34" charset="-120"/>
+              </a:rPr>
+              <a:t>袮</a:t>
+            </a:r>
+            <a:r>
+              <a:rPr lang="zh-TW" altLang="en-US" sz="6400" b="1" dirty="0">
+                <a:solidFill>
+                  <a:srgbClr val="660033"/>
+                </a:solidFill>
+                <a:latin typeface="微軟正黑體" pitchFamily="34" charset="-120"/>
+                <a:ea typeface="微軟正黑體" pitchFamily="34" charset="-120"/>
+              </a:rPr>
+              <a:t>的慈愛高及諸天</a:t>
+            </a:r>
+            <a:endParaRPr lang="en-US" altLang="zh-TW" sz="6400" b="1" dirty="0">
+              <a:solidFill>
+                <a:srgbClr val="660033"/>
+              </a:solidFill>
               <a:latin typeface="微軟正黑體" pitchFamily="34" charset="-120"/>
               <a:ea typeface="微軟正黑體" pitchFamily="34" charset="-120"/>
             </a:endParaRPr>
@@ -3450,59 +3248,107 @@
               <a:buNone/>
             </a:pPr>
             <a:r>
-              <a:rPr lang="zh-TW" altLang="en-US" sz="5400" b="1" dirty="0">
-                <a:latin typeface="微軟正黑體" pitchFamily="34" charset="-120"/>
-                <a:ea typeface="微軟正黑體" pitchFamily="34" charset="-120"/>
-              </a:rPr>
-              <a:t>大山被挪移</a:t>
-            </a:r>
-            <a:endParaRPr lang="en-US" altLang="zh-TW" sz="5400" b="1" dirty="0">
+              <a:rPr lang="zh-CN" altLang="en-US" sz="6400" b="1" dirty="0">
+                <a:solidFill>
+                  <a:srgbClr val="660033"/>
+                </a:solidFill>
+                <a:latin typeface="微軟正黑體" pitchFamily="34" charset="-120"/>
+                <a:ea typeface="微軟正黑體" pitchFamily="34" charset="-120"/>
+              </a:rPr>
+              <a:t>袮</a:t>
+            </a:r>
+            <a:r>
+              <a:rPr lang="zh-TW" altLang="en-US" sz="6400" b="1" dirty="0">
+                <a:solidFill>
+                  <a:srgbClr val="660033"/>
+                </a:solidFill>
+                <a:latin typeface="微軟正黑體" pitchFamily="34" charset="-120"/>
+                <a:ea typeface="微軟正黑體" pitchFamily="34" charset="-120"/>
+              </a:rPr>
+              <a:t>的誠實上達穹蒼</a:t>
+            </a:r>
+            <a:endParaRPr lang="en-US" altLang="zh-TW" sz="6400" b="1" dirty="0">
+              <a:solidFill>
+                <a:srgbClr val="660033"/>
+              </a:solidFill>
               <a:latin typeface="微軟正黑體" pitchFamily="34" charset="-120"/>
               <a:ea typeface="微軟正黑體" pitchFamily="34" charset="-120"/>
             </a:endParaRPr>
           </a:p>
-          <a:p>
-            <a:pPr algn="ctr">
-              <a:buNone/>
-            </a:pPr>
-            <a:r>
-              <a:rPr lang="zh-TW" altLang="en-US" sz="5400" b="1" dirty="0">
-                <a:latin typeface="微軟正黑體" pitchFamily="34" charset="-120"/>
-                <a:ea typeface="微軟正黑體" pitchFamily="34" charset="-120"/>
-              </a:rPr>
-              <a:t>道路被鋪平</a:t>
-            </a:r>
-            <a:endParaRPr lang="en-US" altLang="zh-TW" sz="5400" b="1" dirty="0">
-              <a:latin typeface="微軟正黑體" pitchFamily="34" charset="-120"/>
-              <a:ea typeface="微軟正黑體" pitchFamily="34" charset="-120"/>
+        </p:txBody>
+      </p:sp>
+      <p:sp>
+        <p:nvSpPr>
+          <p:cNvPr id="3" name="TextBox 2"/>
+          <p:cNvSpPr txBox="1"/>
+          <p:nvPr/>
+        </p:nvSpPr>
+        <p:spPr>
+          <a:xfrm>
+            <a:off x="0" y="5157193"/>
+            <a:ext cx="12192000" cy="748988"/>
+          </a:xfrm>
+          <a:prstGeom prst="rect">
+            <a:avLst/>
+          </a:prstGeom>
+          <a:noFill/>
+        </p:spPr>
+        <p:txBody>
+          <a:bodyPr wrap="square" rtlCol="0">
+            <a:spAutoFit/>
+          </a:bodyPr>
+          <a:lstStyle/>
+          <a:p>
+            <a:pPr algn="ctr"/>
+            <a:r>
+              <a:rPr lang="en-US" sz="4267" b="1" dirty="0">
+                <a:solidFill>
+                  <a:srgbClr val="660033"/>
+                </a:solidFill>
+                <a:latin typeface="Microsoft JhengHei" panose="020B0604030504040204" pitchFamily="34" charset="-120"/>
+                <a:ea typeface="Microsoft JhengHei" panose="020B0604030504040204" pitchFamily="34" charset="-120"/>
+              </a:rPr>
+              <a:t>( </a:t>
+            </a:r>
+            <a:r>
+              <a:rPr lang="zh-CN" altLang="en-US" sz="4267" b="1" dirty="0">
+                <a:solidFill>
+                  <a:srgbClr val="660033"/>
+                </a:solidFill>
+                <a:latin typeface="Microsoft JhengHei" panose="020B0604030504040204" pitchFamily="34" charset="-120"/>
+                <a:ea typeface="Microsoft JhengHei" panose="020B0604030504040204" pitchFamily="34" charset="-120"/>
+              </a:rPr>
+              <a:t>正</a:t>
+            </a:r>
+            <a:r>
+              <a:rPr lang="en-US" sz="4267" b="1" dirty="0">
+                <a:solidFill>
+                  <a:srgbClr val="660033"/>
+                </a:solidFill>
+                <a:latin typeface="Microsoft JhengHei" panose="020B0604030504040204" pitchFamily="34" charset="-120"/>
+                <a:ea typeface="Microsoft JhengHei" panose="020B0604030504040204" pitchFamily="34" charset="-120"/>
+              </a:rPr>
+              <a:t> )( x2 )</a:t>
+            </a:r>
+            <a:endParaRPr lang="vi-VN" sz="4267" b="1" dirty="0">
+              <a:solidFill>
+                <a:srgbClr val="660033"/>
+              </a:solidFill>
+              <a:ea typeface="Microsoft JhengHei" panose="020B0604030504040204" pitchFamily="34" charset="-120"/>
             </a:endParaRPr>
           </a:p>
-          <a:p>
-            <a:pPr algn="ctr">
-              <a:buNone/>
-            </a:pPr>
-            <a:r>
-              <a:rPr lang="zh-TW" altLang="en-US" sz="5400" b="1" dirty="0">
-                <a:latin typeface="微軟正黑體" pitchFamily="34" charset="-120"/>
-                <a:ea typeface="微軟正黑體" pitchFamily="34" charset="-120"/>
-              </a:rPr>
-              <a:t>使列國歸向你</a:t>
-            </a:r>
-          </a:p>
         </p:txBody>
       </p:sp>
     </p:spTree>
+    <p:extLst>
+      <p:ext uri="{BB962C8B-B14F-4D97-AF65-F5344CB8AC3E}">
+        <p14:creationId xmlns:p14="http://schemas.microsoft.com/office/powerpoint/2010/main" val="3948921284"/>
+      </p:ext>
+    </p:extLst>
   </p:cSld>
   <p:clrMapOvr>
     <a:masterClrMapping/>
   </p:clrMapOvr>
-  <p:timing>
-    <p:tnLst>
-      <p:par>
-        <p:cTn id="1" dur="indefinite" restart="never" nodeType="tmRoot"/>
-      </p:par>
-    </p:tnLst>
-  </p:timing>
 </p:sld>
 </file>
 
@@ -3525,32 +3371,7 @@
       </p:grpSpPr>
       <p:sp>
         <p:nvSpPr>
-          <p:cNvPr id="2" name="標題 1"/>
-          <p:cNvSpPr>
-            <a:spLocks noGrp="1"/>
-          </p:cNvSpPr>
-          <p:nvPr>
-            <p:ph type="title"/>
-          </p:nvPr>
-        </p:nvSpPr>
-        <p:spPr/>
-        <p:txBody>
-          <a:bodyPr/>
-          <a:lstStyle/>
-          <a:p>
-            <a:r>
-              <a:rPr lang="zh-TW" altLang="en-US" b="1" dirty="0">
-                <a:latin typeface="微軟正黑體" pitchFamily="34" charset="-120"/>
-                <a:ea typeface="微軟正黑體" pitchFamily="34" charset="-120"/>
-              </a:rPr>
-              <a:t>我以禱告來到你跟前</a:t>
-            </a:r>
-          </a:p>
-        </p:txBody>
-      </p:sp>
-      <p:sp>
-        <p:nvSpPr>
-          <p:cNvPr id="3" name="內容版面配置區 2"/>
+          <p:cNvPr id="5" name="內容版面配置區 4"/>
           <p:cNvSpPr>
             <a:spLocks noGrp="1"/>
           </p:cNvSpPr>
@@ -3558,9 +3379,14 @@
             <p:ph idx="1"/>
           </p:nvPr>
         </p:nvSpPr>
-        <p:spPr/>
-        <p:txBody>
-          <a:bodyPr>
+        <p:spPr>
+          <a:xfrm>
+            <a:off x="0" y="2084853"/>
+            <a:ext cx="12192000" cy="2404863"/>
+          </a:xfrm>
+        </p:spPr>
+        <p:txBody>
+          <a:bodyPr anchor="ctr">
             <a:normAutofit/>
           </a:bodyPr>
           <a:lstStyle/>
@@ -3569,13 +3395,19 @@
               <a:buNone/>
             </a:pPr>
             <a:r>
-              <a:rPr lang="zh-TW" altLang="en-US" sz="5400" b="1" dirty="0">
-                <a:latin typeface="微軟正黑體" pitchFamily="34" charset="-120"/>
-                <a:ea typeface="微軟正黑體" pitchFamily="34" charset="-120"/>
-              </a:rPr>
-              <a:t>主我是軟弱及無助</a:t>
-            </a:r>
-            <a:endParaRPr lang="en-US" altLang="zh-TW" sz="5400" b="1" dirty="0">
+              <a:rPr lang="zh-TW" altLang="en-US" sz="6400" b="1" dirty="0">
+                <a:solidFill>
+                  <a:srgbClr val="660033"/>
+                </a:solidFill>
+                <a:latin typeface="微軟正黑體" pitchFamily="34" charset="-120"/>
+                <a:ea typeface="微軟正黑體" pitchFamily="34" charset="-120"/>
+              </a:rPr>
+              <a:t>哈利路亞  哈利路亞</a:t>
+            </a:r>
+            <a:endParaRPr lang="en-US" altLang="zh-TW" sz="6400" b="1" dirty="0">
+              <a:solidFill>
+                <a:srgbClr val="660033"/>
+              </a:solidFill>
               <a:latin typeface="微軟正黑體" pitchFamily="34" charset="-120"/>
               <a:ea typeface="微軟正黑體" pitchFamily="34" charset="-120"/>
             </a:endParaRPr>
@@ -3585,59 +3417,107 @@
               <a:buNone/>
             </a:pPr>
             <a:r>
-              <a:rPr lang="zh-TW" altLang="en-US" sz="5400" b="1" dirty="0">
-                <a:latin typeface="微軟正黑體" pitchFamily="34" charset="-120"/>
-                <a:ea typeface="微軟正黑體" pitchFamily="34" charset="-120"/>
-              </a:rPr>
-              <a:t>你卻是我的力量</a:t>
-            </a:r>
-            <a:endParaRPr lang="en-US" altLang="zh-TW" sz="5400" b="1" dirty="0">
+              <a:rPr lang="zh-CN" altLang="en-US" sz="6400" b="1" dirty="0">
+                <a:solidFill>
+                  <a:srgbClr val="660033"/>
+                </a:solidFill>
+                <a:latin typeface="微軟正黑體" pitchFamily="34" charset="-120"/>
+                <a:ea typeface="微軟正黑體" pitchFamily="34" charset="-120"/>
+              </a:rPr>
+              <a:t>袮</a:t>
+            </a:r>
+            <a:r>
+              <a:rPr lang="zh-TW" altLang="en-US" sz="6400" b="1" dirty="0">
+                <a:solidFill>
+                  <a:srgbClr val="660033"/>
+                </a:solidFill>
+                <a:latin typeface="微軟正黑體" pitchFamily="34" charset="-120"/>
+                <a:ea typeface="微軟正黑體" pitchFamily="34" charset="-120"/>
+              </a:rPr>
+              <a:t>的慈愛高及諸天</a:t>
+            </a:r>
+            <a:endParaRPr lang="en-US" altLang="zh-TW" sz="6400" b="1" dirty="0">
+              <a:solidFill>
+                <a:srgbClr val="660033"/>
+              </a:solidFill>
               <a:latin typeface="微軟正黑體" pitchFamily="34" charset="-120"/>
               <a:ea typeface="微軟正黑體" pitchFamily="34" charset="-120"/>
             </a:endParaRPr>
           </a:p>
-          <a:p>
-            <a:pPr algn="ctr">
-              <a:buNone/>
-            </a:pPr>
-            <a:r>
-              <a:rPr lang="zh-TW" altLang="en-US" sz="5400" b="1" dirty="0">
-                <a:latin typeface="微軟正黑體" pitchFamily="34" charset="-120"/>
-                <a:ea typeface="微軟正黑體" pitchFamily="34" charset="-120"/>
-              </a:rPr>
-              <a:t>以你親切的手引導我</a:t>
-            </a:r>
-            <a:endParaRPr lang="en-US" altLang="zh-TW" sz="5400" b="1" dirty="0">
-              <a:latin typeface="微軟正黑體" pitchFamily="34" charset="-120"/>
-              <a:ea typeface="微軟正黑體" pitchFamily="34" charset="-120"/>
+        </p:txBody>
+      </p:sp>
+      <p:sp>
+        <p:nvSpPr>
+          <p:cNvPr id="3" name="TextBox 2"/>
+          <p:cNvSpPr txBox="1"/>
+          <p:nvPr/>
+        </p:nvSpPr>
+        <p:spPr>
+          <a:xfrm>
+            <a:off x="0" y="5157193"/>
+            <a:ext cx="12192000" cy="748988"/>
+          </a:xfrm>
+          <a:prstGeom prst="rect">
+            <a:avLst/>
+          </a:prstGeom>
+          <a:noFill/>
+        </p:spPr>
+        <p:txBody>
+          <a:bodyPr wrap="square" rtlCol="0">
+            <a:spAutoFit/>
+          </a:bodyPr>
+          <a:lstStyle/>
+          <a:p>
+            <a:pPr algn="ctr"/>
+            <a:r>
+              <a:rPr lang="en-US" sz="4267" b="1" dirty="0">
+                <a:solidFill>
+                  <a:srgbClr val="660033"/>
+                </a:solidFill>
+                <a:latin typeface="Microsoft JhengHei" panose="020B0604030504040204" pitchFamily="34" charset="-120"/>
+                <a:ea typeface="Microsoft JhengHei" panose="020B0604030504040204" pitchFamily="34" charset="-120"/>
+              </a:rPr>
+              <a:t>( </a:t>
+            </a:r>
+            <a:r>
+              <a:rPr lang="zh-CN" altLang="en-US" sz="4267" b="1" dirty="0">
+                <a:solidFill>
+                  <a:srgbClr val="660033"/>
+                </a:solidFill>
+                <a:latin typeface="Microsoft JhengHei" panose="020B0604030504040204" pitchFamily="34" charset="-120"/>
+                <a:ea typeface="Microsoft JhengHei" panose="020B0604030504040204" pitchFamily="34" charset="-120"/>
+              </a:rPr>
+              <a:t>副</a:t>
+            </a:r>
+            <a:r>
+              <a:rPr lang="en-US" sz="4267" b="1" dirty="0">
+                <a:solidFill>
+                  <a:srgbClr val="660033"/>
+                </a:solidFill>
+                <a:latin typeface="Microsoft JhengHei" panose="020B0604030504040204" pitchFamily="34" charset="-120"/>
+                <a:ea typeface="Microsoft JhengHei" panose="020B0604030504040204" pitchFamily="34" charset="-120"/>
+              </a:rPr>
+              <a:t> )</a:t>
+            </a:r>
+            <a:endParaRPr lang="vi-VN" sz="4267" b="1" dirty="0">
+              <a:solidFill>
+                <a:srgbClr val="660033"/>
+              </a:solidFill>
+              <a:ea typeface="Microsoft JhengHei" panose="020B0604030504040204" pitchFamily="34" charset="-120"/>
             </a:endParaRPr>
           </a:p>
-          <a:p>
-            <a:pPr algn="ctr">
-              <a:buNone/>
-            </a:pPr>
-            <a:r>
-              <a:rPr lang="zh-TW" altLang="en-US" sz="5400" b="1" dirty="0">
-                <a:latin typeface="微軟正黑體" pitchFamily="34" charset="-120"/>
-                <a:ea typeface="微軟正黑體" pitchFamily="34" charset="-120"/>
-              </a:rPr>
-              <a:t>那就是我的得勝</a:t>
-            </a:r>
-          </a:p>
         </p:txBody>
       </p:sp>
     </p:spTree>
+    <p:extLst>
+      <p:ext uri="{BB962C8B-B14F-4D97-AF65-F5344CB8AC3E}">
+        <p14:creationId xmlns:p14="http://schemas.microsoft.com/office/powerpoint/2010/main" val="2658143085"/>
+      </p:ext>
+    </p:extLst>
   </p:cSld>
   <p:clrMapOvr>
     <a:masterClrMapping/>
   </p:clrMapOvr>
-  <p:timing>
-    <p:tnLst>
-      <p:par>
-        <p:cTn id="1" dur="indefinite" restart="never" nodeType="tmRoot"/>
-      </p:par>
-    </p:tnLst>
-  </p:timing>
 </p:sld>
 </file>
 
@@ -3660,32 +3540,7 @@
       </p:grpSpPr>
       <p:sp>
         <p:nvSpPr>
-          <p:cNvPr id="2" name="標題 1"/>
-          <p:cNvSpPr>
-            <a:spLocks noGrp="1"/>
-          </p:cNvSpPr>
-          <p:nvPr>
-            <p:ph type="title"/>
-          </p:nvPr>
-        </p:nvSpPr>
-        <p:spPr/>
-        <p:txBody>
-          <a:bodyPr/>
-          <a:lstStyle/>
-          <a:p>
-            <a:r>
-              <a:rPr lang="zh-TW" altLang="en-US" b="1" dirty="0">
-                <a:latin typeface="微軟正黑體" pitchFamily="34" charset="-120"/>
-                <a:ea typeface="微軟正黑體" pitchFamily="34" charset="-120"/>
-              </a:rPr>
-              <a:t>我以禱告來到你跟前</a:t>
-            </a:r>
-          </a:p>
-        </p:txBody>
-      </p:sp>
-      <p:sp>
-        <p:nvSpPr>
-          <p:cNvPr id="3" name="內容版面配置區 2"/>
+          <p:cNvPr id="5" name="內容版面配置區 4"/>
           <p:cNvSpPr>
             <a:spLocks noGrp="1"/>
           </p:cNvSpPr>
@@ -3693,9 +3548,14 @@
             <p:ph idx="1"/>
           </p:nvPr>
         </p:nvSpPr>
-        <p:spPr/>
-        <p:txBody>
-          <a:bodyPr>
+        <p:spPr>
+          <a:xfrm>
+            <a:off x="0" y="2084853"/>
+            <a:ext cx="12192000" cy="2404863"/>
+          </a:xfrm>
+        </p:spPr>
+        <p:txBody>
+          <a:bodyPr anchor="ctr">
             <a:normAutofit/>
           </a:bodyPr>
           <a:lstStyle/>
@@ -3704,13 +3564,19 @@
               <a:buNone/>
             </a:pPr>
             <a:r>
-              <a:rPr lang="zh-TW" altLang="en-US" sz="5400" b="1" dirty="0">
-                <a:latin typeface="微軟正黑體" pitchFamily="34" charset="-120"/>
-                <a:ea typeface="微軟正黑體" pitchFamily="34" charset="-120"/>
-              </a:rPr>
-              <a:t>每一次我禱告</a:t>
-            </a:r>
-            <a:endParaRPr lang="en-US" altLang="zh-TW" sz="5400" b="1" dirty="0">
+              <a:rPr lang="zh-TW" altLang="en-US" sz="6400" b="1" dirty="0">
+                <a:solidFill>
+                  <a:srgbClr val="660033"/>
+                </a:solidFill>
+                <a:latin typeface="微軟正黑體" pitchFamily="34" charset="-120"/>
+                <a:ea typeface="微軟正黑體" pitchFamily="34" charset="-120"/>
+              </a:rPr>
+              <a:t>哈利路亞  哈利路亞</a:t>
+            </a:r>
+            <a:endParaRPr lang="en-US" altLang="zh-TW" sz="6400" b="1" dirty="0">
+              <a:solidFill>
+                <a:srgbClr val="660033"/>
+              </a:solidFill>
               <a:latin typeface="微軟正黑體" pitchFamily="34" charset="-120"/>
               <a:ea typeface="微軟正黑體" pitchFamily="34" charset="-120"/>
             </a:endParaRPr>
@@ -3720,43 +3586,107 @@
               <a:buNone/>
             </a:pPr>
             <a:r>
-              <a:rPr lang="zh-TW" altLang="en-US" sz="5400" b="1" dirty="0">
-                <a:latin typeface="微軟正黑體" pitchFamily="34" charset="-120"/>
-                <a:ea typeface="微軟正黑體" pitchFamily="34" charset="-120"/>
-              </a:rPr>
-              <a:t>我搖動你的手</a:t>
-            </a:r>
-            <a:endParaRPr lang="en-US" altLang="zh-TW" sz="5400" b="1" dirty="0">
+              <a:rPr lang="zh-CN" altLang="en-US" sz="6400" b="1" dirty="0">
+                <a:solidFill>
+                  <a:srgbClr val="660033"/>
+                </a:solidFill>
+                <a:latin typeface="微軟正黑體" pitchFamily="34" charset="-120"/>
+                <a:ea typeface="微軟正黑體" pitchFamily="34" charset="-120"/>
+              </a:rPr>
+              <a:t>袮</a:t>
+            </a:r>
+            <a:r>
+              <a:rPr lang="zh-TW" altLang="en-US" sz="6400" b="1" dirty="0">
+                <a:solidFill>
+                  <a:srgbClr val="660033"/>
+                </a:solidFill>
+                <a:latin typeface="微軟正黑體" pitchFamily="34" charset="-120"/>
+                <a:ea typeface="微軟正黑體" pitchFamily="34" charset="-120"/>
+              </a:rPr>
+              <a:t>的誠實上達到穹蒼</a:t>
+            </a:r>
+            <a:endParaRPr lang="en-US" sz="6400" b="1" dirty="0">
+              <a:solidFill>
+                <a:srgbClr val="660033"/>
+              </a:solidFill>
               <a:latin typeface="微軟正黑體" pitchFamily="34" charset="-120"/>
               <a:ea typeface="微軟正黑體" pitchFamily="34" charset="-120"/>
             </a:endParaRPr>
           </a:p>
-          <a:p>
-            <a:pPr algn="ctr">
-              <a:buNone/>
-            </a:pPr>
-            <a:r>
-              <a:rPr lang="zh-TW" altLang="en-US" sz="5400" b="1" dirty="0">
-                <a:latin typeface="微軟正黑體" pitchFamily="34" charset="-120"/>
-                <a:ea typeface="微軟正黑體" pitchFamily="34" charset="-120"/>
-              </a:rPr>
-              <a:t>禱告做的事我的手不能做</a:t>
-            </a:r>
+        </p:txBody>
+      </p:sp>
+      <p:sp>
+        <p:nvSpPr>
+          <p:cNvPr id="3" name="TextBox 2"/>
+          <p:cNvSpPr txBox="1"/>
+          <p:nvPr/>
+        </p:nvSpPr>
+        <p:spPr>
+          <a:xfrm>
+            <a:off x="0" y="5157193"/>
+            <a:ext cx="12192000" cy="748988"/>
+          </a:xfrm>
+          <a:prstGeom prst="rect">
+            <a:avLst/>
+          </a:prstGeom>
+          <a:noFill/>
+        </p:spPr>
+        <p:txBody>
+          <a:bodyPr wrap="square" rtlCol="0">
+            <a:spAutoFit/>
+          </a:bodyPr>
+          <a:lstStyle/>
+          <a:p>
+            <a:pPr algn="ctr"/>
+            <a:r>
+              <a:rPr lang="en-US" sz="4267" b="1" dirty="0">
+                <a:solidFill>
+                  <a:srgbClr val="660033"/>
+                </a:solidFill>
+                <a:latin typeface="Microsoft JhengHei" panose="020B0604030504040204" pitchFamily="34" charset="-120"/>
+                <a:ea typeface="Microsoft JhengHei" panose="020B0604030504040204" pitchFamily="34" charset="-120"/>
+              </a:rPr>
+              <a:t>( </a:t>
+            </a:r>
+            <a:r>
+              <a:rPr lang="zh-CN" altLang="en-US" sz="4267" b="1" dirty="0">
+                <a:solidFill>
+                  <a:srgbClr val="660033"/>
+                </a:solidFill>
+                <a:latin typeface="Microsoft JhengHei" panose="020B0604030504040204" pitchFamily="34" charset="-120"/>
+                <a:ea typeface="Microsoft JhengHei" panose="020B0604030504040204" pitchFamily="34" charset="-120"/>
+              </a:rPr>
+              <a:t>副</a:t>
+            </a:r>
+            <a:r>
+              <a:rPr lang="en-US" sz="4267" b="1" dirty="0">
+                <a:solidFill>
+                  <a:srgbClr val="660033"/>
+                </a:solidFill>
+                <a:latin typeface="Microsoft JhengHei" panose="020B0604030504040204" pitchFamily="34" charset="-120"/>
+                <a:ea typeface="Microsoft JhengHei" panose="020B0604030504040204" pitchFamily="34" charset="-120"/>
+              </a:rPr>
+              <a:t> )</a:t>
+            </a:r>
+            <a:endParaRPr lang="vi-VN" sz="4267" b="1" dirty="0">
+              <a:solidFill>
+                <a:srgbClr val="660033"/>
+              </a:solidFill>
+              <a:ea typeface="Microsoft JhengHei" panose="020B0604030504040204" pitchFamily="34" charset="-120"/>
+            </a:endParaRPr>
           </a:p>
         </p:txBody>
       </p:sp>
     </p:spTree>
+    <p:extLst>
+      <p:ext uri="{BB962C8B-B14F-4D97-AF65-F5344CB8AC3E}">
+        <p14:creationId xmlns:p14="http://schemas.microsoft.com/office/powerpoint/2010/main" val="4085073081"/>
+      </p:ext>
+    </p:extLst>
   </p:cSld>
   <p:clrMapOvr>
     <a:masterClrMapping/>
   </p:clrMapOvr>
-  <p:timing>
-    <p:tnLst>
-      <p:par>
-        <p:cTn id="1" dur="indefinite" restart="never" nodeType="tmRoot"/>
-      </p:par>
-    </p:tnLst>
-  </p:timing>
 </p:sld>
 </file>
 
@@ -3779,32 +3709,7 @@
       </p:grpSpPr>
       <p:sp>
         <p:nvSpPr>
-          <p:cNvPr id="2" name="標題 1"/>
-          <p:cNvSpPr>
-            <a:spLocks noGrp="1"/>
-          </p:cNvSpPr>
-          <p:nvPr>
-            <p:ph type="title"/>
-          </p:nvPr>
-        </p:nvSpPr>
-        <p:spPr/>
-        <p:txBody>
-          <a:bodyPr/>
-          <a:lstStyle/>
-          <a:p>
-            <a:r>
-              <a:rPr lang="zh-TW" altLang="en-US" b="1" dirty="0">
-                <a:latin typeface="微軟正黑體" pitchFamily="34" charset="-120"/>
-                <a:ea typeface="微軟正黑體" pitchFamily="34" charset="-120"/>
-              </a:rPr>
-              <a:t>我以禱告來到你跟前</a:t>
-            </a:r>
-          </a:p>
-        </p:txBody>
-      </p:sp>
-      <p:sp>
-        <p:nvSpPr>
-          <p:cNvPr id="3" name="內容版面配置區 2"/>
+          <p:cNvPr id="5" name="內容版面配置區 4"/>
           <p:cNvSpPr>
             <a:spLocks noGrp="1"/>
           </p:cNvSpPr>
@@ -3812,9 +3717,14 @@
             <p:ph idx="1"/>
           </p:nvPr>
         </p:nvSpPr>
-        <p:spPr/>
-        <p:txBody>
-          <a:bodyPr>
+        <p:spPr>
+          <a:xfrm>
+            <a:off x="0" y="2084853"/>
+            <a:ext cx="12192000" cy="2404863"/>
+          </a:xfrm>
+        </p:spPr>
+        <p:txBody>
+          <a:bodyPr anchor="ctr">
             <a:normAutofit/>
           </a:bodyPr>
           <a:lstStyle/>
@@ -3823,13 +3733,19 @@
               <a:buNone/>
             </a:pPr>
             <a:r>
-              <a:rPr lang="zh-TW" altLang="en-US" sz="5400" b="1" dirty="0">
-                <a:latin typeface="微軟正黑體" pitchFamily="34" charset="-120"/>
-                <a:ea typeface="微軟正黑體" pitchFamily="34" charset="-120"/>
-              </a:rPr>
-              <a:t>每一次我禱告</a:t>
-            </a:r>
-            <a:endParaRPr lang="en-US" altLang="zh-TW" sz="5400" b="1" dirty="0">
+              <a:rPr lang="zh-TW" altLang="en-US" sz="6400" b="1" dirty="0">
+                <a:solidFill>
+                  <a:srgbClr val="660033"/>
+                </a:solidFill>
+                <a:latin typeface="微軟正黑體" pitchFamily="34" charset="-120"/>
+                <a:ea typeface="微軟正黑體" pitchFamily="34" charset="-120"/>
+              </a:rPr>
+              <a:t>哈利路亞  哈利路亞</a:t>
+            </a:r>
+            <a:endParaRPr lang="en-US" altLang="zh-TW" sz="6400" b="1" dirty="0">
+              <a:solidFill>
+                <a:srgbClr val="660033"/>
+              </a:solidFill>
               <a:latin typeface="微軟正黑體" pitchFamily="34" charset="-120"/>
               <a:ea typeface="微軟正黑體" pitchFamily="34" charset="-120"/>
             </a:endParaRPr>
@@ -3839,59 +3755,107 @@
               <a:buNone/>
             </a:pPr>
             <a:r>
-              <a:rPr lang="zh-TW" altLang="en-US" sz="5400" b="1" dirty="0">
-                <a:latin typeface="微軟正黑體" pitchFamily="34" charset="-120"/>
-                <a:ea typeface="微軟正黑體" pitchFamily="34" charset="-120"/>
-              </a:rPr>
-              <a:t>大山被挪移</a:t>
-            </a:r>
-            <a:endParaRPr lang="en-US" altLang="zh-TW" sz="5400" b="1" dirty="0">
+              <a:rPr lang="zh-CN" altLang="en-US" sz="6400" b="1" dirty="0">
+                <a:solidFill>
+                  <a:srgbClr val="660033"/>
+                </a:solidFill>
+                <a:latin typeface="微軟正黑體" pitchFamily="34" charset="-120"/>
+                <a:ea typeface="微軟正黑體" pitchFamily="34" charset="-120"/>
+              </a:rPr>
+              <a:t>袮</a:t>
+            </a:r>
+            <a:r>
+              <a:rPr lang="zh-TW" altLang="en-US" sz="6400" b="1" dirty="0">
+                <a:solidFill>
+                  <a:srgbClr val="660033"/>
+                </a:solidFill>
+                <a:latin typeface="微軟正黑體" pitchFamily="34" charset="-120"/>
+                <a:ea typeface="微軟正黑體" pitchFamily="34" charset="-120"/>
+              </a:rPr>
+              <a:t>的慈愛高及諸天</a:t>
+            </a:r>
+            <a:endParaRPr lang="en-US" altLang="zh-TW" sz="6400" b="1" dirty="0">
+              <a:solidFill>
+                <a:srgbClr val="660033"/>
+              </a:solidFill>
               <a:latin typeface="微軟正黑體" pitchFamily="34" charset="-120"/>
               <a:ea typeface="微軟正黑體" pitchFamily="34" charset="-120"/>
             </a:endParaRPr>
           </a:p>
-          <a:p>
-            <a:pPr algn="ctr">
-              <a:buNone/>
-            </a:pPr>
-            <a:r>
-              <a:rPr lang="zh-TW" altLang="en-US" sz="5400" b="1" dirty="0">
-                <a:latin typeface="微軟正黑體" pitchFamily="34" charset="-120"/>
-                <a:ea typeface="微軟正黑體" pitchFamily="34" charset="-120"/>
-              </a:rPr>
-              <a:t>道路被鋪平</a:t>
-            </a:r>
-            <a:endParaRPr lang="en-US" altLang="zh-TW" sz="5400" b="1" dirty="0">
-              <a:latin typeface="微軟正黑體" pitchFamily="34" charset="-120"/>
-              <a:ea typeface="微軟正黑體" pitchFamily="34" charset="-120"/>
+        </p:txBody>
+      </p:sp>
+      <p:sp>
+        <p:nvSpPr>
+          <p:cNvPr id="3" name="TextBox 2"/>
+          <p:cNvSpPr txBox="1"/>
+          <p:nvPr/>
+        </p:nvSpPr>
+        <p:spPr>
+          <a:xfrm>
+            <a:off x="0" y="5157193"/>
+            <a:ext cx="12192000" cy="748988"/>
+          </a:xfrm>
+          <a:prstGeom prst="rect">
+            <a:avLst/>
+          </a:prstGeom>
+          <a:noFill/>
+        </p:spPr>
+        <p:txBody>
+          <a:bodyPr wrap="square" rtlCol="0">
+            <a:spAutoFit/>
+          </a:bodyPr>
+          <a:lstStyle/>
+          <a:p>
+            <a:pPr algn="ctr"/>
+            <a:r>
+              <a:rPr lang="en-US" sz="4267" b="1" dirty="0">
+                <a:solidFill>
+                  <a:srgbClr val="660033"/>
+                </a:solidFill>
+                <a:latin typeface="Microsoft JhengHei" panose="020B0604030504040204" pitchFamily="34" charset="-120"/>
+                <a:ea typeface="Microsoft JhengHei" panose="020B0604030504040204" pitchFamily="34" charset="-120"/>
+              </a:rPr>
+              <a:t>( </a:t>
+            </a:r>
+            <a:r>
+              <a:rPr lang="zh-CN" altLang="en-US" sz="4267" b="1" dirty="0">
+                <a:solidFill>
+                  <a:srgbClr val="660033"/>
+                </a:solidFill>
+                <a:latin typeface="Microsoft JhengHei" panose="020B0604030504040204" pitchFamily="34" charset="-120"/>
+                <a:ea typeface="Microsoft JhengHei" panose="020B0604030504040204" pitchFamily="34" charset="-120"/>
+              </a:rPr>
+              <a:t>副</a:t>
+            </a:r>
+            <a:r>
+              <a:rPr lang="en-US" sz="4267" b="1" dirty="0">
+                <a:solidFill>
+                  <a:srgbClr val="660033"/>
+                </a:solidFill>
+                <a:latin typeface="Microsoft JhengHei" panose="020B0604030504040204" pitchFamily="34" charset="-120"/>
+                <a:ea typeface="Microsoft JhengHei" panose="020B0604030504040204" pitchFamily="34" charset="-120"/>
+              </a:rPr>
+              <a:t> )</a:t>
+            </a:r>
+            <a:endParaRPr lang="vi-VN" sz="4267" b="1" dirty="0">
+              <a:solidFill>
+                <a:srgbClr val="660033"/>
+              </a:solidFill>
+              <a:ea typeface="Microsoft JhengHei" panose="020B0604030504040204" pitchFamily="34" charset="-120"/>
             </a:endParaRPr>
           </a:p>
-          <a:p>
-            <a:pPr algn="ctr">
-              <a:buNone/>
-            </a:pPr>
-            <a:r>
-              <a:rPr lang="zh-TW" altLang="en-US" sz="5400" b="1" dirty="0">
-                <a:latin typeface="微軟正黑體" pitchFamily="34" charset="-120"/>
-                <a:ea typeface="微軟正黑體" pitchFamily="34" charset="-120"/>
-              </a:rPr>
-              <a:t>使列國歸向你</a:t>
-            </a:r>
-          </a:p>
         </p:txBody>
       </p:sp>
     </p:spTree>
+    <p:extLst>
+      <p:ext uri="{BB962C8B-B14F-4D97-AF65-F5344CB8AC3E}">
+        <p14:creationId xmlns:p14="http://schemas.microsoft.com/office/powerpoint/2010/main" val="4113974381"/>
+      </p:ext>
+    </p:extLst>
   </p:cSld>
   <p:clrMapOvr>
     <a:masterClrMapping/>
   </p:clrMapOvr>
-  <p:timing>
-    <p:tnLst>
-      <p:par>
-        <p:cTn id="1" dur="indefinite" restart="never" nodeType="tmRoot"/>
-      </p:par>
-    </p:tnLst>
-  </p:timing>
 </p:sld>
 </file>
 
@@ -3914,32 +3878,7 @@
       </p:grpSpPr>
       <p:sp>
         <p:nvSpPr>
-          <p:cNvPr id="2" name="標題 1"/>
-          <p:cNvSpPr>
-            <a:spLocks noGrp="1"/>
-          </p:cNvSpPr>
-          <p:nvPr>
-            <p:ph type="title"/>
-          </p:nvPr>
-        </p:nvSpPr>
-        <p:spPr/>
-        <p:txBody>
-          <a:bodyPr/>
-          <a:lstStyle/>
-          <a:p>
-            <a:r>
-              <a:rPr lang="zh-TW" altLang="en-US" b="1" dirty="0">
-                <a:latin typeface="微軟正黑體" pitchFamily="34" charset="-120"/>
-                <a:ea typeface="微軟正黑體" pitchFamily="34" charset="-120"/>
-              </a:rPr>
-              <a:t>我以禱告來到你跟前</a:t>
-            </a:r>
-          </a:p>
-        </p:txBody>
-      </p:sp>
-      <p:sp>
-        <p:nvSpPr>
-          <p:cNvPr id="3" name="內容版面配置區 2"/>
+          <p:cNvPr id="5" name="內容版面配置區 4"/>
           <p:cNvSpPr>
             <a:spLocks noGrp="1"/>
           </p:cNvSpPr>
@@ -3947,9 +3886,14 @@
             <p:ph idx="1"/>
           </p:nvPr>
         </p:nvSpPr>
-        <p:spPr/>
-        <p:txBody>
-          <a:bodyPr>
+        <p:spPr>
+          <a:xfrm>
+            <a:off x="0" y="2084853"/>
+            <a:ext cx="12192000" cy="2404863"/>
+          </a:xfrm>
+        </p:spPr>
+        <p:txBody>
+          <a:bodyPr anchor="ctr">
             <a:normAutofit/>
           </a:bodyPr>
           <a:lstStyle/>
@@ -3958,13 +3902,19 @@
               <a:buNone/>
             </a:pPr>
             <a:r>
-              <a:rPr lang="zh-TW" altLang="en-US" sz="5400" b="1" dirty="0">
-                <a:latin typeface="微軟正黑體" pitchFamily="34" charset="-120"/>
-                <a:ea typeface="微軟正黑體" pitchFamily="34" charset="-120"/>
-              </a:rPr>
-              <a:t>每一次我禱告</a:t>
-            </a:r>
-            <a:endParaRPr lang="en-US" altLang="zh-TW" sz="5400" b="1" dirty="0">
+              <a:rPr lang="zh-TW" altLang="en-US" sz="6400" b="1" dirty="0">
+                <a:solidFill>
+                  <a:srgbClr val="660033"/>
+                </a:solidFill>
+                <a:latin typeface="微軟正黑體" pitchFamily="34" charset="-120"/>
+                <a:ea typeface="微軟正黑體" pitchFamily="34" charset="-120"/>
+              </a:rPr>
+              <a:t>哈利路亞  哈利路亞</a:t>
+            </a:r>
+            <a:endParaRPr lang="en-US" altLang="zh-TW" sz="6400" b="1" dirty="0">
+              <a:solidFill>
+                <a:srgbClr val="660033"/>
+              </a:solidFill>
               <a:latin typeface="微軟正黑體" pitchFamily="34" charset="-120"/>
               <a:ea typeface="微軟正黑體" pitchFamily="34" charset="-120"/>
             </a:endParaRPr>
@@ -3974,43 +3924,107 @@
               <a:buNone/>
             </a:pPr>
             <a:r>
-              <a:rPr lang="zh-TW" altLang="en-US" sz="5400" b="1" dirty="0">
-                <a:latin typeface="微軟正黑體" pitchFamily="34" charset="-120"/>
-                <a:ea typeface="微軟正黑體" pitchFamily="34" charset="-120"/>
-              </a:rPr>
-              <a:t>我搖動你的手</a:t>
-            </a:r>
-            <a:endParaRPr lang="en-US" altLang="zh-TW" sz="5400" b="1" dirty="0">
+              <a:rPr lang="zh-CN" altLang="en-US" sz="6400" b="1" dirty="0">
+                <a:solidFill>
+                  <a:srgbClr val="660033"/>
+                </a:solidFill>
+                <a:latin typeface="微軟正黑體" pitchFamily="34" charset="-120"/>
+                <a:ea typeface="微軟正黑體" pitchFamily="34" charset="-120"/>
+              </a:rPr>
+              <a:t>袮</a:t>
+            </a:r>
+            <a:r>
+              <a:rPr lang="zh-TW" altLang="en-US" sz="6400" b="1" dirty="0">
+                <a:solidFill>
+                  <a:srgbClr val="660033"/>
+                </a:solidFill>
+                <a:latin typeface="微軟正黑體" pitchFamily="34" charset="-120"/>
+                <a:ea typeface="微軟正黑體" pitchFamily="34" charset="-120"/>
+              </a:rPr>
+              <a:t>的誠實上達到穹蒼</a:t>
+            </a:r>
+            <a:endParaRPr lang="en-US" sz="6400" b="1" dirty="0">
+              <a:solidFill>
+                <a:srgbClr val="660033"/>
+              </a:solidFill>
               <a:latin typeface="微軟正黑體" pitchFamily="34" charset="-120"/>
               <a:ea typeface="微軟正黑體" pitchFamily="34" charset="-120"/>
             </a:endParaRPr>
           </a:p>
-          <a:p>
-            <a:pPr algn="ctr">
-              <a:buNone/>
-            </a:pPr>
-            <a:r>
-              <a:rPr lang="zh-TW" altLang="en-US" sz="5400" b="1" dirty="0">
-                <a:latin typeface="微軟正黑體" pitchFamily="34" charset="-120"/>
-                <a:ea typeface="微軟正黑體" pitchFamily="34" charset="-120"/>
-              </a:rPr>
-              <a:t>禱告做的事我的手不能做</a:t>
-            </a:r>
+        </p:txBody>
+      </p:sp>
+      <p:sp>
+        <p:nvSpPr>
+          <p:cNvPr id="3" name="TextBox 2"/>
+          <p:cNvSpPr txBox="1"/>
+          <p:nvPr/>
+        </p:nvSpPr>
+        <p:spPr>
+          <a:xfrm>
+            <a:off x="0" y="5157193"/>
+            <a:ext cx="12192000" cy="748988"/>
+          </a:xfrm>
+          <a:prstGeom prst="rect">
+            <a:avLst/>
+          </a:prstGeom>
+          <a:noFill/>
+        </p:spPr>
+        <p:txBody>
+          <a:bodyPr wrap="square" rtlCol="0">
+            <a:spAutoFit/>
+          </a:bodyPr>
+          <a:lstStyle/>
+          <a:p>
+            <a:pPr algn="ctr"/>
+            <a:r>
+              <a:rPr lang="en-US" sz="4267" b="1" dirty="0">
+                <a:solidFill>
+                  <a:srgbClr val="660033"/>
+                </a:solidFill>
+                <a:latin typeface="Microsoft JhengHei" panose="020B0604030504040204" pitchFamily="34" charset="-120"/>
+                <a:ea typeface="Microsoft JhengHei" panose="020B0604030504040204" pitchFamily="34" charset="-120"/>
+              </a:rPr>
+              <a:t>( </a:t>
+            </a:r>
+            <a:r>
+              <a:rPr lang="zh-CN" altLang="en-US" sz="4267" b="1" dirty="0">
+                <a:solidFill>
+                  <a:srgbClr val="660033"/>
+                </a:solidFill>
+                <a:latin typeface="Microsoft JhengHei" panose="020B0604030504040204" pitchFamily="34" charset="-120"/>
+                <a:ea typeface="Microsoft JhengHei" panose="020B0604030504040204" pitchFamily="34" charset="-120"/>
+              </a:rPr>
+              <a:t>副</a:t>
+            </a:r>
+            <a:r>
+              <a:rPr lang="en-US" sz="4267" b="1" dirty="0">
+                <a:solidFill>
+                  <a:srgbClr val="660033"/>
+                </a:solidFill>
+                <a:latin typeface="Microsoft JhengHei" panose="020B0604030504040204" pitchFamily="34" charset="-120"/>
+                <a:ea typeface="Microsoft JhengHei" panose="020B0604030504040204" pitchFamily="34" charset="-120"/>
+              </a:rPr>
+              <a:t> )</a:t>
+            </a:r>
+            <a:endParaRPr lang="vi-VN" sz="4267" b="1" dirty="0">
+              <a:solidFill>
+                <a:srgbClr val="660033"/>
+              </a:solidFill>
+              <a:ea typeface="Microsoft JhengHei" panose="020B0604030504040204" pitchFamily="34" charset="-120"/>
+            </a:endParaRPr>
           </a:p>
         </p:txBody>
       </p:sp>
     </p:spTree>
+    <p:extLst>
+      <p:ext uri="{BB962C8B-B14F-4D97-AF65-F5344CB8AC3E}">
+        <p14:creationId xmlns:p14="http://schemas.microsoft.com/office/powerpoint/2010/main" val="624511285"/>
+      </p:ext>
+    </p:extLst>
   </p:cSld>
   <p:clrMapOvr>
     <a:masterClrMapping/>
   </p:clrMapOvr>
-  <p:timing>
-    <p:tnLst>
-      <p:par>
-        <p:cTn id="1" dur="indefinite" restart="never" nodeType="tmRoot"/>
-      </p:par>
-    </p:tnLst>
-  </p:timing>
 </p:sld>
 </file>
 
@@ -4033,32 +4047,7 @@
       </p:grpSpPr>
       <p:sp>
         <p:nvSpPr>
-          <p:cNvPr id="2" name="標題 1"/>
-          <p:cNvSpPr>
-            <a:spLocks noGrp="1"/>
-          </p:cNvSpPr>
-          <p:nvPr>
-            <p:ph type="title"/>
-          </p:nvPr>
-        </p:nvSpPr>
-        <p:spPr/>
-        <p:txBody>
-          <a:bodyPr/>
-          <a:lstStyle/>
-          <a:p>
-            <a:r>
-              <a:rPr lang="zh-TW" altLang="en-US" b="1" dirty="0">
-                <a:latin typeface="微軟正黑體" pitchFamily="34" charset="-120"/>
-                <a:ea typeface="微軟正黑體" pitchFamily="34" charset="-120"/>
-              </a:rPr>
-              <a:t>我以禱告來到你跟前</a:t>
-            </a:r>
-          </a:p>
-        </p:txBody>
-      </p:sp>
-      <p:sp>
-        <p:nvSpPr>
-          <p:cNvPr id="3" name="內容版面配置區 2"/>
+          <p:cNvPr id="5" name="內容版面配置區 4"/>
           <p:cNvSpPr>
             <a:spLocks noGrp="1"/>
           </p:cNvSpPr>
@@ -4066,9 +4055,14 @@
             <p:ph idx="1"/>
           </p:nvPr>
         </p:nvSpPr>
-        <p:spPr/>
-        <p:txBody>
-          <a:bodyPr>
+        <p:spPr>
+          <a:xfrm>
+            <a:off x="0" y="2084853"/>
+            <a:ext cx="12192000" cy="2404863"/>
+          </a:xfrm>
+        </p:spPr>
+        <p:txBody>
+          <a:bodyPr anchor="ctr">
             <a:normAutofit/>
           </a:bodyPr>
           <a:lstStyle/>
@@ -4077,13 +4071,19 @@
               <a:buNone/>
             </a:pPr>
             <a:r>
-              <a:rPr lang="zh-TW" altLang="en-US" sz="5400" b="1" dirty="0">
-                <a:latin typeface="微軟正黑體" pitchFamily="34" charset="-120"/>
-                <a:ea typeface="微軟正黑體" pitchFamily="34" charset="-120"/>
-              </a:rPr>
-              <a:t>每一次我禱告</a:t>
-            </a:r>
-            <a:endParaRPr lang="en-US" altLang="zh-TW" sz="5400" b="1" dirty="0">
+              <a:rPr lang="zh-TW" altLang="en-US" sz="6400" b="1" dirty="0">
+                <a:solidFill>
+                  <a:srgbClr val="660033"/>
+                </a:solidFill>
+                <a:latin typeface="微軟正黑體" pitchFamily="34" charset="-120"/>
+                <a:ea typeface="微軟正黑體" pitchFamily="34" charset="-120"/>
+              </a:rPr>
+              <a:t>哈利路亞  哈利路亞</a:t>
+            </a:r>
+            <a:endParaRPr lang="en-US" altLang="zh-TW" sz="6400" b="1" dirty="0">
+              <a:solidFill>
+                <a:srgbClr val="660033"/>
+              </a:solidFill>
               <a:latin typeface="微軟正黑體" pitchFamily="34" charset="-120"/>
               <a:ea typeface="微軟正黑體" pitchFamily="34" charset="-120"/>
             </a:endParaRPr>
@@ -4093,59 +4093,117 @@
               <a:buNone/>
             </a:pPr>
             <a:r>
-              <a:rPr lang="zh-TW" altLang="en-US" sz="5400" b="1" dirty="0">
-                <a:latin typeface="微軟正黑體" pitchFamily="34" charset="-120"/>
-                <a:ea typeface="微軟正黑體" pitchFamily="34" charset="-120"/>
-              </a:rPr>
-              <a:t>大山被挪移</a:t>
-            </a:r>
-            <a:endParaRPr lang="en-US" altLang="zh-TW" sz="5400" b="1" dirty="0">
+              <a:rPr lang="zh-CN" altLang="en-US" sz="6400" b="1" dirty="0">
+                <a:solidFill>
+                  <a:srgbClr val="660033"/>
+                </a:solidFill>
+                <a:latin typeface="微軟正黑體" pitchFamily="34" charset="-120"/>
+                <a:ea typeface="微軟正黑體" pitchFamily="34" charset="-120"/>
+              </a:rPr>
+              <a:t>袮</a:t>
+            </a:r>
+            <a:r>
+              <a:rPr lang="zh-TW" altLang="en-US" sz="6400" b="1" dirty="0">
+                <a:solidFill>
+                  <a:srgbClr val="660033"/>
+                </a:solidFill>
+                <a:latin typeface="微軟正黑體" pitchFamily="34" charset="-120"/>
+                <a:ea typeface="微軟正黑體" pitchFamily="34" charset="-120"/>
+              </a:rPr>
+              <a:t>的慈愛高及諸天</a:t>
+            </a:r>
+            <a:endParaRPr lang="en-US" altLang="zh-TW" sz="6400" b="1" dirty="0">
+              <a:solidFill>
+                <a:srgbClr val="660033"/>
+              </a:solidFill>
               <a:latin typeface="微軟正黑體" pitchFamily="34" charset="-120"/>
               <a:ea typeface="微軟正黑體" pitchFamily="34" charset="-120"/>
             </a:endParaRPr>
           </a:p>
-          <a:p>
-            <a:pPr algn="ctr">
-              <a:buNone/>
-            </a:pPr>
-            <a:r>
-              <a:rPr lang="zh-TW" altLang="en-US" sz="5400" b="1" dirty="0">
-                <a:latin typeface="微軟正黑體" pitchFamily="34" charset="-120"/>
-                <a:ea typeface="微軟正黑體" pitchFamily="34" charset="-120"/>
-              </a:rPr>
-              <a:t>道路被鋪平</a:t>
-            </a:r>
-            <a:endParaRPr lang="en-US" altLang="zh-TW" sz="5400" b="1" dirty="0">
-              <a:latin typeface="微軟正黑體" pitchFamily="34" charset="-120"/>
-              <a:ea typeface="微軟正黑體" pitchFamily="34" charset="-120"/>
+        </p:txBody>
+      </p:sp>
+      <p:sp>
+        <p:nvSpPr>
+          <p:cNvPr id="3" name="TextBox 2"/>
+          <p:cNvSpPr txBox="1"/>
+          <p:nvPr/>
+        </p:nvSpPr>
+        <p:spPr>
+          <a:xfrm>
+            <a:off x="0" y="5157193"/>
+            <a:ext cx="12192000" cy="748988"/>
+          </a:xfrm>
+          <a:prstGeom prst="rect">
+            <a:avLst/>
+          </a:prstGeom>
+          <a:noFill/>
+        </p:spPr>
+        <p:txBody>
+          <a:bodyPr wrap="square" rtlCol="0">
+            <a:spAutoFit/>
+          </a:bodyPr>
+          <a:lstStyle/>
+          <a:p>
+            <a:pPr algn="ctr"/>
+            <a:r>
+              <a:rPr lang="en-US" sz="4267" b="1" dirty="0">
+                <a:solidFill>
+                  <a:srgbClr val="660033"/>
+                </a:solidFill>
+                <a:latin typeface="Microsoft JhengHei" panose="020B0604030504040204" pitchFamily="34" charset="-120"/>
+                <a:ea typeface="Microsoft JhengHei" panose="020B0604030504040204" pitchFamily="34" charset="-120"/>
+              </a:rPr>
+              <a:t>( </a:t>
+            </a:r>
+            <a:r>
+              <a:rPr lang="zh-CN" altLang="en-US" sz="4267" b="1" dirty="0" smtClean="0">
+                <a:solidFill>
+                  <a:srgbClr val="660033"/>
+                </a:solidFill>
+                <a:latin typeface="Microsoft JhengHei" panose="020B0604030504040204" pitchFamily="34" charset="-120"/>
+                <a:ea typeface="Microsoft JhengHei" panose="020B0604030504040204" pitchFamily="34" charset="-120"/>
+              </a:rPr>
+              <a:t>尾</a:t>
+            </a:r>
+            <a:r>
+              <a:rPr lang="en-US" sz="4267" b="1" dirty="0" smtClean="0">
+                <a:solidFill>
+                  <a:srgbClr val="660033"/>
+                </a:solidFill>
+                <a:latin typeface="Microsoft JhengHei" panose="020B0604030504040204" pitchFamily="34" charset="-120"/>
+                <a:ea typeface="Microsoft JhengHei" panose="020B0604030504040204" pitchFamily="34" charset="-120"/>
+              </a:rPr>
+              <a:t> </a:t>
+            </a:r>
+            <a:r>
+              <a:rPr lang="en-US" sz="4267" b="1" dirty="0">
+                <a:solidFill>
+                  <a:srgbClr val="660033"/>
+                </a:solidFill>
+                <a:latin typeface="Microsoft JhengHei" panose="020B0604030504040204" pitchFamily="34" charset="-120"/>
+                <a:ea typeface="Microsoft JhengHei" panose="020B0604030504040204" pitchFamily="34" charset="-120"/>
+              </a:rPr>
+              <a:t>)</a:t>
+            </a:r>
+            <a:endParaRPr lang="vi-VN" sz="4267" b="1" dirty="0">
+              <a:solidFill>
+                <a:srgbClr val="660033"/>
+              </a:solidFill>
+              <a:ea typeface="Microsoft JhengHei" panose="020B0604030504040204" pitchFamily="34" charset="-120"/>
             </a:endParaRPr>
           </a:p>
-          <a:p>
-            <a:pPr algn="ctr">
-              <a:buNone/>
-            </a:pPr>
-            <a:r>
-              <a:rPr lang="zh-TW" altLang="en-US" sz="5400" b="1" dirty="0">
-                <a:latin typeface="微軟正黑體" pitchFamily="34" charset="-120"/>
-                <a:ea typeface="微軟正黑體" pitchFamily="34" charset="-120"/>
-              </a:rPr>
-              <a:t>使列國歸向你</a:t>
-            </a:r>
-          </a:p>
         </p:txBody>
       </p:sp>
     </p:spTree>
+    <p:extLst>
+      <p:ext uri="{BB962C8B-B14F-4D97-AF65-F5344CB8AC3E}">
+        <p14:creationId xmlns:p14="http://schemas.microsoft.com/office/powerpoint/2010/main" val="2801189630"/>
+      </p:ext>
+    </p:extLst>
   </p:cSld>
   <p:clrMapOvr>
     <a:masterClrMapping/>
   </p:clrMapOvr>
-  <p:timing>
-    <p:tnLst>
-      <p:par>
-        <p:cTn id="1" dur="indefinite" restart="never" nodeType="tmRoot"/>
-      </p:par>
-    </p:tnLst>
-  </p:timing>
 </p:sld>
 </file>
 
@@ -4168,32 +4226,7 @@
       </p:grpSpPr>
       <p:sp>
         <p:nvSpPr>
-          <p:cNvPr id="2" name="標題 1"/>
-          <p:cNvSpPr>
-            <a:spLocks noGrp="1"/>
-          </p:cNvSpPr>
-          <p:nvPr>
-            <p:ph type="title"/>
-          </p:nvPr>
-        </p:nvSpPr>
-        <p:spPr/>
-        <p:txBody>
-          <a:bodyPr/>
-          <a:lstStyle/>
-          <a:p>
-            <a:r>
-              <a:rPr lang="zh-TW" altLang="en-US" b="1" dirty="0">
-                <a:latin typeface="微軟正黑體" pitchFamily="34" charset="-120"/>
-                <a:ea typeface="微軟正黑體" pitchFamily="34" charset="-120"/>
-              </a:rPr>
-              <a:t>我以禱告來到你跟前</a:t>
-            </a:r>
-          </a:p>
-        </p:txBody>
-      </p:sp>
-      <p:sp>
-        <p:nvSpPr>
-          <p:cNvPr id="3" name="內容版面配置區 2"/>
+          <p:cNvPr id="5" name="內容版面配置區 4"/>
           <p:cNvSpPr>
             <a:spLocks noGrp="1"/>
           </p:cNvSpPr>
@@ -4201,9 +4234,14 @@
             <p:ph idx="1"/>
           </p:nvPr>
         </p:nvSpPr>
-        <p:spPr/>
-        <p:txBody>
-          <a:bodyPr>
+        <p:spPr>
+          <a:xfrm>
+            <a:off x="0" y="2084853"/>
+            <a:ext cx="12192000" cy="2404863"/>
+          </a:xfrm>
+        </p:spPr>
+        <p:txBody>
+          <a:bodyPr anchor="ctr">
             <a:normAutofit/>
           </a:bodyPr>
           <a:lstStyle/>
@@ -4212,13 +4250,19 @@
               <a:buNone/>
             </a:pPr>
             <a:r>
-              <a:rPr lang="zh-TW" altLang="en-US" sz="5400" b="1" dirty="0">
-                <a:latin typeface="微軟正黑體" pitchFamily="34" charset="-120"/>
-                <a:ea typeface="微軟正黑體" pitchFamily="34" charset="-120"/>
-              </a:rPr>
-              <a:t>每一次我禱告</a:t>
-            </a:r>
-            <a:endParaRPr lang="en-US" altLang="zh-TW" sz="5400" b="1" dirty="0">
+              <a:rPr lang="zh-TW" altLang="en-US" sz="6400" b="1" dirty="0">
+                <a:solidFill>
+                  <a:srgbClr val="660033"/>
+                </a:solidFill>
+                <a:latin typeface="微軟正黑體" pitchFamily="34" charset="-120"/>
+                <a:ea typeface="微軟正黑體" pitchFamily="34" charset="-120"/>
+              </a:rPr>
+              <a:t>哈利路亞  哈利路亞</a:t>
+            </a:r>
+            <a:endParaRPr lang="en-US" altLang="zh-TW" sz="6400" b="1" dirty="0">
+              <a:solidFill>
+                <a:srgbClr val="660033"/>
+              </a:solidFill>
               <a:latin typeface="微軟正黑體" pitchFamily="34" charset="-120"/>
               <a:ea typeface="微軟正黑體" pitchFamily="34" charset="-120"/>
             </a:endParaRPr>
@@ -4228,59 +4272,652 @@
               <a:buNone/>
             </a:pPr>
             <a:r>
-              <a:rPr lang="zh-TW" altLang="en-US" sz="5400" b="1" dirty="0">
-                <a:latin typeface="微軟正黑體" pitchFamily="34" charset="-120"/>
-                <a:ea typeface="微軟正黑體" pitchFamily="34" charset="-120"/>
-              </a:rPr>
-              <a:t>大山被挪移</a:t>
-            </a:r>
-            <a:endParaRPr lang="en-US" altLang="zh-TW" sz="5400" b="1" dirty="0">
+              <a:rPr lang="zh-CN" altLang="en-US" sz="6400" b="1" dirty="0">
+                <a:solidFill>
+                  <a:srgbClr val="660033"/>
+                </a:solidFill>
+                <a:latin typeface="微軟正黑體" pitchFamily="34" charset="-120"/>
+                <a:ea typeface="微軟正黑體" pitchFamily="34" charset="-120"/>
+              </a:rPr>
+              <a:t>袮</a:t>
+            </a:r>
+            <a:r>
+              <a:rPr lang="zh-TW" altLang="en-US" sz="6400" b="1" dirty="0">
+                <a:solidFill>
+                  <a:srgbClr val="660033"/>
+                </a:solidFill>
+                <a:latin typeface="微軟正黑體" pitchFamily="34" charset="-120"/>
+                <a:ea typeface="微軟正黑體" pitchFamily="34" charset="-120"/>
+              </a:rPr>
+              <a:t>的誠實上達到穹蒼</a:t>
+            </a:r>
+            <a:endParaRPr lang="en-US" sz="6400" b="1" dirty="0">
+              <a:solidFill>
+                <a:srgbClr val="660033"/>
+              </a:solidFill>
               <a:latin typeface="微軟正黑體" pitchFamily="34" charset="-120"/>
               <a:ea typeface="微軟正黑體" pitchFamily="34" charset="-120"/>
             </a:endParaRPr>
           </a:p>
-          <a:p>
-            <a:pPr algn="ctr">
-              <a:buNone/>
-            </a:pPr>
-            <a:r>
-              <a:rPr lang="zh-TW" altLang="en-US" sz="5400" b="1" dirty="0">
-                <a:latin typeface="微軟正黑體" pitchFamily="34" charset="-120"/>
-                <a:ea typeface="微軟正黑體" pitchFamily="34" charset="-120"/>
-              </a:rPr>
-              <a:t>道路被鋪平</a:t>
-            </a:r>
-            <a:endParaRPr lang="en-US" altLang="zh-TW" sz="5400" b="1" dirty="0">
-              <a:latin typeface="微軟正黑體" pitchFamily="34" charset="-120"/>
-              <a:ea typeface="微軟正黑體" pitchFamily="34" charset="-120"/>
+        </p:txBody>
+      </p:sp>
+      <p:sp>
+        <p:nvSpPr>
+          <p:cNvPr id="3" name="TextBox 2"/>
+          <p:cNvSpPr txBox="1"/>
+          <p:nvPr/>
+        </p:nvSpPr>
+        <p:spPr>
+          <a:xfrm>
+            <a:off x="0" y="5157193"/>
+            <a:ext cx="12192000" cy="748988"/>
+          </a:xfrm>
+          <a:prstGeom prst="rect">
+            <a:avLst/>
+          </a:prstGeom>
+          <a:noFill/>
+        </p:spPr>
+        <p:txBody>
+          <a:bodyPr wrap="square" rtlCol="0">
+            <a:spAutoFit/>
+          </a:bodyPr>
+          <a:lstStyle/>
+          <a:p>
+            <a:pPr algn="ctr"/>
+            <a:r>
+              <a:rPr lang="en-US" sz="4267" b="1" dirty="0">
+                <a:solidFill>
+                  <a:srgbClr val="660033"/>
+                </a:solidFill>
+                <a:latin typeface="Microsoft JhengHei" panose="020B0604030504040204" pitchFamily="34" charset="-120"/>
+                <a:ea typeface="Microsoft JhengHei" panose="020B0604030504040204" pitchFamily="34" charset="-120"/>
+              </a:rPr>
+              <a:t>( </a:t>
+            </a:r>
+            <a:r>
+              <a:rPr lang="zh-CN" altLang="en-US" sz="4267" b="1" dirty="0">
+                <a:solidFill>
+                  <a:srgbClr val="660033"/>
+                </a:solidFill>
+                <a:latin typeface="Microsoft JhengHei" panose="020B0604030504040204" pitchFamily="34" charset="-120"/>
+                <a:ea typeface="Microsoft JhengHei" panose="020B0604030504040204" pitchFamily="34" charset="-120"/>
+              </a:rPr>
+              <a:t>尾</a:t>
+            </a:r>
+            <a:r>
+              <a:rPr lang="en-US" sz="4267" b="1" dirty="0">
+                <a:solidFill>
+                  <a:srgbClr val="660033"/>
+                </a:solidFill>
+                <a:latin typeface="Microsoft JhengHei" panose="020B0604030504040204" pitchFamily="34" charset="-120"/>
+                <a:ea typeface="Microsoft JhengHei" panose="020B0604030504040204" pitchFamily="34" charset="-120"/>
+              </a:rPr>
+              <a:t> )</a:t>
+            </a:r>
+            <a:endParaRPr lang="vi-VN" sz="4267" b="1" dirty="0">
+              <a:solidFill>
+                <a:srgbClr val="660033"/>
+              </a:solidFill>
+              <a:ea typeface="Microsoft JhengHei" panose="020B0604030504040204" pitchFamily="34" charset="-120"/>
             </a:endParaRPr>
           </a:p>
-          <a:p>
-            <a:pPr algn="ctr">
-              <a:buNone/>
-            </a:pPr>
-            <a:r>
-              <a:rPr lang="zh-TW" altLang="en-US" sz="5400" b="1" dirty="0">
-                <a:latin typeface="微軟正黑體" pitchFamily="34" charset="-120"/>
-                <a:ea typeface="微軟正黑體" pitchFamily="34" charset="-120"/>
-              </a:rPr>
-              <a:t>使列國歸向你</a:t>
-            </a:r>
-          </a:p>
         </p:txBody>
       </p:sp>
     </p:spTree>
+    <p:extLst>
+      <p:ext uri="{BB962C8B-B14F-4D97-AF65-F5344CB8AC3E}">
+        <p14:creationId xmlns:p14="http://schemas.microsoft.com/office/powerpoint/2010/main" val="178363072"/>
+      </p:ext>
+    </p:extLst>
   </p:cSld>
   <p:clrMapOvr>
     <a:masterClrMapping/>
   </p:clrMapOvr>
-  <p:timing>
-    <p:tnLst>
-      <p:par>
-        <p:cTn id="1" dur="indefinite" restart="never" nodeType="tmRoot"/>
-      </p:par>
-    </p:tnLst>
-  </p:timing>
+</p:sld>
+</file>
+
+<file path=ppt/slides/slide17.xml><?xml version="1.0" encoding="utf-8"?>
+<p:sld xmlns:a="http://schemas.openxmlformats.org/drawingml/2006/main" xmlns:r="http://schemas.openxmlformats.org/officeDocument/2006/relationships" xmlns:p="http://schemas.openxmlformats.org/presentationml/2006/main">
+  <p:cSld>
+    <p:spTree>
+      <p:nvGrpSpPr>
+        <p:cNvPr id="1" name=""/>
+        <p:cNvGrpSpPr/>
+        <p:nvPr/>
+      </p:nvGrpSpPr>
+      <p:grpSpPr>
+        <a:xfrm>
+          <a:off x="0" y="0"/>
+          <a:ext cx="0" cy="0"/>
+          <a:chOff x="0" y="0"/>
+          <a:chExt cx="0" cy="0"/>
+        </a:xfrm>
+      </p:grpSpPr>
+      <p:sp>
+        <p:nvSpPr>
+          <p:cNvPr id="4" name="標題 3"/>
+          <p:cNvSpPr>
+            <a:spLocks noGrp="1"/>
+          </p:cNvSpPr>
+          <p:nvPr>
+            <p:ph type="title"/>
+          </p:nvPr>
+        </p:nvSpPr>
+        <p:spPr>
+          <a:xfrm>
+            <a:off x="0" y="2660915"/>
+            <a:ext cx="12192000" cy="1143000"/>
+          </a:xfrm>
+        </p:spPr>
+        <p:txBody>
+          <a:bodyPr>
+            <a:noAutofit/>
+          </a:bodyPr>
+          <a:lstStyle/>
+          <a:p>
+            <a:r>
+              <a:rPr lang="zh-TW" altLang="en-US" sz="7200" b="1" i="1" dirty="0">
+                <a:solidFill>
+                  <a:srgbClr val="000066"/>
+                </a:solidFill>
+                <a:effectLst>
+                  <a:outerShdw blurRad="38100" dist="38100" dir="2700000" algn="tl">
+                    <a:srgbClr val="000000">
+                      <a:alpha val="43137"/>
+                    </a:srgbClr>
+                  </a:outerShdw>
+                </a:effectLst>
+                <a:latin typeface="微軟正黑體" pitchFamily="34" charset="-120"/>
+                <a:ea typeface="微軟正黑體" pitchFamily="34" charset="-120"/>
+              </a:rPr>
+              <a:t>我</a:t>
+            </a:r>
+            <a:r>
+              <a:rPr lang="zh-TW" altLang="en-US" sz="7200" b="1" i="1" dirty="0">
+                <a:solidFill>
+                  <a:srgbClr val="000066"/>
+                </a:solidFill>
+                <a:effectLst>
+                  <a:outerShdw blurRad="38100" dist="38100" dir="2700000" algn="tl">
+                    <a:srgbClr val="000000">
+                      <a:alpha val="43137"/>
+                    </a:srgbClr>
+                  </a:outerShdw>
+                </a:effectLst>
+                <a:latin typeface="微軟正黑體" pitchFamily="34" charset="-120"/>
+                <a:ea typeface="微軟正黑體" pitchFamily="34" charset="-120"/>
+              </a:rPr>
+              <a:t>以禱告來</a:t>
+            </a:r>
+            <a:r>
+              <a:rPr lang="zh-TW" altLang="en-US" sz="7200" b="1" i="1" dirty="0">
+                <a:solidFill>
+                  <a:srgbClr val="000066"/>
+                </a:solidFill>
+                <a:effectLst>
+                  <a:outerShdw blurRad="38100" dist="38100" dir="2700000" algn="tl">
+                    <a:srgbClr val="000000">
+                      <a:alpha val="43137"/>
+                    </a:srgbClr>
+                  </a:outerShdw>
+                </a:effectLst>
+                <a:latin typeface="微軟正黑體" pitchFamily="34" charset="-120"/>
+                <a:ea typeface="微軟正黑體" pitchFamily="34" charset="-120"/>
+              </a:rPr>
+              <a:t>到</a:t>
+            </a:r>
+            <a:r>
+              <a:rPr lang="zh-CN" altLang="en-US" sz="7200" b="1" i="1" dirty="0">
+                <a:solidFill>
+                  <a:srgbClr val="000066"/>
+                </a:solidFill>
+                <a:effectLst>
+                  <a:outerShdw blurRad="38100" dist="38100" dir="2700000" algn="tl">
+                    <a:srgbClr val="000000">
+                      <a:alpha val="43137"/>
+                    </a:srgbClr>
+                  </a:outerShdw>
+                </a:effectLst>
+                <a:latin typeface="微軟正黑體" pitchFamily="34" charset="-120"/>
+                <a:ea typeface="微軟正黑體" pitchFamily="34" charset="-120"/>
+              </a:rPr>
+              <a:t>袮</a:t>
+            </a:r>
+            <a:r>
+              <a:rPr lang="zh-TW" altLang="en-US" sz="7200" b="1" i="1" dirty="0">
+                <a:solidFill>
+                  <a:srgbClr val="000066"/>
+                </a:solidFill>
+                <a:effectLst>
+                  <a:outerShdw blurRad="38100" dist="38100" dir="2700000" algn="tl">
+                    <a:srgbClr val="000000">
+                      <a:alpha val="43137"/>
+                    </a:srgbClr>
+                  </a:outerShdw>
+                </a:effectLst>
+                <a:latin typeface="微軟正黑體" pitchFamily="34" charset="-120"/>
+                <a:ea typeface="微軟正黑體" pitchFamily="34" charset="-120"/>
+              </a:rPr>
+              <a:t>跟</a:t>
+            </a:r>
+            <a:r>
+              <a:rPr lang="zh-TW" altLang="en-US" sz="7200" b="1" i="1" dirty="0">
+                <a:solidFill>
+                  <a:srgbClr val="000066"/>
+                </a:solidFill>
+                <a:effectLst>
+                  <a:outerShdw blurRad="38100" dist="38100" dir="2700000" algn="tl">
+                    <a:srgbClr val="000000">
+                      <a:alpha val="43137"/>
+                    </a:srgbClr>
+                  </a:outerShdw>
+                </a:effectLst>
+                <a:latin typeface="微軟正黑體" pitchFamily="34" charset="-120"/>
+                <a:ea typeface="微軟正黑體" pitchFamily="34" charset="-120"/>
+              </a:rPr>
+              <a:t>前</a:t>
+            </a:r>
+          </a:p>
+        </p:txBody>
+      </p:sp>
+    </p:spTree>
+    <p:extLst>
+      <p:ext uri="{BB962C8B-B14F-4D97-AF65-F5344CB8AC3E}">
+        <p14:creationId xmlns:p14="http://schemas.microsoft.com/office/powerpoint/2010/main" val="1483252670"/>
+      </p:ext>
+    </p:extLst>
+  </p:cSld>
+  <p:clrMapOvr>
+    <a:masterClrMapping/>
+  </p:clrMapOvr>
+</p:sld>
+</file>
+
+<file path=ppt/slides/slide18.xml><?xml version="1.0" encoding="utf-8"?>
+<p:sld xmlns:a="http://schemas.openxmlformats.org/drawingml/2006/main" xmlns:r="http://schemas.openxmlformats.org/officeDocument/2006/relationships" xmlns:p="http://schemas.openxmlformats.org/presentationml/2006/main">
+  <p:cSld>
+    <p:spTree>
+      <p:nvGrpSpPr>
+        <p:cNvPr id="1" name=""/>
+        <p:cNvGrpSpPr/>
+        <p:nvPr/>
+      </p:nvGrpSpPr>
+      <p:grpSpPr>
+        <a:xfrm>
+          <a:off x="0" y="0"/>
+          <a:ext cx="0" cy="0"/>
+          <a:chOff x="0" y="0"/>
+          <a:chExt cx="0" cy="0"/>
+        </a:xfrm>
+      </p:grpSpPr>
+      <p:sp>
+        <p:nvSpPr>
+          <p:cNvPr id="5" name="內容版面配置區 4"/>
+          <p:cNvSpPr>
+            <a:spLocks noGrp="1"/>
+          </p:cNvSpPr>
+          <p:nvPr>
+            <p:ph idx="1"/>
+          </p:nvPr>
+        </p:nvSpPr>
+        <p:spPr>
+          <a:xfrm>
+            <a:off x="0" y="2084853"/>
+            <a:ext cx="12192000" cy="2404863"/>
+          </a:xfrm>
+        </p:spPr>
+        <p:txBody>
+          <a:bodyPr anchor="ctr">
+            <a:normAutofit/>
+          </a:bodyPr>
+          <a:lstStyle/>
+          <a:p>
+            <a:pPr algn="ctr">
+              <a:buNone/>
+            </a:pPr>
+            <a:r>
+              <a:rPr lang="zh-TW" altLang="en-US" sz="6400" b="1" dirty="0">
+                <a:solidFill>
+                  <a:srgbClr val="000066"/>
+                </a:solidFill>
+                <a:latin typeface="微軟正黑體" pitchFamily="34" charset="-120"/>
+                <a:ea typeface="微軟正黑體" pitchFamily="34" charset="-120"/>
+              </a:rPr>
+              <a:t>我以禱告來到</a:t>
+            </a:r>
+            <a:r>
+              <a:rPr lang="zh-CN" altLang="en-US" sz="6400" b="1" dirty="0">
+                <a:solidFill>
+                  <a:srgbClr val="000066"/>
+                </a:solidFill>
+                <a:latin typeface="微軟正黑體" pitchFamily="34" charset="-120"/>
+                <a:ea typeface="微軟正黑體" pitchFamily="34" charset="-120"/>
+              </a:rPr>
+              <a:t>袮</a:t>
+            </a:r>
+            <a:r>
+              <a:rPr lang="zh-TW" altLang="en-US" sz="6400" b="1" dirty="0">
+                <a:solidFill>
+                  <a:srgbClr val="000066"/>
+                </a:solidFill>
+                <a:latin typeface="微軟正黑體" pitchFamily="34" charset="-120"/>
+                <a:ea typeface="微軟正黑體" pitchFamily="34" charset="-120"/>
+              </a:rPr>
+              <a:t>跟前</a:t>
+            </a:r>
+            <a:endParaRPr lang="en-US" altLang="zh-TW" sz="6400" b="1" dirty="0">
+              <a:solidFill>
+                <a:srgbClr val="000066"/>
+              </a:solidFill>
+              <a:latin typeface="微軟正黑體" pitchFamily="34" charset="-120"/>
+              <a:ea typeface="微軟正黑體" pitchFamily="34" charset="-120"/>
+            </a:endParaRPr>
+          </a:p>
+          <a:p>
+            <a:pPr algn="ctr">
+              <a:buNone/>
+            </a:pPr>
+            <a:r>
+              <a:rPr lang="zh-TW" altLang="en-US" sz="6400" b="1" dirty="0">
+                <a:solidFill>
+                  <a:srgbClr val="000066"/>
+                </a:solidFill>
+                <a:latin typeface="微軟正黑體" pitchFamily="34" charset="-120"/>
+                <a:ea typeface="微軟正黑體" pitchFamily="34" charset="-120"/>
+              </a:rPr>
+              <a:t>我要尋求</a:t>
+            </a:r>
+            <a:r>
+              <a:rPr lang="zh-CN" altLang="en-US" sz="6400" b="1" dirty="0">
+                <a:solidFill>
+                  <a:srgbClr val="000066"/>
+                </a:solidFill>
+                <a:latin typeface="微軟正黑體" pitchFamily="34" charset="-120"/>
+                <a:ea typeface="微軟正黑體" pitchFamily="34" charset="-120"/>
+              </a:rPr>
+              <a:t>袮</a:t>
+            </a:r>
+            <a:endParaRPr lang="en-US" altLang="zh-TW" sz="6400" b="1" dirty="0">
+              <a:solidFill>
+                <a:srgbClr val="000066"/>
+              </a:solidFill>
+              <a:latin typeface="微軟正黑體" pitchFamily="34" charset="-120"/>
+              <a:ea typeface="微軟正黑體" pitchFamily="34" charset="-120"/>
+            </a:endParaRPr>
+          </a:p>
+        </p:txBody>
+      </p:sp>
+      <p:sp>
+        <p:nvSpPr>
+          <p:cNvPr id="3" name="TextBox 2"/>
+          <p:cNvSpPr txBox="1"/>
+          <p:nvPr/>
+        </p:nvSpPr>
+        <p:spPr>
+          <a:xfrm>
+            <a:off x="0" y="5157193"/>
+            <a:ext cx="12192000" cy="748988"/>
+          </a:xfrm>
+          <a:prstGeom prst="rect">
+            <a:avLst/>
+          </a:prstGeom>
+          <a:noFill/>
+        </p:spPr>
+        <p:txBody>
+          <a:bodyPr wrap="square" rtlCol="0">
+            <a:spAutoFit/>
+          </a:bodyPr>
+          <a:lstStyle/>
+          <a:p>
+            <a:pPr algn="ctr"/>
+            <a:r>
+              <a:rPr lang="en-US" sz="4267" b="1" dirty="0">
+                <a:solidFill>
+                  <a:srgbClr val="000066"/>
+                </a:solidFill>
+                <a:latin typeface="Microsoft JhengHei" panose="020B0604030504040204" pitchFamily="34" charset="-120"/>
+                <a:ea typeface="Microsoft JhengHei" panose="020B0604030504040204" pitchFamily="34" charset="-120"/>
+              </a:rPr>
+              <a:t>( </a:t>
+            </a:r>
+            <a:r>
+              <a:rPr lang="zh-CN" altLang="en-US" sz="4267" b="1" dirty="0">
+                <a:solidFill>
+                  <a:srgbClr val="000066"/>
+                </a:solidFill>
+                <a:latin typeface="Microsoft JhengHei" panose="020B0604030504040204" pitchFamily="34" charset="-120"/>
+                <a:ea typeface="Microsoft JhengHei" panose="020B0604030504040204" pitchFamily="34" charset="-120"/>
+              </a:rPr>
+              <a:t>正</a:t>
+            </a:r>
+            <a:r>
+              <a:rPr lang="en-US" altLang="zh-CN" sz="4267" b="1" dirty="0">
+                <a:solidFill>
+                  <a:srgbClr val="000066"/>
+                </a:solidFill>
+                <a:latin typeface="Microsoft JhengHei" panose="020B0604030504040204" pitchFamily="34" charset="-120"/>
+                <a:ea typeface="Microsoft JhengHei" panose="020B0604030504040204" pitchFamily="34" charset="-120"/>
+              </a:rPr>
+              <a:t> 1</a:t>
+            </a:r>
+            <a:r>
+              <a:rPr lang="en-US" sz="4267" b="1" dirty="0">
+                <a:solidFill>
+                  <a:srgbClr val="000066"/>
+                </a:solidFill>
+                <a:latin typeface="Microsoft JhengHei" panose="020B0604030504040204" pitchFamily="34" charset="-120"/>
+                <a:ea typeface="Microsoft JhengHei" panose="020B0604030504040204" pitchFamily="34" charset="-120"/>
+              </a:rPr>
+              <a:t> )</a:t>
+            </a:r>
+            <a:endParaRPr lang="vi-VN" sz="4267" b="1" dirty="0">
+              <a:solidFill>
+                <a:srgbClr val="000066"/>
+              </a:solidFill>
+              <a:ea typeface="Microsoft JhengHei" panose="020B0604030504040204" pitchFamily="34" charset="-120"/>
+            </a:endParaRPr>
+          </a:p>
+        </p:txBody>
+      </p:sp>
+    </p:spTree>
+    <p:extLst>
+      <p:ext uri="{BB962C8B-B14F-4D97-AF65-F5344CB8AC3E}">
+        <p14:creationId xmlns:p14="http://schemas.microsoft.com/office/powerpoint/2010/main" val="4278710233"/>
+      </p:ext>
+    </p:extLst>
+  </p:cSld>
+  <p:clrMapOvr>
+    <a:masterClrMapping/>
+  </p:clrMapOvr>
+</p:sld>
+</file>
+
+<file path=ppt/slides/slide19.xml><?xml version="1.0" encoding="utf-8"?>
+<p:sld xmlns:a="http://schemas.openxmlformats.org/drawingml/2006/main" xmlns:r="http://schemas.openxmlformats.org/officeDocument/2006/relationships" xmlns:p="http://schemas.openxmlformats.org/presentationml/2006/main">
+  <p:cSld>
+    <p:spTree>
+      <p:nvGrpSpPr>
+        <p:cNvPr id="1" name=""/>
+        <p:cNvGrpSpPr/>
+        <p:nvPr/>
+      </p:nvGrpSpPr>
+      <p:grpSpPr>
+        <a:xfrm>
+          <a:off x="0" y="0"/>
+          <a:ext cx="0" cy="0"/>
+          <a:chOff x="0" y="0"/>
+          <a:chExt cx="0" cy="0"/>
+        </a:xfrm>
+      </p:grpSpPr>
+      <p:sp>
+        <p:nvSpPr>
+          <p:cNvPr id="5" name="內容版面配置區 4"/>
+          <p:cNvSpPr>
+            <a:spLocks noGrp="1"/>
+          </p:cNvSpPr>
+          <p:nvPr>
+            <p:ph idx="1"/>
+          </p:nvPr>
+        </p:nvSpPr>
+        <p:spPr>
+          <a:xfrm>
+            <a:off x="0" y="2084853"/>
+            <a:ext cx="12192000" cy="2404863"/>
+          </a:xfrm>
+        </p:spPr>
+        <p:txBody>
+          <a:bodyPr anchor="ctr">
+            <a:normAutofit/>
+          </a:bodyPr>
+          <a:lstStyle/>
+          <a:p>
+            <a:pPr algn="ctr">
+              <a:buNone/>
+            </a:pPr>
+            <a:r>
+              <a:rPr lang="zh-TW" altLang="en-US" sz="6400" b="1" dirty="0">
+                <a:solidFill>
+                  <a:srgbClr val="000066"/>
+                </a:solidFill>
+                <a:latin typeface="微軟正黑體" pitchFamily="34" charset="-120"/>
+                <a:ea typeface="微軟正黑體" pitchFamily="34" charset="-120"/>
+              </a:rPr>
+              <a:t>我要站在破口之中</a:t>
+            </a:r>
+            <a:endParaRPr lang="en-US" altLang="zh-TW" sz="6400" b="1" dirty="0">
+              <a:solidFill>
+                <a:srgbClr val="000066"/>
+              </a:solidFill>
+              <a:latin typeface="微軟正黑體" pitchFamily="34" charset="-120"/>
+              <a:ea typeface="微軟正黑體" pitchFamily="34" charset="-120"/>
+            </a:endParaRPr>
+          </a:p>
+          <a:p>
+            <a:pPr algn="ctr">
+              <a:buNone/>
+            </a:pPr>
+            <a:r>
+              <a:rPr lang="zh-TW" altLang="en-US" sz="6400" b="1" dirty="0">
+                <a:solidFill>
+                  <a:srgbClr val="000066"/>
+                </a:solidFill>
+                <a:latin typeface="微軟正黑體" pitchFamily="34" charset="-120"/>
+                <a:ea typeface="微軟正黑體" pitchFamily="34" charset="-120"/>
+              </a:rPr>
+              <a:t>在那裡我尋</a:t>
+            </a:r>
+            <a:r>
+              <a:rPr lang="zh-TW" altLang="en-US" sz="6400" b="1" dirty="0">
+                <a:solidFill>
+                  <a:srgbClr val="000066"/>
+                </a:solidFill>
+                <a:latin typeface="微軟正黑體" pitchFamily="34" charset="-120"/>
+                <a:ea typeface="微軟正黑體" pitchFamily="34" charset="-120"/>
+              </a:rPr>
+              <a:t>求</a:t>
+            </a:r>
+            <a:r>
+              <a:rPr lang="zh-CN" altLang="en-US" sz="6400" b="1" dirty="0">
+                <a:solidFill>
+                  <a:srgbClr val="000066"/>
+                </a:solidFill>
+                <a:latin typeface="微軟正黑體" pitchFamily="34" charset="-120"/>
+                <a:ea typeface="微軟正黑體" pitchFamily="34" charset="-120"/>
+              </a:rPr>
+              <a:t>袮</a:t>
+            </a:r>
+            <a:endParaRPr lang="zh-TW" altLang="en-US" sz="6400" b="1" dirty="0">
+              <a:solidFill>
+                <a:srgbClr val="000066"/>
+              </a:solidFill>
+              <a:latin typeface="微軟正黑體" pitchFamily="34" charset="-120"/>
+              <a:ea typeface="微軟正黑體" pitchFamily="34" charset="-120"/>
+            </a:endParaRPr>
+          </a:p>
+        </p:txBody>
+      </p:sp>
+      <p:sp>
+        <p:nvSpPr>
+          <p:cNvPr id="3" name="TextBox 2"/>
+          <p:cNvSpPr txBox="1"/>
+          <p:nvPr/>
+        </p:nvSpPr>
+        <p:spPr>
+          <a:xfrm>
+            <a:off x="0" y="5157193"/>
+            <a:ext cx="12192000" cy="748988"/>
+          </a:xfrm>
+          <a:prstGeom prst="rect">
+            <a:avLst/>
+          </a:prstGeom>
+          <a:noFill/>
+        </p:spPr>
+        <p:txBody>
+          <a:bodyPr wrap="square" rtlCol="0">
+            <a:spAutoFit/>
+          </a:bodyPr>
+          <a:lstStyle/>
+          <a:p>
+            <a:pPr algn="ctr"/>
+            <a:r>
+              <a:rPr lang="en-US" sz="4267" b="1" dirty="0">
+                <a:solidFill>
+                  <a:srgbClr val="000066"/>
+                </a:solidFill>
+                <a:latin typeface="Microsoft JhengHei" panose="020B0604030504040204" pitchFamily="34" charset="-120"/>
+                <a:ea typeface="Microsoft JhengHei" panose="020B0604030504040204" pitchFamily="34" charset="-120"/>
+              </a:rPr>
+              <a:t>( </a:t>
+            </a:r>
+            <a:r>
+              <a:rPr lang="zh-CN" altLang="en-US" sz="4267" b="1" dirty="0">
+                <a:solidFill>
+                  <a:srgbClr val="000066"/>
+                </a:solidFill>
+                <a:latin typeface="Microsoft JhengHei" panose="020B0604030504040204" pitchFamily="34" charset="-120"/>
+                <a:ea typeface="Microsoft JhengHei" panose="020B0604030504040204" pitchFamily="34" charset="-120"/>
+              </a:rPr>
+              <a:t>正</a:t>
+            </a:r>
+            <a:r>
+              <a:rPr lang="en-US" altLang="zh-CN" sz="4267" b="1" dirty="0">
+                <a:solidFill>
+                  <a:srgbClr val="000066"/>
+                </a:solidFill>
+                <a:latin typeface="Microsoft JhengHei" panose="020B0604030504040204" pitchFamily="34" charset="-120"/>
+                <a:ea typeface="Microsoft JhengHei" panose="020B0604030504040204" pitchFamily="34" charset="-120"/>
+              </a:rPr>
+              <a:t> 1</a:t>
+            </a:r>
+            <a:r>
+              <a:rPr lang="en-US" sz="4267" b="1" dirty="0">
+                <a:solidFill>
+                  <a:srgbClr val="000066"/>
+                </a:solidFill>
+                <a:latin typeface="Microsoft JhengHei" panose="020B0604030504040204" pitchFamily="34" charset="-120"/>
+                <a:ea typeface="Microsoft JhengHei" panose="020B0604030504040204" pitchFamily="34" charset="-120"/>
+              </a:rPr>
+              <a:t> )</a:t>
+            </a:r>
+            <a:endParaRPr lang="vi-VN" sz="4267" b="1" dirty="0">
+              <a:solidFill>
+                <a:srgbClr val="000066"/>
+              </a:solidFill>
+              <a:ea typeface="Microsoft JhengHei" panose="020B0604030504040204" pitchFamily="34" charset="-120"/>
+            </a:endParaRPr>
+          </a:p>
+        </p:txBody>
+      </p:sp>
+    </p:spTree>
+    <p:extLst>
+      <p:ext uri="{BB962C8B-B14F-4D97-AF65-F5344CB8AC3E}">
+        <p14:creationId xmlns:p14="http://schemas.microsoft.com/office/powerpoint/2010/main" val="3663793172"/>
+      </p:ext>
+    </p:extLst>
+  </p:cSld>
+  <p:clrMapOvr>
+    <a:masterClrMapping/>
+  </p:clrMapOvr>
 </p:sld>
 </file>
 
@@ -4303,37 +4940,50 @@
       </p:grpSpPr>
       <p:sp>
         <p:nvSpPr>
-          <p:cNvPr id="4" name="Title 3"/>
-          <p:cNvSpPr>
-            <a:spLocks noGrp="1"/>
-          </p:cNvSpPr>
-          <p:nvPr>
-            <p:ph type="title"/>
+          <p:cNvPr id="5" name="內容版面配置區 4"/>
+          <p:cNvSpPr>
+            <a:spLocks noGrp="1"/>
+          </p:cNvSpPr>
+          <p:nvPr>
+            <p:ph idx="1"/>
           </p:nvPr>
         </p:nvSpPr>
         <p:spPr>
           <a:xfrm>
-            <a:off x="457200" y="0"/>
-            <a:ext cx="8229600" cy="1143000"/>
+            <a:off x="0" y="2084853"/>
+            <a:ext cx="12192000" cy="2404863"/>
           </a:xfrm>
         </p:spPr>
         <p:txBody>
-          <a:bodyPr>
+          <a:bodyPr anchor="ctr">
             <a:normAutofit/>
           </a:bodyPr>
           <a:lstStyle/>
           <a:p>
-            <a:r>
-              <a:rPr lang="zh-CN" altLang="en-US" sz="4000" b="1" dirty="0" smtClean="0">
-                <a:solidFill>
-                  <a:srgbClr val="660033"/>
-                </a:solidFill>
-                <a:latin typeface="微軟正黑體" pitchFamily="34" charset="-120"/>
-                <a:ea typeface="微軟正黑體" pitchFamily="34" charset="-120"/>
-              </a:rPr>
-              <a:t>願袮崇高</a:t>
-            </a:r>
-            <a:endParaRPr lang="en-US" sz="4000" b="1" dirty="0">
+            <a:pPr algn="ctr">
+              <a:buNone/>
+            </a:pPr>
+            <a:r>
+              <a:rPr lang="zh-TW" altLang="en-US" sz="6400" b="1" dirty="0">
+                <a:solidFill>
+                  <a:srgbClr val="660033"/>
+                </a:solidFill>
+                <a:latin typeface="微軟正黑體" pitchFamily="34" charset="-120"/>
+                <a:ea typeface="微軟正黑體" pitchFamily="34" charset="-120"/>
+              </a:rPr>
+              <a:t>我要在萬民中稱謝</a:t>
+            </a:r>
+            <a:r>
+              <a:rPr lang="zh-CN" altLang="en-US" sz="6400" b="1" dirty="0">
+                <a:solidFill>
+                  <a:srgbClr val="660033"/>
+                </a:solidFill>
+                <a:latin typeface="微軟正黑體" pitchFamily="34" charset="-120"/>
+                <a:ea typeface="微軟正黑體" pitchFamily="34" charset="-120"/>
+              </a:rPr>
+              <a:t>袮</a:t>
+            </a:r>
+            <a:endParaRPr lang="en-US" altLang="zh-TW" sz="6400" b="1" dirty="0">
               <a:solidFill>
                 <a:srgbClr val="660033"/>
               </a:solidFill>
@@ -4341,55 +4991,22 @@
               <a:ea typeface="微軟正黑體" pitchFamily="34" charset="-120"/>
             </a:endParaRPr>
           </a:p>
-        </p:txBody>
-      </p:sp>
-      <p:sp>
-        <p:nvSpPr>
-          <p:cNvPr id="5" name="Content Placeholder 4"/>
-          <p:cNvSpPr>
-            <a:spLocks noGrp="1"/>
-          </p:cNvSpPr>
-          <p:nvPr>
-            <p:ph idx="1"/>
-          </p:nvPr>
-        </p:nvSpPr>
-        <p:spPr>
-          <a:xfrm>
-            <a:off x="0" y="1193800"/>
-            <a:ext cx="9144000" cy="5664200"/>
-          </a:xfrm>
-        </p:spPr>
-        <p:txBody>
-          <a:bodyPr>
-            <a:noAutofit/>
-          </a:bodyPr>
-          <a:lstStyle/>
           <a:p>
             <a:pPr algn="ctr">
               <a:buNone/>
             </a:pPr>
             <a:r>
-              <a:rPr lang="zh-TW" altLang="en-US" sz="4800" b="1" dirty="0">
-                <a:solidFill>
-                  <a:srgbClr val="660033"/>
-                </a:solidFill>
-                <a:latin typeface="微軟正黑體" pitchFamily="34" charset="-120"/>
-                <a:ea typeface="微軟正黑體" pitchFamily="34" charset="-120"/>
-              </a:rPr>
-              <a:t>我要在萬民中稱</a:t>
-            </a:r>
-            <a:r>
-              <a:rPr lang="zh-TW" altLang="en-US" sz="4800" b="1" dirty="0" smtClean="0">
-                <a:solidFill>
-                  <a:srgbClr val="660033"/>
-                </a:solidFill>
-                <a:latin typeface="微軟正黑體" pitchFamily="34" charset="-120"/>
-                <a:ea typeface="微軟正黑體" pitchFamily="34" charset="-120"/>
-              </a:rPr>
-              <a:t>謝</a:t>
-            </a:r>
-            <a:r>
-              <a:rPr lang="zh-CN" altLang="en-US" sz="4800" b="1" dirty="0">
+              <a:rPr lang="zh-TW" altLang="en-US" sz="6400" b="1" dirty="0">
+                <a:solidFill>
+                  <a:srgbClr val="660033"/>
+                </a:solidFill>
+                <a:latin typeface="微軟正黑體" pitchFamily="34" charset="-120"/>
+                <a:ea typeface="微軟正黑體" pitchFamily="34" charset="-120"/>
+              </a:rPr>
+              <a:t>我要在列邦中歌頌</a:t>
+            </a:r>
+            <a:r>
+              <a:rPr lang="zh-CN" altLang="en-US" sz="6400" b="1" dirty="0">
                 <a:solidFill>
                   <a:srgbClr val="660033"/>
                 </a:solidFill>
@@ -4398,7 +5015,7 @@
               </a:rPr>
               <a:t>袮</a:t>
             </a:r>
-            <a:endParaRPr lang="en-US" altLang="zh-TW" sz="4800" b="1" dirty="0" smtClean="0">
+            <a:endParaRPr lang="en-US" altLang="zh-TW" sz="6400" b="1" dirty="0">
               <a:solidFill>
                 <a:srgbClr val="660033"/>
               </a:solidFill>
@@ -4406,53 +5023,218 @@
               <a:ea typeface="微軟正黑體" pitchFamily="34" charset="-120"/>
             </a:endParaRPr>
           </a:p>
-          <a:p>
-            <a:pPr algn="ctr">
-              <a:buNone/>
-            </a:pPr>
-            <a:r>
-              <a:rPr lang="zh-TW" altLang="en-US" sz="4800" b="1" dirty="0" smtClean="0">
-                <a:solidFill>
-                  <a:srgbClr val="660033"/>
-                </a:solidFill>
-                <a:latin typeface="微軟正黑體" pitchFamily="34" charset="-120"/>
-                <a:ea typeface="微軟正黑體" pitchFamily="34" charset="-120"/>
-              </a:rPr>
-              <a:t>我</a:t>
-            </a:r>
-            <a:r>
-              <a:rPr lang="zh-TW" altLang="en-US" sz="4800" b="1" dirty="0">
-                <a:solidFill>
-                  <a:srgbClr val="660033"/>
-                </a:solidFill>
-                <a:latin typeface="微軟正黑體" pitchFamily="34" charset="-120"/>
-                <a:ea typeface="微軟正黑體" pitchFamily="34" charset="-120"/>
-              </a:rPr>
-              <a:t>要在列邦中歌</a:t>
-            </a:r>
-            <a:r>
-              <a:rPr lang="zh-TW" altLang="en-US" sz="4800" b="1" dirty="0" smtClean="0">
-                <a:solidFill>
-                  <a:srgbClr val="660033"/>
-                </a:solidFill>
-                <a:latin typeface="微軟正黑體" pitchFamily="34" charset="-120"/>
-                <a:ea typeface="微軟正黑體" pitchFamily="34" charset="-120"/>
-              </a:rPr>
-              <a:t>頌</a:t>
-            </a:r>
-            <a:r>
-              <a:rPr lang="zh-CN" altLang="en-US" sz="4800" b="1" dirty="0">
-                <a:solidFill>
-                  <a:srgbClr val="660033"/>
-                </a:solidFill>
-                <a:latin typeface="微軟正黑體" pitchFamily="34" charset="-120"/>
-                <a:ea typeface="微軟正黑體" pitchFamily="34" charset="-120"/>
-              </a:rPr>
-              <a:t>袮</a:t>
-            </a:r>
-            <a:endParaRPr lang="en-US" altLang="zh-TW" sz="4800" b="1" dirty="0">
+        </p:txBody>
+      </p:sp>
+      <p:sp>
+        <p:nvSpPr>
+          <p:cNvPr id="3" name="TextBox 2"/>
+          <p:cNvSpPr txBox="1"/>
+          <p:nvPr/>
+        </p:nvSpPr>
+        <p:spPr>
+          <a:xfrm>
+            <a:off x="0" y="5157193"/>
+            <a:ext cx="12192000" cy="748988"/>
+          </a:xfrm>
+          <a:prstGeom prst="rect">
+            <a:avLst/>
+          </a:prstGeom>
+          <a:noFill/>
+        </p:spPr>
+        <p:txBody>
+          <a:bodyPr wrap="square" rtlCol="0">
+            <a:spAutoFit/>
+          </a:bodyPr>
+          <a:lstStyle/>
+          <a:p>
+            <a:pPr algn="ctr"/>
+            <a:r>
+              <a:rPr lang="en-US" sz="4267" b="1" dirty="0">
+                <a:solidFill>
+                  <a:srgbClr val="660033"/>
+                </a:solidFill>
+                <a:latin typeface="Microsoft JhengHei" panose="020B0604030504040204" pitchFamily="34" charset="-120"/>
+                <a:ea typeface="Microsoft JhengHei" panose="020B0604030504040204" pitchFamily="34" charset="-120"/>
+              </a:rPr>
+              <a:t>( </a:t>
+            </a:r>
+            <a:r>
+              <a:rPr lang="zh-CN" altLang="en-US" sz="4267" b="1" dirty="0">
+                <a:solidFill>
+                  <a:srgbClr val="660033"/>
+                </a:solidFill>
+                <a:latin typeface="Microsoft JhengHei" panose="020B0604030504040204" pitchFamily="34" charset="-120"/>
+                <a:ea typeface="Microsoft JhengHei" panose="020B0604030504040204" pitchFamily="34" charset="-120"/>
+              </a:rPr>
+              <a:t>正</a:t>
+            </a:r>
+            <a:r>
+              <a:rPr lang="en-US" sz="4267" b="1" dirty="0">
+                <a:solidFill>
+                  <a:srgbClr val="660033"/>
+                </a:solidFill>
+                <a:latin typeface="Microsoft JhengHei" panose="020B0604030504040204" pitchFamily="34" charset="-120"/>
+                <a:ea typeface="Microsoft JhengHei" panose="020B0604030504040204" pitchFamily="34" charset="-120"/>
+              </a:rPr>
+              <a:t> )</a:t>
+            </a:r>
+            <a:endParaRPr lang="vi-VN" sz="4267" b="1" dirty="0">
               <a:solidFill>
                 <a:srgbClr val="660033"/>
+              </a:solidFill>
+              <a:ea typeface="Microsoft JhengHei" panose="020B0604030504040204" pitchFamily="34" charset="-120"/>
+            </a:endParaRPr>
+          </a:p>
+        </p:txBody>
+      </p:sp>
+    </p:spTree>
+    <p:extLst>
+      <p:ext uri="{BB962C8B-B14F-4D97-AF65-F5344CB8AC3E}">
+        <p14:creationId xmlns:p14="http://schemas.microsoft.com/office/powerpoint/2010/main" val="1297036211"/>
+      </p:ext>
+    </p:extLst>
+  </p:cSld>
+  <p:clrMapOvr>
+    <a:masterClrMapping/>
+  </p:clrMapOvr>
+</p:sld>
+</file>
+
+<file path=ppt/slides/slide20.xml><?xml version="1.0" encoding="utf-8"?>
+<p:sld xmlns:a="http://schemas.openxmlformats.org/drawingml/2006/main" xmlns:r="http://schemas.openxmlformats.org/officeDocument/2006/relationships" xmlns:p="http://schemas.openxmlformats.org/presentationml/2006/main">
+  <p:cSld>
+    <p:spTree>
+      <p:nvGrpSpPr>
+        <p:cNvPr id="1" name=""/>
+        <p:cNvGrpSpPr/>
+        <p:nvPr/>
+      </p:nvGrpSpPr>
+      <p:grpSpPr>
+        <a:xfrm>
+          <a:off x="0" y="0"/>
+          <a:ext cx="0" cy="0"/>
+          <a:chOff x="0" y="0"/>
+          <a:chExt cx="0" cy="0"/>
+        </a:xfrm>
+      </p:grpSpPr>
+      <p:sp>
+        <p:nvSpPr>
+          <p:cNvPr id="5" name="內容版面配置區 4"/>
+          <p:cNvSpPr>
+            <a:spLocks noGrp="1"/>
+          </p:cNvSpPr>
+          <p:nvPr>
+            <p:ph idx="1"/>
+          </p:nvPr>
+        </p:nvSpPr>
+        <p:spPr>
+          <a:xfrm>
+            <a:off x="0" y="2084853"/>
+            <a:ext cx="12192000" cy="2404863"/>
+          </a:xfrm>
+        </p:spPr>
+        <p:txBody>
+          <a:bodyPr anchor="ctr">
+            <a:normAutofit/>
+          </a:bodyPr>
+          <a:lstStyle/>
+          <a:p>
+            <a:pPr algn="ctr">
+              <a:buNone/>
+            </a:pPr>
+            <a:r>
+              <a:rPr lang="zh-TW" altLang="en-US" sz="6400" b="1" dirty="0">
+                <a:solidFill>
+                  <a:srgbClr val="000066"/>
+                </a:solidFill>
+                <a:latin typeface="微軟正黑體" pitchFamily="34" charset="-120"/>
+                <a:ea typeface="微軟正黑體" pitchFamily="34" charset="-120"/>
+              </a:rPr>
+              <a:t>每一次我禱</a:t>
+            </a:r>
+            <a:r>
+              <a:rPr lang="zh-TW" altLang="en-US" sz="6400" b="1" dirty="0">
+                <a:solidFill>
+                  <a:srgbClr val="000066"/>
+                </a:solidFill>
+                <a:latin typeface="微軟正黑體" pitchFamily="34" charset="-120"/>
+                <a:ea typeface="微軟正黑體" pitchFamily="34" charset="-120"/>
+              </a:rPr>
+              <a:t>告</a:t>
+            </a:r>
+            <a:r>
+              <a:rPr lang="en-US" altLang="zh-TW" sz="6400" b="1" dirty="0">
+                <a:solidFill>
+                  <a:srgbClr val="000066"/>
+                </a:solidFill>
+                <a:latin typeface="微軟正黑體" pitchFamily="34" charset="-120"/>
+                <a:ea typeface="微軟正黑體" pitchFamily="34" charset="-120"/>
+              </a:rPr>
+              <a:t>  </a:t>
+            </a:r>
+            <a:r>
+              <a:rPr lang="zh-TW" altLang="en-US" sz="6400" b="1" dirty="0">
+                <a:solidFill>
+                  <a:srgbClr val="000066"/>
+                </a:solidFill>
+                <a:latin typeface="微軟正黑體" pitchFamily="34" charset="-120"/>
+                <a:ea typeface="微軟正黑體" pitchFamily="34" charset="-120"/>
+              </a:rPr>
+              <a:t>我</a:t>
+            </a:r>
+            <a:r>
+              <a:rPr lang="zh-TW" altLang="en-US" sz="6400" b="1" dirty="0">
+                <a:solidFill>
+                  <a:srgbClr val="000066"/>
+                </a:solidFill>
+                <a:latin typeface="微軟正黑體" pitchFamily="34" charset="-120"/>
+                <a:ea typeface="微軟正黑體" pitchFamily="34" charset="-120"/>
+              </a:rPr>
+              <a:t>搖</a:t>
+            </a:r>
+            <a:r>
+              <a:rPr lang="zh-TW" altLang="en-US" sz="6400" b="1" dirty="0">
+                <a:solidFill>
+                  <a:srgbClr val="000066"/>
+                </a:solidFill>
+                <a:latin typeface="微軟正黑體" pitchFamily="34" charset="-120"/>
+                <a:ea typeface="微軟正黑體" pitchFamily="34" charset="-120"/>
+              </a:rPr>
+              <a:t>動</a:t>
+            </a:r>
+            <a:r>
+              <a:rPr lang="zh-CN" altLang="en-US" sz="6400" b="1" dirty="0">
+                <a:solidFill>
+                  <a:srgbClr val="000066"/>
+                </a:solidFill>
+                <a:latin typeface="微軟正黑體" pitchFamily="34" charset="-120"/>
+                <a:ea typeface="微軟正黑體" pitchFamily="34" charset="-120"/>
+              </a:rPr>
+              <a:t>袮</a:t>
+            </a:r>
+            <a:r>
+              <a:rPr lang="zh-TW" altLang="en-US" sz="6400" b="1" dirty="0">
+                <a:solidFill>
+                  <a:srgbClr val="000066"/>
+                </a:solidFill>
+                <a:latin typeface="微軟正黑體" pitchFamily="34" charset="-120"/>
+                <a:ea typeface="微軟正黑體" pitchFamily="34" charset="-120"/>
+              </a:rPr>
+              <a:t>的</a:t>
+            </a:r>
+            <a:r>
+              <a:rPr lang="zh-TW" altLang="en-US" sz="6400" b="1" dirty="0">
+                <a:solidFill>
+                  <a:srgbClr val="000066"/>
+                </a:solidFill>
+                <a:latin typeface="微軟正黑體" pitchFamily="34" charset="-120"/>
+                <a:ea typeface="微軟正黑體" pitchFamily="34" charset="-120"/>
+              </a:rPr>
+              <a:t>手</a:t>
+            </a:r>
+            <a:endParaRPr lang="en-US" altLang="zh-TW" sz="6400" b="1" dirty="0">
+              <a:solidFill>
+                <a:srgbClr val="000066"/>
               </a:solidFill>
               <a:latin typeface="微軟正黑體" pitchFamily="34" charset="-120"/>
               <a:ea typeface="微軟正黑體" pitchFamily="34" charset="-120"/>
@@ -4462,9 +5244,189 @@
             <a:pPr algn="ctr">
               <a:buNone/>
             </a:pPr>
-            <a:endParaRPr lang="en-US" altLang="zh-TW" sz="1200" b="1" dirty="0" smtClean="0">
+            <a:r>
+              <a:rPr lang="zh-TW" altLang="en-US" sz="6400" b="1" dirty="0">
+                <a:solidFill>
+                  <a:srgbClr val="000066"/>
+                </a:solidFill>
+                <a:latin typeface="微軟正黑體" pitchFamily="34" charset="-120"/>
+                <a:ea typeface="微軟正黑體" pitchFamily="34" charset="-120"/>
+              </a:rPr>
+              <a:t>禱告做的事我的手不能做</a:t>
+            </a:r>
+          </a:p>
+        </p:txBody>
+      </p:sp>
+      <p:sp>
+        <p:nvSpPr>
+          <p:cNvPr id="3" name="TextBox 2"/>
+          <p:cNvSpPr txBox="1"/>
+          <p:nvPr/>
+        </p:nvSpPr>
+        <p:spPr>
+          <a:xfrm>
+            <a:off x="0" y="5157193"/>
+            <a:ext cx="12192000" cy="748988"/>
+          </a:xfrm>
+          <a:prstGeom prst="rect">
+            <a:avLst/>
+          </a:prstGeom>
+          <a:noFill/>
+        </p:spPr>
+        <p:txBody>
+          <a:bodyPr wrap="square" rtlCol="0">
+            <a:spAutoFit/>
+          </a:bodyPr>
+          <a:lstStyle/>
+          <a:p>
+            <a:pPr algn="ctr"/>
+            <a:r>
+              <a:rPr lang="en-US" sz="4267" b="1" dirty="0">
+                <a:solidFill>
+                  <a:srgbClr val="000066"/>
+                </a:solidFill>
+                <a:latin typeface="Microsoft JhengHei" panose="020B0604030504040204" pitchFamily="34" charset="-120"/>
+                <a:ea typeface="Microsoft JhengHei" panose="020B0604030504040204" pitchFamily="34" charset="-120"/>
+              </a:rPr>
+              <a:t>( </a:t>
+            </a:r>
+            <a:r>
+              <a:rPr lang="zh-CN" altLang="en-US" sz="4267" b="1" dirty="0">
+                <a:solidFill>
+                  <a:srgbClr val="000066"/>
+                </a:solidFill>
+                <a:latin typeface="Microsoft JhengHei" panose="020B0604030504040204" pitchFamily="34" charset="-120"/>
+                <a:ea typeface="Microsoft JhengHei" panose="020B0604030504040204" pitchFamily="34" charset="-120"/>
+              </a:rPr>
+              <a:t>副</a:t>
+            </a:r>
+            <a:r>
+              <a:rPr lang="en-US" sz="4267" b="1" dirty="0">
+                <a:solidFill>
+                  <a:srgbClr val="000066"/>
+                </a:solidFill>
+                <a:latin typeface="Microsoft JhengHei" panose="020B0604030504040204" pitchFamily="34" charset="-120"/>
+                <a:ea typeface="Microsoft JhengHei" panose="020B0604030504040204" pitchFamily="34" charset="-120"/>
+              </a:rPr>
+              <a:t> )</a:t>
+            </a:r>
+            <a:endParaRPr lang="vi-VN" sz="4267" b="1" dirty="0">
               <a:solidFill>
-                <a:srgbClr val="660033"/>
+                <a:srgbClr val="000066"/>
+              </a:solidFill>
+              <a:ea typeface="Microsoft JhengHei" panose="020B0604030504040204" pitchFamily="34" charset="-120"/>
+            </a:endParaRPr>
+          </a:p>
+        </p:txBody>
+      </p:sp>
+    </p:spTree>
+    <p:extLst>
+      <p:ext uri="{BB962C8B-B14F-4D97-AF65-F5344CB8AC3E}">
+        <p14:creationId xmlns:p14="http://schemas.microsoft.com/office/powerpoint/2010/main" val="3936343496"/>
+      </p:ext>
+    </p:extLst>
+  </p:cSld>
+  <p:clrMapOvr>
+    <a:masterClrMapping/>
+  </p:clrMapOvr>
+</p:sld>
+</file>
+
+<file path=ppt/slides/slide21.xml><?xml version="1.0" encoding="utf-8"?>
+<p:sld xmlns:a="http://schemas.openxmlformats.org/drawingml/2006/main" xmlns:r="http://schemas.openxmlformats.org/officeDocument/2006/relationships" xmlns:p="http://schemas.openxmlformats.org/presentationml/2006/main">
+  <p:cSld>
+    <p:spTree>
+      <p:nvGrpSpPr>
+        <p:cNvPr id="1" name=""/>
+        <p:cNvGrpSpPr/>
+        <p:nvPr/>
+      </p:nvGrpSpPr>
+      <p:grpSpPr>
+        <a:xfrm>
+          <a:off x="0" y="0"/>
+          <a:ext cx="0" cy="0"/>
+          <a:chOff x="0" y="0"/>
+          <a:chExt cx="0" cy="0"/>
+        </a:xfrm>
+      </p:grpSpPr>
+      <p:sp>
+        <p:nvSpPr>
+          <p:cNvPr id="5" name="內容版面配置區 4"/>
+          <p:cNvSpPr>
+            <a:spLocks noGrp="1"/>
+          </p:cNvSpPr>
+          <p:nvPr>
+            <p:ph idx="1"/>
+          </p:nvPr>
+        </p:nvSpPr>
+        <p:spPr>
+          <a:xfrm>
+            <a:off x="0" y="2084853"/>
+            <a:ext cx="12192000" cy="2404863"/>
+          </a:xfrm>
+        </p:spPr>
+        <p:txBody>
+          <a:bodyPr anchor="ctr">
+            <a:normAutofit/>
+          </a:bodyPr>
+          <a:lstStyle/>
+          <a:p>
+            <a:pPr algn="ctr">
+              <a:buNone/>
+            </a:pPr>
+            <a:r>
+              <a:rPr lang="zh-TW" altLang="en-US" sz="6400" b="1" dirty="0">
+                <a:solidFill>
+                  <a:srgbClr val="000066"/>
+                </a:solidFill>
+                <a:latin typeface="微軟正黑體" pitchFamily="34" charset="-120"/>
+                <a:ea typeface="微軟正黑體" pitchFamily="34" charset="-120"/>
+              </a:rPr>
+              <a:t>每一次我禱</a:t>
+            </a:r>
+            <a:r>
+              <a:rPr lang="zh-TW" altLang="en-US" sz="6400" b="1" dirty="0">
+                <a:solidFill>
+                  <a:srgbClr val="000066"/>
+                </a:solidFill>
+                <a:latin typeface="微軟正黑體" pitchFamily="34" charset="-120"/>
+                <a:ea typeface="微軟正黑體" pitchFamily="34" charset="-120"/>
+              </a:rPr>
+              <a:t>告</a:t>
+            </a:r>
+            <a:r>
+              <a:rPr lang="en-US" altLang="zh-TW" sz="6400" b="1" dirty="0">
+                <a:solidFill>
+                  <a:srgbClr val="000066"/>
+                </a:solidFill>
+                <a:latin typeface="微軟正黑體" pitchFamily="34" charset="-120"/>
+                <a:ea typeface="微軟正黑體" pitchFamily="34" charset="-120"/>
+              </a:rPr>
+              <a:t>  </a:t>
+            </a:r>
+            <a:r>
+              <a:rPr lang="zh-TW" altLang="en-US" sz="6400" b="1" dirty="0">
+                <a:solidFill>
+                  <a:srgbClr val="000066"/>
+                </a:solidFill>
+                <a:latin typeface="微軟正黑體" pitchFamily="34" charset="-120"/>
+                <a:ea typeface="微軟正黑體" pitchFamily="34" charset="-120"/>
+              </a:rPr>
+              <a:t>大</a:t>
+            </a:r>
+            <a:r>
+              <a:rPr lang="zh-TW" altLang="en-US" sz="6400" b="1" dirty="0">
+                <a:solidFill>
+                  <a:srgbClr val="000066"/>
+                </a:solidFill>
+                <a:latin typeface="微軟正黑體" pitchFamily="34" charset="-120"/>
+                <a:ea typeface="微軟正黑體" pitchFamily="34" charset="-120"/>
+              </a:rPr>
+              <a:t>山被挪移</a:t>
+            </a:r>
+            <a:endParaRPr lang="en-US" altLang="zh-TW" sz="6400" b="1" dirty="0">
+              <a:solidFill>
+                <a:srgbClr val="000066"/>
               </a:solidFill>
               <a:latin typeface="微軟正黑體" pitchFamily="34" charset="-120"/>
               <a:ea typeface="微軟正黑體" pitchFamily="34" charset="-120"/>
@@ -4475,100 +5437,215 @@
               <a:buNone/>
             </a:pPr>
             <a:r>
-              <a:rPr lang="zh-CN" altLang="en-US" sz="4800" b="1" dirty="0">
-                <a:solidFill>
-                  <a:srgbClr val="660033"/>
+              <a:rPr lang="zh-TW" altLang="en-US" sz="6400" b="1" dirty="0">
+                <a:solidFill>
+                  <a:srgbClr val="000066"/>
+                </a:solidFill>
+                <a:latin typeface="微軟正黑體" pitchFamily="34" charset="-120"/>
+                <a:ea typeface="微軟正黑體" pitchFamily="34" charset="-120"/>
+              </a:rPr>
+              <a:t>道路被鋪</a:t>
+            </a:r>
+            <a:r>
+              <a:rPr lang="zh-TW" altLang="en-US" sz="6400" b="1" dirty="0">
+                <a:solidFill>
+                  <a:srgbClr val="000066"/>
+                </a:solidFill>
+                <a:latin typeface="微軟正黑體" pitchFamily="34" charset="-120"/>
+                <a:ea typeface="微軟正黑體" pitchFamily="34" charset="-120"/>
+              </a:rPr>
+              <a:t>平</a:t>
+            </a:r>
+            <a:r>
+              <a:rPr lang="en-US" altLang="zh-TW" sz="6400" b="1" dirty="0">
+                <a:solidFill>
+                  <a:srgbClr val="000066"/>
+                </a:solidFill>
+                <a:latin typeface="微軟正黑體" pitchFamily="34" charset="-120"/>
+                <a:ea typeface="微軟正黑體" pitchFamily="34" charset="-120"/>
+              </a:rPr>
+              <a:t>  </a:t>
+            </a:r>
+            <a:r>
+              <a:rPr lang="zh-TW" altLang="en-US" sz="6400" b="1" dirty="0">
+                <a:solidFill>
+                  <a:srgbClr val="000066"/>
+                </a:solidFill>
+                <a:latin typeface="微軟正黑體" pitchFamily="34" charset="-120"/>
+                <a:ea typeface="微軟正黑體" pitchFamily="34" charset="-120"/>
+              </a:rPr>
+              <a:t>使</a:t>
+            </a:r>
+            <a:r>
+              <a:rPr lang="zh-TW" altLang="en-US" sz="6400" b="1" dirty="0">
+                <a:solidFill>
+                  <a:srgbClr val="000066"/>
+                </a:solidFill>
+                <a:latin typeface="微軟正黑體" pitchFamily="34" charset="-120"/>
+                <a:ea typeface="微軟正黑體" pitchFamily="34" charset="-120"/>
+              </a:rPr>
+              <a:t>列國歸</a:t>
+            </a:r>
+            <a:r>
+              <a:rPr lang="zh-TW" altLang="en-US" sz="6400" b="1" dirty="0">
+                <a:solidFill>
+                  <a:srgbClr val="000066"/>
+                </a:solidFill>
+                <a:latin typeface="微軟正黑體" pitchFamily="34" charset="-120"/>
+                <a:ea typeface="微軟正黑體" pitchFamily="34" charset="-120"/>
+              </a:rPr>
+              <a:t>向</a:t>
+            </a:r>
+            <a:r>
+              <a:rPr lang="zh-CN" altLang="en-US" sz="6400" b="1" dirty="0">
+                <a:solidFill>
+                  <a:srgbClr val="000066"/>
                 </a:solidFill>
                 <a:latin typeface="微軟正黑體" pitchFamily="34" charset="-120"/>
                 <a:ea typeface="微軟正黑體" pitchFamily="34" charset="-120"/>
               </a:rPr>
               <a:t>袮</a:t>
             </a:r>
-            <a:r>
-              <a:rPr lang="zh-TW" altLang="en-US" sz="4800" b="1" dirty="0" smtClean="0">
-                <a:solidFill>
-                  <a:srgbClr val="660033"/>
-                </a:solidFill>
-                <a:latin typeface="微軟正黑體" pitchFamily="34" charset="-120"/>
-                <a:ea typeface="微軟正黑體" pitchFamily="34" charset="-120"/>
-              </a:rPr>
-              <a:t>的</a:t>
-            </a:r>
-            <a:r>
-              <a:rPr lang="zh-TW" altLang="en-US" sz="4800" b="1" dirty="0">
-                <a:solidFill>
-                  <a:srgbClr val="660033"/>
-                </a:solidFill>
-                <a:latin typeface="微軟正黑體" pitchFamily="34" charset="-120"/>
-                <a:ea typeface="微軟正黑體" pitchFamily="34" charset="-120"/>
-              </a:rPr>
-              <a:t>慈愛高及諸</a:t>
-            </a:r>
-            <a:r>
-              <a:rPr lang="zh-TW" altLang="en-US" sz="4800" b="1" dirty="0" smtClean="0">
-                <a:solidFill>
-                  <a:srgbClr val="660033"/>
-                </a:solidFill>
-                <a:latin typeface="微軟正黑體" pitchFamily="34" charset="-120"/>
-                <a:ea typeface="微軟正黑體" pitchFamily="34" charset="-120"/>
-              </a:rPr>
-              <a:t>天</a:t>
-            </a:r>
-            <a:endParaRPr lang="en-US" altLang="zh-TW" sz="4800" b="1" dirty="0" smtClean="0">
+            <a:endParaRPr lang="zh-TW" altLang="en-US" sz="6400" b="1" dirty="0">
               <a:solidFill>
-                <a:srgbClr val="660033"/>
+                <a:srgbClr val="000066"/>
               </a:solidFill>
               <a:latin typeface="微軟正黑體" pitchFamily="34" charset="-120"/>
               <a:ea typeface="微軟正黑體" pitchFamily="34" charset="-120"/>
             </a:endParaRPr>
           </a:p>
+        </p:txBody>
+      </p:sp>
+      <p:sp>
+        <p:nvSpPr>
+          <p:cNvPr id="3" name="TextBox 2"/>
+          <p:cNvSpPr txBox="1"/>
+          <p:nvPr/>
+        </p:nvSpPr>
+        <p:spPr>
+          <a:xfrm>
+            <a:off x="0" y="5157193"/>
+            <a:ext cx="12192000" cy="748988"/>
+          </a:xfrm>
+          <a:prstGeom prst="rect">
+            <a:avLst/>
+          </a:prstGeom>
+          <a:noFill/>
+        </p:spPr>
+        <p:txBody>
+          <a:bodyPr wrap="square" rtlCol="0">
+            <a:spAutoFit/>
+          </a:bodyPr>
+          <a:lstStyle/>
+          <a:p>
+            <a:pPr algn="ctr"/>
+            <a:r>
+              <a:rPr lang="en-US" sz="4267" b="1" dirty="0">
+                <a:solidFill>
+                  <a:srgbClr val="000066"/>
+                </a:solidFill>
+                <a:latin typeface="Microsoft JhengHei" panose="020B0604030504040204" pitchFamily="34" charset="-120"/>
+                <a:ea typeface="Microsoft JhengHei" panose="020B0604030504040204" pitchFamily="34" charset="-120"/>
+              </a:rPr>
+              <a:t>( </a:t>
+            </a:r>
+            <a:r>
+              <a:rPr lang="zh-CN" altLang="en-US" sz="4267" b="1" dirty="0">
+                <a:solidFill>
+                  <a:srgbClr val="000066"/>
+                </a:solidFill>
+                <a:latin typeface="Microsoft JhengHei" panose="020B0604030504040204" pitchFamily="34" charset="-120"/>
+                <a:ea typeface="Microsoft JhengHei" panose="020B0604030504040204" pitchFamily="34" charset="-120"/>
+              </a:rPr>
+              <a:t>副</a:t>
+            </a:r>
+            <a:r>
+              <a:rPr lang="en-US" sz="4267" b="1" dirty="0">
+                <a:solidFill>
+                  <a:srgbClr val="000066"/>
+                </a:solidFill>
+                <a:latin typeface="Microsoft JhengHei" panose="020B0604030504040204" pitchFamily="34" charset="-120"/>
+                <a:ea typeface="Microsoft JhengHei" panose="020B0604030504040204" pitchFamily="34" charset="-120"/>
+              </a:rPr>
+              <a:t> )</a:t>
+            </a:r>
+            <a:endParaRPr lang="vi-VN" sz="4267" b="1" dirty="0">
+              <a:solidFill>
+                <a:srgbClr val="000066"/>
+              </a:solidFill>
+              <a:ea typeface="Microsoft JhengHei" panose="020B0604030504040204" pitchFamily="34" charset="-120"/>
+            </a:endParaRPr>
+          </a:p>
+        </p:txBody>
+      </p:sp>
+    </p:spTree>
+    <p:extLst>
+      <p:ext uri="{BB962C8B-B14F-4D97-AF65-F5344CB8AC3E}">
+        <p14:creationId xmlns:p14="http://schemas.microsoft.com/office/powerpoint/2010/main" val="2844392255"/>
+      </p:ext>
+    </p:extLst>
+  </p:cSld>
+  <p:clrMapOvr>
+    <a:masterClrMapping/>
+  </p:clrMapOvr>
+</p:sld>
+</file>
+
+<file path=ppt/slides/slide22.xml><?xml version="1.0" encoding="utf-8"?>
+<p:sld xmlns:a="http://schemas.openxmlformats.org/drawingml/2006/main" xmlns:r="http://schemas.openxmlformats.org/officeDocument/2006/relationships" xmlns:p="http://schemas.openxmlformats.org/presentationml/2006/main">
+  <p:cSld>
+    <p:spTree>
+      <p:nvGrpSpPr>
+        <p:cNvPr id="1" name=""/>
+        <p:cNvGrpSpPr/>
+        <p:nvPr/>
+      </p:nvGrpSpPr>
+      <p:grpSpPr>
+        <a:xfrm>
+          <a:off x="0" y="0"/>
+          <a:ext cx="0" cy="0"/>
+          <a:chOff x="0" y="0"/>
+          <a:chExt cx="0" cy="0"/>
+        </a:xfrm>
+      </p:grpSpPr>
+      <p:sp>
+        <p:nvSpPr>
+          <p:cNvPr id="5" name="內容版面配置區 4"/>
+          <p:cNvSpPr>
+            <a:spLocks noGrp="1"/>
+          </p:cNvSpPr>
+          <p:nvPr>
+            <p:ph idx="1"/>
+          </p:nvPr>
+        </p:nvSpPr>
+        <p:spPr>
+          <a:xfrm>
+            <a:off x="0" y="2084853"/>
+            <a:ext cx="12192000" cy="2404863"/>
+          </a:xfrm>
+        </p:spPr>
+        <p:txBody>
+          <a:bodyPr anchor="ctr">
+            <a:normAutofit/>
+          </a:bodyPr>
+          <a:lstStyle/>
           <a:p>
             <a:pPr algn="ctr">
               <a:buNone/>
             </a:pPr>
             <a:r>
-              <a:rPr lang="zh-CN" altLang="en-US" sz="4800" b="1" dirty="0">
-                <a:solidFill>
-                  <a:srgbClr val="660033"/>
-                </a:solidFill>
-                <a:latin typeface="微軟正黑體" pitchFamily="34" charset="-120"/>
-                <a:ea typeface="微軟正黑體" pitchFamily="34" charset="-120"/>
-              </a:rPr>
-              <a:t>袮</a:t>
-            </a:r>
-            <a:r>
-              <a:rPr lang="zh-TW" altLang="en-US" sz="4800" b="1" dirty="0" smtClean="0">
-                <a:solidFill>
-                  <a:srgbClr val="660033"/>
-                </a:solidFill>
-                <a:latin typeface="微軟正黑體" pitchFamily="34" charset="-120"/>
-                <a:ea typeface="微軟正黑體" pitchFamily="34" charset="-120"/>
-              </a:rPr>
-              <a:t>的</a:t>
-            </a:r>
-            <a:r>
-              <a:rPr lang="zh-TW" altLang="en-US" sz="4800" b="1" dirty="0">
-                <a:solidFill>
-                  <a:srgbClr val="660033"/>
-                </a:solidFill>
-                <a:latin typeface="微軟正黑體" pitchFamily="34" charset="-120"/>
-                <a:ea typeface="微軟正黑體" pitchFamily="34" charset="-120"/>
-              </a:rPr>
-              <a:t>誠實上達穹</a:t>
-            </a:r>
-            <a:r>
-              <a:rPr lang="zh-TW" altLang="en-US" sz="4800" b="1" dirty="0" smtClean="0">
-                <a:solidFill>
-                  <a:srgbClr val="660033"/>
-                </a:solidFill>
-                <a:latin typeface="微軟正黑體" pitchFamily="34" charset="-120"/>
-                <a:ea typeface="微軟正黑體" pitchFamily="34" charset="-120"/>
-              </a:rPr>
-              <a:t>蒼</a:t>
-            </a:r>
-            <a:endParaRPr lang="en-US" altLang="zh-TW" sz="4800" b="1" dirty="0" smtClean="0">
+              <a:rPr lang="zh-TW" altLang="en-US" sz="6400" b="1" dirty="0">
+                <a:solidFill>
+                  <a:srgbClr val="000066"/>
+                </a:solidFill>
+                <a:latin typeface="微軟正黑體" pitchFamily="34" charset="-120"/>
+                <a:ea typeface="微軟正黑體" pitchFamily="34" charset="-120"/>
+              </a:rPr>
+              <a:t>主我是軟弱及無助</a:t>
+            </a:r>
+            <a:endParaRPr lang="en-US" altLang="zh-TW" sz="6400" b="1" dirty="0">
               <a:solidFill>
-                <a:srgbClr val="660033"/>
+                <a:srgbClr val="000066"/>
               </a:solidFill>
               <a:latin typeface="微軟正黑體" pitchFamily="34" charset="-120"/>
               <a:ea typeface="微軟正黑體" pitchFamily="34" charset="-120"/>
@@ -4579,18 +5656,38 @@
               <a:buNone/>
             </a:pPr>
             <a:r>
-              <a:rPr lang="en-US" altLang="zh-TW" b="1" dirty="0" smtClean="0">
-                <a:solidFill>
-                  <a:srgbClr val="660033"/>
-                </a:solidFill>
-                <a:latin typeface="微軟正黑體" pitchFamily="34" charset="-120"/>
-                <a:ea typeface="微軟正黑體" pitchFamily="34" charset="-120"/>
-              </a:rPr>
-              <a:t>(x2)</a:t>
-            </a:r>
-            <a:endParaRPr lang="en-US" altLang="zh-TW" sz="4000" b="1" dirty="0">
+              <a:rPr lang="zh-CN" altLang="en-US" sz="6400" b="1" dirty="0">
+                <a:solidFill>
+                  <a:srgbClr val="000066"/>
+                </a:solidFill>
+                <a:latin typeface="微軟正黑體" pitchFamily="34" charset="-120"/>
+                <a:ea typeface="微軟正黑體" pitchFamily="34" charset="-120"/>
+              </a:rPr>
+              <a:t>袮</a:t>
+            </a:r>
+            <a:r>
+              <a:rPr lang="zh-TW" altLang="en-US" sz="6400" b="1" dirty="0">
+                <a:solidFill>
+                  <a:srgbClr val="000066"/>
+                </a:solidFill>
+                <a:latin typeface="微軟正黑體" pitchFamily="34" charset="-120"/>
+                <a:ea typeface="微軟正黑體" pitchFamily="34" charset="-120"/>
+              </a:rPr>
+              <a:t>卻</a:t>
+            </a:r>
+            <a:r>
+              <a:rPr lang="zh-TW" altLang="en-US" sz="6400" b="1" dirty="0">
+                <a:solidFill>
+                  <a:srgbClr val="000066"/>
+                </a:solidFill>
+                <a:latin typeface="微軟正黑體" pitchFamily="34" charset="-120"/>
+                <a:ea typeface="微軟正黑體" pitchFamily="34" charset="-120"/>
+              </a:rPr>
+              <a:t>是我的力量</a:t>
+            </a:r>
+            <a:endParaRPr lang="en-US" altLang="zh-TW" sz="6400" b="1" dirty="0">
               <a:solidFill>
-                <a:srgbClr val="660033"/>
+                <a:srgbClr val="000066"/>
               </a:solidFill>
               <a:latin typeface="微軟正黑體" pitchFamily="34" charset="-120"/>
               <a:ea typeface="微軟正黑體" pitchFamily="34" charset="-120"/>
@@ -4598,18 +5695,1531 @@
           </a:p>
         </p:txBody>
       </p:sp>
+      <p:sp>
+        <p:nvSpPr>
+          <p:cNvPr id="3" name="TextBox 2"/>
+          <p:cNvSpPr txBox="1"/>
+          <p:nvPr/>
+        </p:nvSpPr>
+        <p:spPr>
+          <a:xfrm>
+            <a:off x="0" y="5157193"/>
+            <a:ext cx="12192000" cy="748988"/>
+          </a:xfrm>
+          <a:prstGeom prst="rect">
+            <a:avLst/>
+          </a:prstGeom>
+          <a:noFill/>
+        </p:spPr>
+        <p:txBody>
+          <a:bodyPr wrap="square" rtlCol="0">
+            <a:spAutoFit/>
+          </a:bodyPr>
+          <a:lstStyle/>
+          <a:p>
+            <a:pPr algn="ctr"/>
+            <a:r>
+              <a:rPr lang="en-US" sz="4267" b="1" dirty="0">
+                <a:solidFill>
+                  <a:srgbClr val="000066"/>
+                </a:solidFill>
+                <a:latin typeface="Microsoft JhengHei" panose="020B0604030504040204" pitchFamily="34" charset="-120"/>
+                <a:ea typeface="Microsoft JhengHei" panose="020B0604030504040204" pitchFamily="34" charset="-120"/>
+              </a:rPr>
+              <a:t>( </a:t>
+            </a:r>
+            <a:r>
+              <a:rPr lang="zh-CN" altLang="en-US" sz="4267" b="1" dirty="0">
+                <a:solidFill>
+                  <a:srgbClr val="000066"/>
+                </a:solidFill>
+                <a:latin typeface="Microsoft JhengHei" panose="020B0604030504040204" pitchFamily="34" charset="-120"/>
+                <a:ea typeface="Microsoft JhengHei" panose="020B0604030504040204" pitchFamily="34" charset="-120"/>
+              </a:rPr>
+              <a:t>正</a:t>
+            </a:r>
+            <a:r>
+              <a:rPr lang="en-US" altLang="zh-CN" sz="4267" b="1" dirty="0">
+                <a:solidFill>
+                  <a:srgbClr val="000066"/>
+                </a:solidFill>
+                <a:latin typeface="Microsoft JhengHei" panose="020B0604030504040204" pitchFamily="34" charset="-120"/>
+                <a:ea typeface="Microsoft JhengHei" panose="020B0604030504040204" pitchFamily="34" charset="-120"/>
+              </a:rPr>
+              <a:t> 2</a:t>
+            </a:r>
+            <a:r>
+              <a:rPr lang="en-US" sz="4267" b="1" dirty="0">
+                <a:solidFill>
+                  <a:srgbClr val="000066"/>
+                </a:solidFill>
+                <a:latin typeface="Microsoft JhengHei" panose="020B0604030504040204" pitchFamily="34" charset="-120"/>
+                <a:ea typeface="Microsoft JhengHei" panose="020B0604030504040204" pitchFamily="34" charset="-120"/>
+              </a:rPr>
+              <a:t> )</a:t>
+            </a:r>
+            <a:endParaRPr lang="vi-VN" sz="4267" b="1" dirty="0">
+              <a:solidFill>
+                <a:srgbClr val="000066"/>
+              </a:solidFill>
+              <a:ea typeface="Microsoft JhengHei" panose="020B0604030504040204" pitchFamily="34" charset="-120"/>
+            </a:endParaRPr>
+          </a:p>
+        </p:txBody>
+      </p:sp>
     </p:spTree>
+    <p:extLst>
+      <p:ext uri="{BB962C8B-B14F-4D97-AF65-F5344CB8AC3E}">
+        <p14:creationId xmlns:p14="http://schemas.microsoft.com/office/powerpoint/2010/main" val="369737632"/>
+      </p:ext>
+    </p:extLst>
   </p:cSld>
   <p:clrMapOvr>
     <a:masterClrMapping/>
   </p:clrMapOvr>
-  <p:timing>
-    <p:tnLst>
-      <p:par>
-        <p:cTn id="1" dur="indefinite" restart="never" nodeType="tmRoot"/>
-      </p:par>
-    </p:tnLst>
-  </p:timing>
+</p:sld>
+</file>
+
+<file path=ppt/slides/slide23.xml><?xml version="1.0" encoding="utf-8"?>
+<p:sld xmlns:a="http://schemas.openxmlformats.org/drawingml/2006/main" xmlns:r="http://schemas.openxmlformats.org/officeDocument/2006/relationships" xmlns:p="http://schemas.openxmlformats.org/presentationml/2006/main">
+  <p:cSld>
+    <p:spTree>
+      <p:nvGrpSpPr>
+        <p:cNvPr id="1" name=""/>
+        <p:cNvGrpSpPr/>
+        <p:nvPr/>
+      </p:nvGrpSpPr>
+      <p:grpSpPr>
+        <a:xfrm>
+          <a:off x="0" y="0"/>
+          <a:ext cx="0" cy="0"/>
+          <a:chOff x="0" y="0"/>
+          <a:chExt cx="0" cy="0"/>
+        </a:xfrm>
+      </p:grpSpPr>
+      <p:sp>
+        <p:nvSpPr>
+          <p:cNvPr id="5" name="內容版面配置區 4"/>
+          <p:cNvSpPr>
+            <a:spLocks noGrp="1"/>
+          </p:cNvSpPr>
+          <p:nvPr>
+            <p:ph idx="1"/>
+          </p:nvPr>
+        </p:nvSpPr>
+        <p:spPr>
+          <a:xfrm>
+            <a:off x="0" y="2084853"/>
+            <a:ext cx="12192000" cy="2404863"/>
+          </a:xfrm>
+        </p:spPr>
+        <p:txBody>
+          <a:bodyPr anchor="ctr">
+            <a:normAutofit/>
+          </a:bodyPr>
+          <a:lstStyle/>
+          <a:p>
+            <a:pPr algn="ctr">
+              <a:buNone/>
+            </a:pPr>
+            <a:r>
+              <a:rPr lang="zh-TW" altLang="en-US" sz="6400" b="1" dirty="0">
+                <a:solidFill>
+                  <a:srgbClr val="000066"/>
+                </a:solidFill>
+                <a:latin typeface="微軟正黑體" pitchFamily="34" charset="-120"/>
+                <a:ea typeface="微軟正黑體" pitchFamily="34" charset="-120"/>
+              </a:rPr>
+              <a:t>以</a:t>
+            </a:r>
+            <a:r>
+              <a:rPr lang="zh-CN" altLang="en-US" sz="6400" b="1" dirty="0">
+                <a:solidFill>
+                  <a:srgbClr val="000066"/>
+                </a:solidFill>
+                <a:latin typeface="微軟正黑體" pitchFamily="34" charset="-120"/>
+                <a:ea typeface="微軟正黑體" pitchFamily="34" charset="-120"/>
+              </a:rPr>
+              <a:t>袮</a:t>
+            </a:r>
+            <a:r>
+              <a:rPr lang="zh-TW" altLang="en-US" sz="6400" b="1" dirty="0">
+                <a:solidFill>
+                  <a:srgbClr val="000066"/>
+                </a:solidFill>
+                <a:latin typeface="微軟正黑體" pitchFamily="34" charset="-120"/>
+                <a:ea typeface="微軟正黑體" pitchFamily="34" charset="-120"/>
+              </a:rPr>
+              <a:t>親</a:t>
+            </a:r>
+            <a:r>
+              <a:rPr lang="zh-TW" altLang="en-US" sz="6400" b="1" dirty="0">
+                <a:solidFill>
+                  <a:srgbClr val="000066"/>
+                </a:solidFill>
+                <a:latin typeface="微軟正黑體" pitchFamily="34" charset="-120"/>
+                <a:ea typeface="微軟正黑體" pitchFamily="34" charset="-120"/>
+              </a:rPr>
+              <a:t>切的手引導我</a:t>
+            </a:r>
+            <a:endParaRPr lang="en-US" altLang="zh-TW" sz="6400" b="1" dirty="0">
+              <a:solidFill>
+                <a:srgbClr val="000066"/>
+              </a:solidFill>
+              <a:latin typeface="微軟正黑體" pitchFamily="34" charset="-120"/>
+              <a:ea typeface="微軟正黑體" pitchFamily="34" charset="-120"/>
+            </a:endParaRPr>
+          </a:p>
+          <a:p>
+            <a:pPr algn="ctr">
+              <a:buNone/>
+            </a:pPr>
+            <a:r>
+              <a:rPr lang="zh-TW" altLang="en-US" sz="6400" b="1" dirty="0">
+                <a:solidFill>
+                  <a:srgbClr val="000066"/>
+                </a:solidFill>
+                <a:latin typeface="微軟正黑體" pitchFamily="34" charset="-120"/>
+                <a:ea typeface="微軟正黑體" pitchFamily="34" charset="-120"/>
+              </a:rPr>
+              <a:t>那就是我的得勝</a:t>
+            </a:r>
+          </a:p>
+        </p:txBody>
+      </p:sp>
+      <p:sp>
+        <p:nvSpPr>
+          <p:cNvPr id="3" name="TextBox 2"/>
+          <p:cNvSpPr txBox="1"/>
+          <p:nvPr/>
+        </p:nvSpPr>
+        <p:spPr>
+          <a:xfrm>
+            <a:off x="0" y="5157193"/>
+            <a:ext cx="12192000" cy="748988"/>
+          </a:xfrm>
+          <a:prstGeom prst="rect">
+            <a:avLst/>
+          </a:prstGeom>
+          <a:noFill/>
+        </p:spPr>
+        <p:txBody>
+          <a:bodyPr wrap="square" rtlCol="0">
+            <a:spAutoFit/>
+          </a:bodyPr>
+          <a:lstStyle/>
+          <a:p>
+            <a:pPr algn="ctr"/>
+            <a:r>
+              <a:rPr lang="en-US" sz="4267" b="1" dirty="0">
+                <a:solidFill>
+                  <a:srgbClr val="000066"/>
+                </a:solidFill>
+                <a:latin typeface="Microsoft JhengHei" panose="020B0604030504040204" pitchFamily="34" charset="-120"/>
+                <a:ea typeface="Microsoft JhengHei" panose="020B0604030504040204" pitchFamily="34" charset="-120"/>
+              </a:rPr>
+              <a:t>( </a:t>
+            </a:r>
+            <a:r>
+              <a:rPr lang="zh-CN" altLang="en-US" sz="4267" b="1" dirty="0">
+                <a:solidFill>
+                  <a:srgbClr val="000066"/>
+                </a:solidFill>
+                <a:latin typeface="Microsoft JhengHei" panose="020B0604030504040204" pitchFamily="34" charset="-120"/>
+                <a:ea typeface="Microsoft JhengHei" panose="020B0604030504040204" pitchFamily="34" charset="-120"/>
+              </a:rPr>
+              <a:t>正</a:t>
+            </a:r>
+            <a:r>
+              <a:rPr lang="en-US" altLang="zh-CN" sz="4267" b="1" dirty="0">
+                <a:solidFill>
+                  <a:srgbClr val="000066"/>
+                </a:solidFill>
+                <a:latin typeface="Microsoft JhengHei" panose="020B0604030504040204" pitchFamily="34" charset="-120"/>
+                <a:ea typeface="Microsoft JhengHei" panose="020B0604030504040204" pitchFamily="34" charset="-120"/>
+              </a:rPr>
+              <a:t> 2</a:t>
+            </a:r>
+            <a:r>
+              <a:rPr lang="en-US" sz="4267" b="1" dirty="0">
+                <a:solidFill>
+                  <a:srgbClr val="000066"/>
+                </a:solidFill>
+                <a:latin typeface="Microsoft JhengHei" panose="020B0604030504040204" pitchFamily="34" charset="-120"/>
+                <a:ea typeface="Microsoft JhengHei" panose="020B0604030504040204" pitchFamily="34" charset="-120"/>
+              </a:rPr>
+              <a:t> )</a:t>
+            </a:r>
+            <a:endParaRPr lang="vi-VN" sz="4267" b="1" dirty="0">
+              <a:solidFill>
+                <a:srgbClr val="000066"/>
+              </a:solidFill>
+              <a:ea typeface="Microsoft JhengHei" panose="020B0604030504040204" pitchFamily="34" charset="-120"/>
+            </a:endParaRPr>
+          </a:p>
+        </p:txBody>
+      </p:sp>
+    </p:spTree>
+    <p:extLst>
+      <p:ext uri="{BB962C8B-B14F-4D97-AF65-F5344CB8AC3E}">
+        <p14:creationId xmlns:p14="http://schemas.microsoft.com/office/powerpoint/2010/main" val="1713888409"/>
+      </p:ext>
+    </p:extLst>
+  </p:cSld>
+  <p:clrMapOvr>
+    <a:masterClrMapping/>
+  </p:clrMapOvr>
+</p:sld>
+</file>
+
+<file path=ppt/slides/slide24.xml><?xml version="1.0" encoding="utf-8"?>
+<p:sld xmlns:a="http://schemas.openxmlformats.org/drawingml/2006/main" xmlns:r="http://schemas.openxmlformats.org/officeDocument/2006/relationships" xmlns:p="http://schemas.openxmlformats.org/presentationml/2006/main">
+  <p:cSld>
+    <p:spTree>
+      <p:nvGrpSpPr>
+        <p:cNvPr id="1" name=""/>
+        <p:cNvGrpSpPr/>
+        <p:nvPr/>
+      </p:nvGrpSpPr>
+      <p:grpSpPr>
+        <a:xfrm>
+          <a:off x="0" y="0"/>
+          <a:ext cx="0" cy="0"/>
+          <a:chOff x="0" y="0"/>
+          <a:chExt cx="0" cy="0"/>
+        </a:xfrm>
+      </p:grpSpPr>
+      <p:sp>
+        <p:nvSpPr>
+          <p:cNvPr id="5" name="內容版面配置區 4"/>
+          <p:cNvSpPr>
+            <a:spLocks noGrp="1"/>
+          </p:cNvSpPr>
+          <p:nvPr>
+            <p:ph idx="1"/>
+          </p:nvPr>
+        </p:nvSpPr>
+        <p:spPr>
+          <a:xfrm>
+            <a:off x="0" y="2084853"/>
+            <a:ext cx="12192000" cy="2404863"/>
+          </a:xfrm>
+        </p:spPr>
+        <p:txBody>
+          <a:bodyPr anchor="ctr">
+            <a:normAutofit/>
+          </a:bodyPr>
+          <a:lstStyle/>
+          <a:p>
+            <a:pPr algn="ctr">
+              <a:buNone/>
+            </a:pPr>
+            <a:r>
+              <a:rPr lang="zh-TW" altLang="en-US" sz="6400" b="1" dirty="0">
+                <a:solidFill>
+                  <a:srgbClr val="000066"/>
+                </a:solidFill>
+                <a:latin typeface="微軟正黑體" pitchFamily="34" charset="-120"/>
+                <a:ea typeface="微軟正黑體" pitchFamily="34" charset="-120"/>
+              </a:rPr>
+              <a:t>每一次我禱</a:t>
+            </a:r>
+            <a:r>
+              <a:rPr lang="zh-TW" altLang="en-US" sz="6400" b="1" dirty="0">
+                <a:solidFill>
+                  <a:srgbClr val="000066"/>
+                </a:solidFill>
+                <a:latin typeface="微軟正黑體" pitchFamily="34" charset="-120"/>
+                <a:ea typeface="微軟正黑體" pitchFamily="34" charset="-120"/>
+              </a:rPr>
+              <a:t>告</a:t>
+            </a:r>
+            <a:r>
+              <a:rPr lang="en-US" altLang="zh-TW" sz="6400" b="1" dirty="0">
+                <a:solidFill>
+                  <a:srgbClr val="000066"/>
+                </a:solidFill>
+                <a:latin typeface="微軟正黑體" pitchFamily="34" charset="-120"/>
+                <a:ea typeface="微軟正黑體" pitchFamily="34" charset="-120"/>
+              </a:rPr>
+              <a:t>  </a:t>
+            </a:r>
+            <a:r>
+              <a:rPr lang="zh-TW" altLang="en-US" sz="6400" b="1" dirty="0">
+                <a:solidFill>
+                  <a:srgbClr val="000066"/>
+                </a:solidFill>
+                <a:latin typeface="微軟正黑體" pitchFamily="34" charset="-120"/>
+                <a:ea typeface="微軟正黑體" pitchFamily="34" charset="-120"/>
+              </a:rPr>
+              <a:t>我</a:t>
+            </a:r>
+            <a:r>
+              <a:rPr lang="zh-TW" altLang="en-US" sz="6400" b="1" dirty="0">
+                <a:solidFill>
+                  <a:srgbClr val="000066"/>
+                </a:solidFill>
+                <a:latin typeface="微軟正黑體" pitchFamily="34" charset="-120"/>
+                <a:ea typeface="微軟正黑體" pitchFamily="34" charset="-120"/>
+              </a:rPr>
+              <a:t>搖</a:t>
+            </a:r>
+            <a:r>
+              <a:rPr lang="zh-TW" altLang="en-US" sz="6400" b="1" dirty="0">
+                <a:solidFill>
+                  <a:srgbClr val="000066"/>
+                </a:solidFill>
+                <a:latin typeface="微軟正黑體" pitchFamily="34" charset="-120"/>
+                <a:ea typeface="微軟正黑體" pitchFamily="34" charset="-120"/>
+              </a:rPr>
+              <a:t>動</a:t>
+            </a:r>
+            <a:r>
+              <a:rPr lang="zh-CN" altLang="en-US" sz="6400" b="1" dirty="0">
+                <a:solidFill>
+                  <a:srgbClr val="000066"/>
+                </a:solidFill>
+                <a:latin typeface="微軟正黑體" pitchFamily="34" charset="-120"/>
+                <a:ea typeface="微軟正黑體" pitchFamily="34" charset="-120"/>
+              </a:rPr>
+              <a:t>袮</a:t>
+            </a:r>
+            <a:r>
+              <a:rPr lang="zh-TW" altLang="en-US" sz="6400" b="1" dirty="0">
+                <a:solidFill>
+                  <a:srgbClr val="000066"/>
+                </a:solidFill>
+                <a:latin typeface="微軟正黑體" pitchFamily="34" charset="-120"/>
+                <a:ea typeface="微軟正黑體" pitchFamily="34" charset="-120"/>
+              </a:rPr>
+              <a:t>的</a:t>
+            </a:r>
+            <a:r>
+              <a:rPr lang="zh-TW" altLang="en-US" sz="6400" b="1" dirty="0">
+                <a:solidFill>
+                  <a:srgbClr val="000066"/>
+                </a:solidFill>
+                <a:latin typeface="微軟正黑體" pitchFamily="34" charset="-120"/>
+                <a:ea typeface="微軟正黑體" pitchFamily="34" charset="-120"/>
+              </a:rPr>
+              <a:t>手</a:t>
+            </a:r>
+            <a:endParaRPr lang="en-US" altLang="zh-TW" sz="6400" b="1" dirty="0">
+              <a:solidFill>
+                <a:srgbClr val="000066"/>
+              </a:solidFill>
+              <a:latin typeface="微軟正黑體" pitchFamily="34" charset="-120"/>
+              <a:ea typeface="微軟正黑體" pitchFamily="34" charset="-120"/>
+            </a:endParaRPr>
+          </a:p>
+          <a:p>
+            <a:pPr algn="ctr">
+              <a:buNone/>
+            </a:pPr>
+            <a:r>
+              <a:rPr lang="zh-TW" altLang="en-US" sz="6400" b="1" dirty="0">
+                <a:solidFill>
+                  <a:srgbClr val="000066"/>
+                </a:solidFill>
+                <a:latin typeface="微軟正黑體" pitchFamily="34" charset="-120"/>
+                <a:ea typeface="微軟正黑體" pitchFamily="34" charset="-120"/>
+              </a:rPr>
+              <a:t>禱告做的事我的手不能做</a:t>
+            </a:r>
+          </a:p>
+        </p:txBody>
+      </p:sp>
+      <p:sp>
+        <p:nvSpPr>
+          <p:cNvPr id="3" name="TextBox 2"/>
+          <p:cNvSpPr txBox="1"/>
+          <p:nvPr/>
+        </p:nvSpPr>
+        <p:spPr>
+          <a:xfrm>
+            <a:off x="0" y="5157193"/>
+            <a:ext cx="12192000" cy="748988"/>
+          </a:xfrm>
+          <a:prstGeom prst="rect">
+            <a:avLst/>
+          </a:prstGeom>
+          <a:noFill/>
+        </p:spPr>
+        <p:txBody>
+          <a:bodyPr wrap="square" rtlCol="0">
+            <a:spAutoFit/>
+          </a:bodyPr>
+          <a:lstStyle/>
+          <a:p>
+            <a:pPr algn="ctr"/>
+            <a:r>
+              <a:rPr lang="en-US" sz="4267" b="1" dirty="0">
+                <a:solidFill>
+                  <a:srgbClr val="000066"/>
+                </a:solidFill>
+                <a:latin typeface="Microsoft JhengHei" panose="020B0604030504040204" pitchFamily="34" charset="-120"/>
+                <a:ea typeface="Microsoft JhengHei" panose="020B0604030504040204" pitchFamily="34" charset="-120"/>
+              </a:rPr>
+              <a:t>( </a:t>
+            </a:r>
+            <a:r>
+              <a:rPr lang="zh-CN" altLang="en-US" sz="4267" b="1" dirty="0">
+                <a:solidFill>
+                  <a:srgbClr val="000066"/>
+                </a:solidFill>
+                <a:latin typeface="Microsoft JhengHei" panose="020B0604030504040204" pitchFamily="34" charset="-120"/>
+                <a:ea typeface="Microsoft JhengHei" panose="020B0604030504040204" pitchFamily="34" charset="-120"/>
+              </a:rPr>
+              <a:t>副</a:t>
+            </a:r>
+            <a:r>
+              <a:rPr lang="en-US" sz="4267" b="1" dirty="0">
+                <a:solidFill>
+                  <a:srgbClr val="000066"/>
+                </a:solidFill>
+                <a:latin typeface="Microsoft JhengHei" panose="020B0604030504040204" pitchFamily="34" charset="-120"/>
+                <a:ea typeface="Microsoft JhengHei" panose="020B0604030504040204" pitchFamily="34" charset="-120"/>
+              </a:rPr>
+              <a:t> )</a:t>
+            </a:r>
+            <a:endParaRPr lang="vi-VN" sz="4267" b="1" dirty="0">
+              <a:solidFill>
+                <a:srgbClr val="000066"/>
+              </a:solidFill>
+              <a:ea typeface="Microsoft JhengHei" panose="020B0604030504040204" pitchFamily="34" charset="-120"/>
+            </a:endParaRPr>
+          </a:p>
+        </p:txBody>
+      </p:sp>
+    </p:spTree>
+    <p:extLst>
+      <p:ext uri="{BB962C8B-B14F-4D97-AF65-F5344CB8AC3E}">
+        <p14:creationId xmlns:p14="http://schemas.microsoft.com/office/powerpoint/2010/main" val="1362958732"/>
+      </p:ext>
+    </p:extLst>
+  </p:cSld>
+  <p:clrMapOvr>
+    <a:masterClrMapping/>
+  </p:clrMapOvr>
+</p:sld>
+</file>
+
+<file path=ppt/slides/slide25.xml><?xml version="1.0" encoding="utf-8"?>
+<p:sld xmlns:a="http://schemas.openxmlformats.org/drawingml/2006/main" xmlns:r="http://schemas.openxmlformats.org/officeDocument/2006/relationships" xmlns:p="http://schemas.openxmlformats.org/presentationml/2006/main">
+  <p:cSld>
+    <p:spTree>
+      <p:nvGrpSpPr>
+        <p:cNvPr id="1" name=""/>
+        <p:cNvGrpSpPr/>
+        <p:nvPr/>
+      </p:nvGrpSpPr>
+      <p:grpSpPr>
+        <a:xfrm>
+          <a:off x="0" y="0"/>
+          <a:ext cx="0" cy="0"/>
+          <a:chOff x="0" y="0"/>
+          <a:chExt cx="0" cy="0"/>
+        </a:xfrm>
+      </p:grpSpPr>
+      <p:sp>
+        <p:nvSpPr>
+          <p:cNvPr id="5" name="內容版面配置區 4"/>
+          <p:cNvSpPr>
+            <a:spLocks noGrp="1"/>
+          </p:cNvSpPr>
+          <p:nvPr>
+            <p:ph idx="1"/>
+          </p:nvPr>
+        </p:nvSpPr>
+        <p:spPr>
+          <a:xfrm>
+            <a:off x="0" y="2084853"/>
+            <a:ext cx="12192000" cy="2404863"/>
+          </a:xfrm>
+        </p:spPr>
+        <p:txBody>
+          <a:bodyPr anchor="ctr">
+            <a:normAutofit/>
+          </a:bodyPr>
+          <a:lstStyle/>
+          <a:p>
+            <a:pPr algn="ctr">
+              <a:buNone/>
+            </a:pPr>
+            <a:r>
+              <a:rPr lang="zh-TW" altLang="en-US" sz="6400" b="1" dirty="0">
+                <a:solidFill>
+                  <a:srgbClr val="000066"/>
+                </a:solidFill>
+                <a:latin typeface="微軟正黑體" pitchFamily="34" charset="-120"/>
+                <a:ea typeface="微軟正黑體" pitchFamily="34" charset="-120"/>
+              </a:rPr>
+              <a:t>每一次我禱</a:t>
+            </a:r>
+            <a:r>
+              <a:rPr lang="zh-TW" altLang="en-US" sz="6400" b="1" dirty="0">
+                <a:solidFill>
+                  <a:srgbClr val="000066"/>
+                </a:solidFill>
+                <a:latin typeface="微軟正黑體" pitchFamily="34" charset="-120"/>
+                <a:ea typeface="微軟正黑體" pitchFamily="34" charset="-120"/>
+              </a:rPr>
+              <a:t>告</a:t>
+            </a:r>
+            <a:r>
+              <a:rPr lang="en-US" altLang="zh-TW" sz="6400" b="1" dirty="0">
+                <a:solidFill>
+                  <a:srgbClr val="000066"/>
+                </a:solidFill>
+                <a:latin typeface="微軟正黑體" pitchFamily="34" charset="-120"/>
+                <a:ea typeface="微軟正黑體" pitchFamily="34" charset="-120"/>
+              </a:rPr>
+              <a:t>  </a:t>
+            </a:r>
+            <a:r>
+              <a:rPr lang="zh-TW" altLang="en-US" sz="6400" b="1" dirty="0">
+                <a:solidFill>
+                  <a:srgbClr val="000066"/>
+                </a:solidFill>
+                <a:latin typeface="微軟正黑體" pitchFamily="34" charset="-120"/>
+                <a:ea typeface="微軟正黑體" pitchFamily="34" charset="-120"/>
+              </a:rPr>
+              <a:t>大</a:t>
+            </a:r>
+            <a:r>
+              <a:rPr lang="zh-TW" altLang="en-US" sz="6400" b="1" dirty="0">
+                <a:solidFill>
+                  <a:srgbClr val="000066"/>
+                </a:solidFill>
+                <a:latin typeface="微軟正黑體" pitchFamily="34" charset="-120"/>
+                <a:ea typeface="微軟正黑體" pitchFamily="34" charset="-120"/>
+              </a:rPr>
+              <a:t>山被挪移</a:t>
+            </a:r>
+            <a:endParaRPr lang="en-US" altLang="zh-TW" sz="6400" b="1" dirty="0">
+              <a:solidFill>
+                <a:srgbClr val="000066"/>
+              </a:solidFill>
+              <a:latin typeface="微軟正黑體" pitchFamily="34" charset="-120"/>
+              <a:ea typeface="微軟正黑體" pitchFamily="34" charset="-120"/>
+            </a:endParaRPr>
+          </a:p>
+          <a:p>
+            <a:pPr algn="ctr">
+              <a:buNone/>
+            </a:pPr>
+            <a:r>
+              <a:rPr lang="zh-TW" altLang="en-US" sz="6400" b="1" dirty="0">
+                <a:solidFill>
+                  <a:srgbClr val="000066"/>
+                </a:solidFill>
+                <a:latin typeface="微軟正黑體" pitchFamily="34" charset="-120"/>
+                <a:ea typeface="微軟正黑體" pitchFamily="34" charset="-120"/>
+              </a:rPr>
+              <a:t>道路被鋪</a:t>
+            </a:r>
+            <a:r>
+              <a:rPr lang="zh-TW" altLang="en-US" sz="6400" b="1" dirty="0">
+                <a:solidFill>
+                  <a:srgbClr val="000066"/>
+                </a:solidFill>
+                <a:latin typeface="微軟正黑體" pitchFamily="34" charset="-120"/>
+                <a:ea typeface="微軟正黑體" pitchFamily="34" charset="-120"/>
+              </a:rPr>
+              <a:t>平</a:t>
+            </a:r>
+            <a:r>
+              <a:rPr lang="en-US" altLang="zh-TW" sz="6400" b="1" dirty="0">
+                <a:solidFill>
+                  <a:srgbClr val="000066"/>
+                </a:solidFill>
+                <a:latin typeface="微軟正黑體" pitchFamily="34" charset="-120"/>
+                <a:ea typeface="微軟正黑體" pitchFamily="34" charset="-120"/>
+              </a:rPr>
+              <a:t>  </a:t>
+            </a:r>
+            <a:r>
+              <a:rPr lang="zh-TW" altLang="en-US" sz="6400" b="1" dirty="0">
+                <a:solidFill>
+                  <a:srgbClr val="000066"/>
+                </a:solidFill>
+                <a:latin typeface="微軟正黑體" pitchFamily="34" charset="-120"/>
+                <a:ea typeface="微軟正黑體" pitchFamily="34" charset="-120"/>
+              </a:rPr>
+              <a:t>使</a:t>
+            </a:r>
+            <a:r>
+              <a:rPr lang="zh-TW" altLang="en-US" sz="6400" b="1" dirty="0">
+                <a:solidFill>
+                  <a:srgbClr val="000066"/>
+                </a:solidFill>
+                <a:latin typeface="微軟正黑體" pitchFamily="34" charset="-120"/>
+                <a:ea typeface="微軟正黑體" pitchFamily="34" charset="-120"/>
+              </a:rPr>
+              <a:t>列國歸</a:t>
+            </a:r>
+            <a:r>
+              <a:rPr lang="zh-TW" altLang="en-US" sz="6400" b="1" dirty="0">
+                <a:solidFill>
+                  <a:srgbClr val="000066"/>
+                </a:solidFill>
+                <a:latin typeface="微軟正黑體" pitchFamily="34" charset="-120"/>
+                <a:ea typeface="微軟正黑體" pitchFamily="34" charset="-120"/>
+              </a:rPr>
+              <a:t>向</a:t>
+            </a:r>
+            <a:r>
+              <a:rPr lang="zh-CN" altLang="en-US" sz="6400" b="1" dirty="0">
+                <a:solidFill>
+                  <a:srgbClr val="000066"/>
+                </a:solidFill>
+                <a:latin typeface="微軟正黑體" pitchFamily="34" charset="-120"/>
+                <a:ea typeface="微軟正黑體" pitchFamily="34" charset="-120"/>
+              </a:rPr>
+              <a:t>袮</a:t>
+            </a:r>
+            <a:endParaRPr lang="zh-TW" altLang="en-US" sz="6400" b="1" dirty="0">
+              <a:solidFill>
+                <a:srgbClr val="000066"/>
+              </a:solidFill>
+              <a:latin typeface="微軟正黑體" pitchFamily="34" charset="-120"/>
+              <a:ea typeface="微軟正黑體" pitchFamily="34" charset="-120"/>
+            </a:endParaRPr>
+          </a:p>
+        </p:txBody>
+      </p:sp>
+      <p:sp>
+        <p:nvSpPr>
+          <p:cNvPr id="3" name="TextBox 2"/>
+          <p:cNvSpPr txBox="1"/>
+          <p:nvPr/>
+        </p:nvSpPr>
+        <p:spPr>
+          <a:xfrm>
+            <a:off x="0" y="5157193"/>
+            <a:ext cx="12192000" cy="748988"/>
+          </a:xfrm>
+          <a:prstGeom prst="rect">
+            <a:avLst/>
+          </a:prstGeom>
+          <a:noFill/>
+        </p:spPr>
+        <p:txBody>
+          <a:bodyPr wrap="square" rtlCol="0">
+            <a:spAutoFit/>
+          </a:bodyPr>
+          <a:lstStyle/>
+          <a:p>
+            <a:pPr algn="ctr"/>
+            <a:r>
+              <a:rPr lang="en-US" sz="4267" b="1" dirty="0">
+                <a:solidFill>
+                  <a:srgbClr val="000066"/>
+                </a:solidFill>
+                <a:latin typeface="Microsoft JhengHei" panose="020B0604030504040204" pitchFamily="34" charset="-120"/>
+                <a:ea typeface="Microsoft JhengHei" panose="020B0604030504040204" pitchFamily="34" charset="-120"/>
+              </a:rPr>
+              <a:t>( </a:t>
+            </a:r>
+            <a:r>
+              <a:rPr lang="zh-CN" altLang="en-US" sz="4267" b="1" dirty="0">
+                <a:solidFill>
+                  <a:srgbClr val="000066"/>
+                </a:solidFill>
+                <a:latin typeface="Microsoft JhengHei" panose="020B0604030504040204" pitchFamily="34" charset="-120"/>
+                <a:ea typeface="Microsoft JhengHei" panose="020B0604030504040204" pitchFamily="34" charset="-120"/>
+              </a:rPr>
+              <a:t>副</a:t>
+            </a:r>
+            <a:r>
+              <a:rPr lang="en-US" sz="4267" b="1" dirty="0">
+                <a:solidFill>
+                  <a:srgbClr val="000066"/>
+                </a:solidFill>
+                <a:latin typeface="Microsoft JhengHei" panose="020B0604030504040204" pitchFamily="34" charset="-120"/>
+                <a:ea typeface="Microsoft JhengHei" panose="020B0604030504040204" pitchFamily="34" charset="-120"/>
+              </a:rPr>
+              <a:t> )</a:t>
+            </a:r>
+            <a:endParaRPr lang="vi-VN" sz="4267" b="1" dirty="0">
+              <a:solidFill>
+                <a:srgbClr val="000066"/>
+              </a:solidFill>
+              <a:ea typeface="Microsoft JhengHei" panose="020B0604030504040204" pitchFamily="34" charset="-120"/>
+            </a:endParaRPr>
+          </a:p>
+        </p:txBody>
+      </p:sp>
+    </p:spTree>
+    <p:extLst>
+      <p:ext uri="{BB962C8B-B14F-4D97-AF65-F5344CB8AC3E}">
+        <p14:creationId xmlns:p14="http://schemas.microsoft.com/office/powerpoint/2010/main" val="2102434015"/>
+      </p:ext>
+    </p:extLst>
+  </p:cSld>
+  <p:clrMapOvr>
+    <a:masterClrMapping/>
+  </p:clrMapOvr>
+</p:sld>
+</file>
+
+<file path=ppt/slides/slide26.xml><?xml version="1.0" encoding="utf-8"?>
+<p:sld xmlns:a="http://schemas.openxmlformats.org/drawingml/2006/main" xmlns:r="http://schemas.openxmlformats.org/officeDocument/2006/relationships" xmlns:p="http://schemas.openxmlformats.org/presentationml/2006/main">
+  <p:cSld>
+    <p:spTree>
+      <p:nvGrpSpPr>
+        <p:cNvPr id="1" name=""/>
+        <p:cNvGrpSpPr/>
+        <p:nvPr/>
+      </p:nvGrpSpPr>
+      <p:grpSpPr>
+        <a:xfrm>
+          <a:off x="0" y="0"/>
+          <a:ext cx="0" cy="0"/>
+          <a:chOff x="0" y="0"/>
+          <a:chExt cx="0" cy="0"/>
+        </a:xfrm>
+      </p:grpSpPr>
+      <p:sp>
+        <p:nvSpPr>
+          <p:cNvPr id="5" name="內容版面配置區 4"/>
+          <p:cNvSpPr>
+            <a:spLocks noGrp="1"/>
+          </p:cNvSpPr>
+          <p:nvPr>
+            <p:ph idx="1"/>
+          </p:nvPr>
+        </p:nvSpPr>
+        <p:spPr>
+          <a:xfrm>
+            <a:off x="0" y="2084853"/>
+            <a:ext cx="12192000" cy="2404863"/>
+          </a:xfrm>
+        </p:spPr>
+        <p:txBody>
+          <a:bodyPr anchor="ctr">
+            <a:normAutofit/>
+          </a:bodyPr>
+          <a:lstStyle/>
+          <a:p>
+            <a:pPr algn="ctr">
+              <a:buNone/>
+            </a:pPr>
+            <a:r>
+              <a:rPr lang="zh-TW" altLang="en-US" sz="6400" b="1" dirty="0">
+                <a:solidFill>
+                  <a:srgbClr val="000066"/>
+                </a:solidFill>
+                <a:latin typeface="微軟正黑體" pitchFamily="34" charset="-120"/>
+                <a:ea typeface="微軟正黑體" pitchFamily="34" charset="-120"/>
+              </a:rPr>
+              <a:t>每一次我禱</a:t>
+            </a:r>
+            <a:r>
+              <a:rPr lang="zh-TW" altLang="en-US" sz="6400" b="1" dirty="0">
+                <a:solidFill>
+                  <a:srgbClr val="000066"/>
+                </a:solidFill>
+                <a:latin typeface="微軟正黑體" pitchFamily="34" charset="-120"/>
+                <a:ea typeface="微軟正黑體" pitchFamily="34" charset="-120"/>
+              </a:rPr>
+              <a:t>告</a:t>
+            </a:r>
+            <a:r>
+              <a:rPr lang="en-US" altLang="zh-TW" sz="6400" b="1" dirty="0">
+                <a:solidFill>
+                  <a:srgbClr val="000066"/>
+                </a:solidFill>
+                <a:latin typeface="微軟正黑體" pitchFamily="34" charset="-120"/>
+                <a:ea typeface="微軟正黑體" pitchFamily="34" charset="-120"/>
+              </a:rPr>
+              <a:t>  </a:t>
+            </a:r>
+            <a:r>
+              <a:rPr lang="zh-TW" altLang="en-US" sz="6400" b="1" dirty="0">
+                <a:solidFill>
+                  <a:srgbClr val="000066"/>
+                </a:solidFill>
+                <a:latin typeface="微軟正黑體" pitchFamily="34" charset="-120"/>
+                <a:ea typeface="微軟正黑體" pitchFamily="34" charset="-120"/>
+              </a:rPr>
+              <a:t>我</a:t>
+            </a:r>
+            <a:r>
+              <a:rPr lang="zh-TW" altLang="en-US" sz="6400" b="1" dirty="0">
+                <a:solidFill>
+                  <a:srgbClr val="000066"/>
+                </a:solidFill>
+                <a:latin typeface="微軟正黑體" pitchFamily="34" charset="-120"/>
+                <a:ea typeface="微軟正黑體" pitchFamily="34" charset="-120"/>
+              </a:rPr>
+              <a:t>搖</a:t>
+            </a:r>
+            <a:r>
+              <a:rPr lang="zh-TW" altLang="en-US" sz="6400" b="1" dirty="0">
+                <a:solidFill>
+                  <a:srgbClr val="000066"/>
+                </a:solidFill>
+                <a:latin typeface="微軟正黑體" pitchFamily="34" charset="-120"/>
+                <a:ea typeface="微軟正黑體" pitchFamily="34" charset="-120"/>
+              </a:rPr>
+              <a:t>動</a:t>
+            </a:r>
+            <a:r>
+              <a:rPr lang="zh-CN" altLang="en-US" sz="6400" b="1" dirty="0">
+                <a:solidFill>
+                  <a:srgbClr val="000066"/>
+                </a:solidFill>
+                <a:latin typeface="微軟正黑體" pitchFamily="34" charset="-120"/>
+                <a:ea typeface="微軟正黑體" pitchFamily="34" charset="-120"/>
+              </a:rPr>
+              <a:t>袮</a:t>
+            </a:r>
+            <a:r>
+              <a:rPr lang="zh-TW" altLang="en-US" sz="6400" b="1" dirty="0">
+                <a:solidFill>
+                  <a:srgbClr val="000066"/>
+                </a:solidFill>
+                <a:latin typeface="微軟正黑體" pitchFamily="34" charset="-120"/>
+                <a:ea typeface="微軟正黑體" pitchFamily="34" charset="-120"/>
+              </a:rPr>
+              <a:t>的</a:t>
+            </a:r>
+            <a:r>
+              <a:rPr lang="zh-TW" altLang="en-US" sz="6400" b="1" dirty="0">
+                <a:solidFill>
+                  <a:srgbClr val="000066"/>
+                </a:solidFill>
+                <a:latin typeface="微軟正黑體" pitchFamily="34" charset="-120"/>
+                <a:ea typeface="微軟正黑體" pitchFamily="34" charset="-120"/>
+              </a:rPr>
+              <a:t>手</a:t>
+            </a:r>
+            <a:endParaRPr lang="en-US" altLang="zh-TW" sz="6400" b="1" dirty="0">
+              <a:solidFill>
+                <a:srgbClr val="000066"/>
+              </a:solidFill>
+              <a:latin typeface="微軟正黑體" pitchFamily="34" charset="-120"/>
+              <a:ea typeface="微軟正黑體" pitchFamily="34" charset="-120"/>
+            </a:endParaRPr>
+          </a:p>
+          <a:p>
+            <a:pPr algn="ctr">
+              <a:buNone/>
+            </a:pPr>
+            <a:r>
+              <a:rPr lang="zh-TW" altLang="en-US" sz="6400" b="1" dirty="0">
+                <a:solidFill>
+                  <a:srgbClr val="000066"/>
+                </a:solidFill>
+                <a:latin typeface="微軟正黑體" pitchFamily="34" charset="-120"/>
+                <a:ea typeface="微軟正黑體" pitchFamily="34" charset="-120"/>
+              </a:rPr>
+              <a:t>禱告做的事我的手不能做</a:t>
+            </a:r>
+          </a:p>
+        </p:txBody>
+      </p:sp>
+      <p:sp>
+        <p:nvSpPr>
+          <p:cNvPr id="3" name="TextBox 2"/>
+          <p:cNvSpPr txBox="1"/>
+          <p:nvPr/>
+        </p:nvSpPr>
+        <p:spPr>
+          <a:xfrm>
+            <a:off x="0" y="5157193"/>
+            <a:ext cx="12192000" cy="748988"/>
+          </a:xfrm>
+          <a:prstGeom prst="rect">
+            <a:avLst/>
+          </a:prstGeom>
+          <a:noFill/>
+        </p:spPr>
+        <p:txBody>
+          <a:bodyPr wrap="square" rtlCol="0">
+            <a:spAutoFit/>
+          </a:bodyPr>
+          <a:lstStyle/>
+          <a:p>
+            <a:pPr algn="ctr"/>
+            <a:r>
+              <a:rPr lang="en-US" sz="4267" b="1" dirty="0">
+                <a:solidFill>
+                  <a:srgbClr val="000066"/>
+                </a:solidFill>
+                <a:latin typeface="Microsoft JhengHei" panose="020B0604030504040204" pitchFamily="34" charset="-120"/>
+                <a:ea typeface="Microsoft JhengHei" panose="020B0604030504040204" pitchFamily="34" charset="-120"/>
+              </a:rPr>
+              <a:t>( </a:t>
+            </a:r>
+            <a:r>
+              <a:rPr lang="zh-CN" altLang="en-US" sz="4267" b="1" dirty="0">
+                <a:solidFill>
+                  <a:srgbClr val="000066"/>
+                </a:solidFill>
+                <a:latin typeface="Microsoft JhengHei" panose="020B0604030504040204" pitchFamily="34" charset="-120"/>
+                <a:ea typeface="Microsoft JhengHei" panose="020B0604030504040204" pitchFamily="34" charset="-120"/>
+              </a:rPr>
+              <a:t>副</a:t>
+            </a:r>
+            <a:r>
+              <a:rPr lang="en-US" sz="4267" b="1" dirty="0">
+                <a:solidFill>
+                  <a:srgbClr val="000066"/>
+                </a:solidFill>
+                <a:latin typeface="Microsoft JhengHei" panose="020B0604030504040204" pitchFamily="34" charset="-120"/>
+                <a:ea typeface="Microsoft JhengHei" panose="020B0604030504040204" pitchFamily="34" charset="-120"/>
+              </a:rPr>
+              <a:t> )</a:t>
+            </a:r>
+            <a:endParaRPr lang="vi-VN" sz="4267" b="1" dirty="0">
+              <a:solidFill>
+                <a:srgbClr val="000066"/>
+              </a:solidFill>
+              <a:ea typeface="Microsoft JhengHei" panose="020B0604030504040204" pitchFamily="34" charset="-120"/>
+            </a:endParaRPr>
+          </a:p>
+        </p:txBody>
+      </p:sp>
+    </p:spTree>
+    <p:extLst>
+      <p:ext uri="{BB962C8B-B14F-4D97-AF65-F5344CB8AC3E}">
+        <p14:creationId xmlns:p14="http://schemas.microsoft.com/office/powerpoint/2010/main" val="3680719708"/>
+      </p:ext>
+    </p:extLst>
+  </p:cSld>
+  <p:clrMapOvr>
+    <a:masterClrMapping/>
+  </p:clrMapOvr>
+</p:sld>
+</file>
+
+<file path=ppt/slides/slide27.xml><?xml version="1.0" encoding="utf-8"?>
+<p:sld xmlns:a="http://schemas.openxmlformats.org/drawingml/2006/main" xmlns:r="http://schemas.openxmlformats.org/officeDocument/2006/relationships" xmlns:p="http://schemas.openxmlformats.org/presentationml/2006/main">
+  <p:cSld>
+    <p:spTree>
+      <p:nvGrpSpPr>
+        <p:cNvPr id="1" name=""/>
+        <p:cNvGrpSpPr/>
+        <p:nvPr/>
+      </p:nvGrpSpPr>
+      <p:grpSpPr>
+        <a:xfrm>
+          <a:off x="0" y="0"/>
+          <a:ext cx="0" cy="0"/>
+          <a:chOff x="0" y="0"/>
+          <a:chExt cx="0" cy="0"/>
+        </a:xfrm>
+      </p:grpSpPr>
+      <p:sp>
+        <p:nvSpPr>
+          <p:cNvPr id="5" name="內容版面配置區 4"/>
+          <p:cNvSpPr>
+            <a:spLocks noGrp="1"/>
+          </p:cNvSpPr>
+          <p:nvPr>
+            <p:ph idx="1"/>
+          </p:nvPr>
+        </p:nvSpPr>
+        <p:spPr>
+          <a:xfrm>
+            <a:off x="0" y="2084853"/>
+            <a:ext cx="12192000" cy="2404863"/>
+          </a:xfrm>
+        </p:spPr>
+        <p:txBody>
+          <a:bodyPr anchor="ctr">
+            <a:normAutofit/>
+          </a:bodyPr>
+          <a:lstStyle/>
+          <a:p>
+            <a:pPr algn="ctr">
+              <a:buNone/>
+            </a:pPr>
+            <a:r>
+              <a:rPr lang="zh-TW" altLang="en-US" sz="6400" b="1" dirty="0">
+                <a:solidFill>
+                  <a:srgbClr val="000066"/>
+                </a:solidFill>
+                <a:latin typeface="微軟正黑體" pitchFamily="34" charset="-120"/>
+                <a:ea typeface="微軟正黑體" pitchFamily="34" charset="-120"/>
+              </a:rPr>
+              <a:t>每一次我禱</a:t>
+            </a:r>
+            <a:r>
+              <a:rPr lang="zh-TW" altLang="en-US" sz="6400" b="1" dirty="0">
+                <a:solidFill>
+                  <a:srgbClr val="000066"/>
+                </a:solidFill>
+                <a:latin typeface="微軟正黑體" pitchFamily="34" charset="-120"/>
+                <a:ea typeface="微軟正黑體" pitchFamily="34" charset="-120"/>
+              </a:rPr>
+              <a:t>告</a:t>
+            </a:r>
+            <a:r>
+              <a:rPr lang="en-US" altLang="zh-TW" sz="6400" b="1" dirty="0">
+                <a:solidFill>
+                  <a:srgbClr val="000066"/>
+                </a:solidFill>
+                <a:latin typeface="微軟正黑體" pitchFamily="34" charset="-120"/>
+                <a:ea typeface="微軟正黑體" pitchFamily="34" charset="-120"/>
+              </a:rPr>
+              <a:t>  </a:t>
+            </a:r>
+            <a:r>
+              <a:rPr lang="zh-TW" altLang="en-US" sz="6400" b="1" dirty="0">
+                <a:solidFill>
+                  <a:srgbClr val="000066"/>
+                </a:solidFill>
+                <a:latin typeface="微軟正黑體" pitchFamily="34" charset="-120"/>
+                <a:ea typeface="微軟正黑體" pitchFamily="34" charset="-120"/>
+              </a:rPr>
+              <a:t>大</a:t>
+            </a:r>
+            <a:r>
+              <a:rPr lang="zh-TW" altLang="en-US" sz="6400" b="1" dirty="0">
+                <a:solidFill>
+                  <a:srgbClr val="000066"/>
+                </a:solidFill>
+                <a:latin typeface="微軟正黑體" pitchFamily="34" charset="-120"/>
+                <a:ea typeface="微軟正黑體" pitchFamily="34" charset="-120"/>
+              </a:rPr>
+              <a:t>山被挪移</a:t>
+            </a:r>
+            <a:endParaRPr lang="en-US" altLang="zh-TW" sz="6400" b="1" dirty="0">
+              <a:solidFill>
+                <a:srgbClr val="000066"/>
+              </a:solidFill>
+              <a:latin typeface="微軟正黑體" pitchFamily="34" charset="-120"/>
+              <a:ea typeface="微軟正黑體" pitchFamily="34" charset="-120"/>
+            </a:endParaRPr>
+          </a:p>
+          <a:p>
+            <a:pPr algn="ctr">
+              <a:buNone/>
+            </a:pPr>
+            <a:r>
+              <a:rPr lang="zh-TW" altLang="en-US" sz="6400" b="1" dirty="0">
+                <a:solidFill>
+                  <a:srgbClr val="000066"/>
+                </a:solidFill>
+                <a:latin typeface="微軟正黑體" pitchFamily="34" charset="-120"/>
+                <a:ea typeface="微軟正黑體" pitchFamily="34" charset="-120"/>
+              </a:rPr>
+              <a:t>道路被鋪</a:t>
+            </a:r>
+            <a:r>
+              <a:rPr lang="zh-TW" altLang="en-US" sz="6400" b="1" dirty="0">
+                <a:solidFill>
+                  <a:srgbClr val="000066"/>
+                </a:solidFill>
+                <a:latin typeface="微軟正黑體" pitchFamily="34" charset="-120"/>
+                <a:ea typeface="微軟正黑體" pitchFamily="34" charset="-120"/>
+              </a:rPr>
+              <a:t>平</a:t>
+            </a:r>
+            <a:r>
+              <a:rPr lang="en-US" altLang="zh-TW" sz="6400" b="1" dirty="0">
+                <a:solidFill>
+                  <a:srgbClr val="000066"/>
+                </a:solidFill>
+                <a:latin typeface="微軟正黑體" pitchFamily="34" charset="-120"/>
+                <a:ea typeface="微軟正黑體" pitchFamily="34" charset="-120"/>
+              </a:rPr>
+              <a:t>  </a:t>
+            </a:r>
+            <a:r>
+              <a:rPr lang="zh-TW" altLang="en-US" sz="6400" b="1" dirty="0">
+                <a:solidFill>
+                  <a:srgbClr val="000066"/>
+                </a:solidFill>
+                <a:latin typeface="微軟正黑體" pitchFamily="34" charset="-120"/>
+                <a:ea typeface="微軟正黑體" pitchFamily="34" charset="-120"/>
+              </a:rPr>
+              <a:t>使</a:t>
+            </a:r>
+            <a:r>
+              <a:rPr lang="zh-TW" altLang="en-US" sz="6400" b="1" dirty="0">
+                <a:solidFill>
+                  <a:srgbClr val="000066"/>
+                </a:solidFill>
+                <a:latin typeface="微軟正黑體" pitchFamily="34" charset="-120"/>
+                <a:ea typeface="微軟正黑體" pitchFamily="34" charset="-120"/>
+              </a:rPr>
+              <a:t>列國歸</a:t>
+            </a:r>
+            <a:r>
+              <a:rPr lang="zh-TW" altLang="en-US" sz="6400" b="1" dirty="0">
+                <a:solidFill>
+                  <a:srgbClr val="000066"/>
+                </a:solidFill>
+                <a:latin typeface="微軟正黑體" pitchFamily="34" charset="-120"/>
+                <a:ea typeface="微軟正黑體" pitchFamily="34" charset="-120"/>
+              </a:rPr>
+              <a:t>向</a:t>
+            </a:r>
+            <a:r>
+              <a:rPr lang="zh-CN" altLang="en-US" sz="6400" b="1" dirty="0">
+                <a:solidFill>
+                  <a:srgbClr val="000066"/>
+                </a:solidFill>
+                <a:latin typeface="微軟正黑體" pitchFamily="34" charset="-120"/>
+                <a:ea typeface="微軟正黑體" pitchFamily="34" charset="-120"/>
+              </a:rPr>
+              <a:t>袮</a:t>
+            </a:r>
+            <a:endParaRPr lang="zh-TW" altLang="en-US" sz="6400" b="1" dirty="0">
+              <a:solidFill>
+                <a:srgbClr val="000066"/>
+              </a:solidFill>
+              <a:latin typeface="微軟正黑體" pitchFamily="34" charset="-120"/>
+              <a:ea typeface="微軟正黑體" pitchFamily="34" charset="-120"/>
+            </a:endParaRPr>
+          </a:p>
+        </p:txBody>
+      </p:sp>
+      <p:sp>
+        <p:nvSpPr>
+          <p:cNvPr id="3" name="TextBox 2"/>
+          <p:cNvSpPr txBox="1"/>
+          <p:nvPr/>
+        </p:nvSpPr>
+        <p:spPr>
+          <a:xfrm>
+            <a:off x="0" y="5157193"/>
+            <a:ext cx="12192000" cy="748988"/>
+          </a:xfrm>
+          <a:prstGeom prst="rect">
+            <a:avLst/>
+          </a:prstGeom>
+          <a:noFill/>
+        </p:spPr>
+        <p:txBody>
+          <a:bodyPr wrap="square" rtlCol="0">
+            <a:spAutoFit/>
+          </a:bodyPr>
+          <a:lstStyle/>
+          <a:p>
+            <a:pPr algn="ctr"/>
+            <a:r>
+              <a:rPr lang="en-US" sz="4267" b="1" dirty="0">
+                <a:solidFill>
+                  <a:srgbClr val="000066"/>
+                </a:solidFill>
+                <a:latin typeface="Microsoft JhengHei" panose="020B0604030504040204" pitchFamily="34" charset="-120"/>
+                <a:ea typeface="Microsoft JhengHei" panose="020B0604030504040204" pitchFamily="34" charset="-120"/>
+              </a:rPr>
+              <a:t>( </a:t>
+            </a:r>
+            <a:r>
+              <a:rPr lang="zh-CN" altLang="en-US" sz="4267" b="1" dirty="0">
+                <a:solidFill>
+                  <a:srgbClr val="000066"/>
+                </a:solidFill>
+                <a:latin typeface="Microsoft JhengHei" panose="020B0604030504040204" pitchFamily="34" charset="-120"/>
+                <a:ea typeface="Microsoft JhengHei" panose="020B0604030504040204" pitchFamily="34" charset="-120"/>
+              </a:rPr>
+              <a:t>副</a:t>
+            </a:r>
+            <a:r>
+              <a:rPr lang="en-US" sz="4267" b="1" dirty="0">
+                <a:solidFill>
+                  <a:srgbClr val="000066"/>
+                </a:solidFill>
+                <a:latin typeface="Microsoft JhengHei" panose="020B0604030504040204" pitchFamily="34" charset="-120"/>
+                <a:ea typeface="Microsoft JhengHei" panose="020B0604030504040204" pitchFamily="34" charset="-120"/>
+              </a:rPr>
+              <a:t> )</a:t>
+            </a:r>
+            <a:endParaRPr lang="vi-VN" sz="4267" b="1" dirty="0">
+              <a:solidFill>
+                <a:srgbClr val="000066"/>
+              </a:solidFill>
+              <a:ea typeface="Microsoft JhengHei" panose="020B0604030504040204" pitchFamily="34" charset="-120"/>
+            </a:endParaRPr>
+          </a:p>
+        </p:txBody>
+      </p:sp>
+    </p:spTree>
+    <p:extLst>
+      <p:ext uri="{BB962C8B-B14F-4D97-AF65-F5344CB8AC3E}">
+        <p14:creationId xmlns:p14="http://schemas.microsoft.com/office/powerpoint/2010/main" val="774134565"/>
+      </p:ext>
+    </p:extLst>
+  </p:cSld>
+  <p:clrMapOvr>
+    <a:masterClrMapping/>
+  </p:clrMapOvr>
+</p:sld>
+</file>
+
+<file path=ppt/slides/slide28.xml><?xml version="1.0" encoding="utf-8"?>
+<p:sld xmlns:a="http://schemas.openxmlformats.org/drawingml/2006/main" xmlns:r="http://schemas.openxmlformats.org/officeDocument/2006/relationships" xmlns:p="http://schemas.openxmlformats.org/presentationml/2006/main">
+  <p:cSld>
+    <p:spTree>
+      <p:nvGrpSpPr>
+        <p:cNvPr id="1" name=""/>
+        <p:cNvGrpSpPr/>
+        <p:nvPr/>
+      </p:nvGrpSpPr>
+      <p:grpSpPr>
+        <a:xfrm>
+          <a:off x="0" y="0"/>
+          <a:ext cx="0" cy="0"/>
+          <a:chOff x="0" y="0"/>
+          <a:chExt cx="0" cy="0"/>
+        </a:xfrm>
+      </p:grpSpPr>
+      <p:sp>
+        <p:nvSpPr>
+          <p:cNvPr id="5" name="內容版面配置區 4"/>
+          <p:cNvSpPr>
+            <a:spLocks noGrp="1"/>
+          </p:cNvSpPr>
+          <p:nvPr>
+            <p:ph idx="1"/>
+          </p:nvPr>
+        </p:nvSpPr>
+        <p:spPr>
+          <a:xfrm>
+            <a:off x="0" y="2084853"/>
+            <a:ext cx="12192000" cy="2404863"/>
+          </a:xfrm>
+        </p:spPr>
+        <p:txBody>
+          <a:bodyPr anchor="ctr">
+            <a:normAutofit/>
+          </a:bodyPr>
+          <a:lstStyle/>
+          <a:p>
+            <a:pPr algn="ctr">
+              <a:buNone/>
+            </a:pPr>
+            <a:r>
+              <a:rPr lang="zh-TW" altLang="en-US" sz="6400" b="1" dirty="0">
+                <a:solidFill>
+                  <a:srgbClr val="000066"/>
+                </a:solidFill>
+                <a:latin typeface="微軟正黑體" pitchFamily="34" charset="-120"/>
+                <a:ea typeface="微軟正黑體" pitchFamily="34" charset="-120"/>
+              </a:rPr>
+              <a:t>每一次我禱</a:t>
+            </a:r>
+            <a:r>
+              <a:rPr lang="zh-TW" altLang="en-US" sz="6400" b="1" dirty="0">
+                <a:solidFill>
+                  <a:srgbClr val="000066"/>
+                </a:solidFill>
+                <a:latin typeface="微軟正黑體" pitchFamily="34" charset="-120"/>
+                <a:ea typeface="微軟正黑體" pitchFamily="34" charset="-120"/>
+              </a:rPr>
+              <a:t>告</a:t>
+            </a:r>
+            <a:r>
+              <a:rPr lang="en-US" altLang="zh-TW" sz="6400" b="1" dirty="0">
+                <a:solidFill>
+                  <a:srgbClr val="000066"/>
+                </a:solidFill>
+                <a:latin typeface="微軟正黑體" pitchFamily="34" charset="-120"/>
+                <a:ea typeface="微軟正黑體" pitchFamily="34" charset="-120"/>
+              </a:rPr>
+              <a:t>  </a:t>
+            </a:r>
+            <a:r>
+              <a:rPr lang="zh-TW" altLang="en-US" sz="6400" b="1" dirty="0">
+                <a:solidFill>
+                  <a:srgbClr val="000066"/>
+                </a:solidFill>
+                <a:latin typeface="微軟正黑體" pitchFamily="34" charset="-120"/>
+                <a:ea typeface="微軟正黑體" pitchFamily="34" charset="-120"/>
+              </a:rPr>
+              <a:t>大</a:t>
+            </a:r>
+            <a:r>
+              <a:rPr lang="zh-TW" altLang="en-US" sz="6400" b="1" dirty="0">
+                <a:solidFill>
+                  <a:srgbClr val="000066"/>
+                </a:solidFill>
+                <a:latin typeface="微軟正黑體" pitchFamily="34" charset="-120"/>
+                <a:ea typeface="微軟正黑體" pitchFamily="34" charset="-120"/>
+              </a:rPr>
+              <a:t>山被挪移</a:t>
+            </a:r>
+            <a:endParaRPr lang="en-US" altLang="zh-TW" sz="6400" b="1" dirty="0">
+              <a:solidFill>
+                <a:srgbClr val="000066"/>
+              </a:solidFill>
+              <a:latin typeface="微軟正黑體" pitchFamily="34" charset="-120"/>
+              <a:ea typeface="微軟正黑體" pitchFamily="34" charset="-120"/>
+            </a:endParaRPr>
+          </a:p>
+          <a:p>
+            <a:pPr algn="ctr">
+              <a:buNone/>
+            </a:pPr>
+            <a:r>
+              <a:rPr lang="zh-TW" altLang="en-US" sz="6400" b="1" dirty="0">
+                <a:solidFill>
+                  <a:srgbClr val="000066"/>
+                </a:solidFill>
+                <a:latin typeface="微軟正黑體" pitchFamily="34" charset="-120"/>
+                <a:ea typeface="微軟正黑體" pitchFamily="34" charset="-120"/>
+              </a:rPr>
+              <a:t>道路被鋪</a:t>
+            </a:r>
+            <a:r>
+              <a:rPr lang="zh-TW" altLang="en-US" sz="6400" b="1" dirty="0">
+                <a:solidFill>
+                  <a:srgbClr val="000066"/>
+                </a:solidFill>
+                <a:latin typeface="微軟正黑體" pitchFamily="34" charset="-120"/>
+                <a:ea typeface="微軟正黑體" pitchFamily="34" charset="-120"/>
+              </a:rPr>
+              <a:t>平</a:t>
+            </a:r>
+            <a:r>
+              <a:rPr lang="en-US" altLang="zh-TW" sz="6400" b="1" dirty="0">
+                <a:solidFill>
+                  <a:srgbClr val="000066"/>
+                </a:solidFill>
+                <a:latin typeface="微軟正黑體" pitchFamily="34" charset="-120"/>
+                <a:ea typeface="微軟正黑體" pitchFamily="34" charset="-120"/>
+              </a:rPr>
+              <a:t>  </a:t>
+            </a:r>
+            <a:r>
+              <a:rPr lang="zh-TW" altLang="en-US" sz="6400" b="1" dirty="0">
+                <a:solidFill>
+                  <a:srgbClr val="000066"/>
+                </a:solidFill>
+                <a:latin typeface="微軟正黑體" pitchFamily="34" charset="-120"/>
+                <a:ea typeface="微軟正黑體" pitchFamily="34" charset="-120"/>
+              </a:rPr>
+              <a:t>使</a:t>
+            </a:r>
+            <a:r>
+              <a:rPr lang="zh-TW" altLang="en-US" sz="6400" b="1" dirty="0">
+                <a:solidFill>
+                  <a:srgbClr val="000066"/>
+                </a:solidFill>
+                <a:latin typeface="微軟正黑體" pitchFamily="34" charset="-120"/>
+                <a:ea typeface="微軟正黑體" pitchFamily="34" charset="-120"/>
+              </a:rPr>
+              <a:t>列國歸</a:t>
+            </a:r>
+            <a:r>
+              <a:rPr lang="zh-TW" altLang="en-US" sz="6400" b="1" dirty="0">
+                <a:solidFill>
+                  <a:srgbClr val="000066"/>
+                </a:solidFill>
+                <a:latin typeface="微軟正黑體" pitchFamily="34" charset="-120"/>
+                <a:ea typeface="微軟正黑體" pitchFamily="34" charset="-120"/>
+              </a:rPr>
+              <a:t>向</a:t>
+            </a:r>
+            <a:r>
+              <a:rPr lang="zh-CN" altLang="en-US" sz="6400" b="1" dirty="0">
+                <a:solidFill>
+                  <a:srgbClr val="000066"/>
+                </a:solidFill>
+                <a:latin typeface="微軟正黑體" pitchFamily="34" charset="-120"/>
+                <a:ea typeface="微軟正黑體" pitchFamily="34" charset="-120"/>
+              </a:rPr>
+              <a:t>袮</a:t>
+            </a:r>
+            <a:endParaRPr lang="zh-TW" altLang="en-US" sz="6400" b="1" dirty="0">
+              <a:solidFill>
+                <a:srgbClr val="000066"/>
+              </a:solidFill>
+              <a:latin typeface="微軟正黑體" pitchFamily="34" charset="-120"/>
+              <a:ea typeface="微軟正黑體" pitchFamily="34" charset="-120"/>
+            </a:endParaRPr>
+          </a:p>
+        </p:txBody>
+      </p:sp>
+      <p:sp>
+        <p:nvSpPr>
+          <p:cNvPr id="3" name="TextBox 2"/>
+          <p:cNvSpPr txBox="1"/>
+          <p:nvPr/>
+        </p:nvSpPr>
+        <p:spPr>
+          <a:xfrm>
+            <a:off x="0" y="5157193"/>
+            <a:ext cx="12192000" cy="748988"/>
+          </a:xfrm>
+          <a:prstGeom prst="rect">
+            <a:avLst/>
+          </a:prstGeom>
+          <a:noFill/>
+        </p:spPr>
+        <p:txBody>
+          <a:bodyPr wrap="square" rtlCol="0">
+            <a:spAutoFit/>
+          </a:bodyPr>
+          <a:lstStyle/>
+          <a:p>
+            <a:pPr algn="ctr"/>
+            <a:r>
+              <a:rPr lang="en-US" sz="4267" b="1" dirty="0">
+                <a:solidFill>
+                  <a:srgbClr val="000066"/>
+                </a:solidFill>
+                <a:latin typeface="Microsoft JhengHei" panose="020B0604030504040204" pitchFamily="34" charset="-120"/>
+                <a:ea typeface="Microsoft JhengHei" panose="020B0604030504040204" pitchFamily="34" charset="-120"/>
+              </a:rPr>
+              <a:t>( </a:t>
+            </a:r>
+            <a:r>
+              <a:rPr lang="zh-CN" altLang="en-US" sz="4267" b="1" dirty="0" smtClean="0">
+                <a:solidFill>
+                  <a:srgbClr val="000066"/>
+                </a:solidFill>
+                <a:latin typeface="Microsoft JhengHei" panose="020B0604030504040204" pitchFamily="34" charset="-120"/>
+                <a:ea typeface="Microsoft JhengHei" panose="020B0604030504040204" pitchFamily="34" charset="-120"/>
+              </a:rPr>
+              <a:t>尾</a:t>
+            </a:r>
+            <a:r>
+              <a:rPr lang="en-US" sz="4267" b="1" dirty="0" smtClean="0">
+                <a:solidFill>
+                  <a:srgbClr val="000066"/>
+                </a:solidFill>
+                <a:latin typeface="Microsoft JhengHei" panose="020B0604030504040204" pitchFamily="34" charset="-120"/>
+                <a:ea typeface="Microsoft JhengHei" panose="020B0604030504040204" pitchFamily="34" charset="-120"/>
+              </a:rPr>
+              <a:t> </a:t>
+            </a:r>
+            <a:r>
+              <a:rPr lang="en-US" sz="4267" b="1" dirty="0">
+                <a:solidFill>
+                  <a:srgbClr val="000066"/>
+                </a:solidFill>
+                <a:latin typeface="Microsoft JhengHei" panose="020B0604030504040204" pitchFamily="34" charset="-120"/>
+                <a:ea typeface="Microsoft JhengHei" panose="020B0604030504040204" pitchFamily="34" charset="-120"/>
+              </a:rPr>
+              <a:t>)</a:t>
+            </a:r>
+            <a:endParaRPr lang="vi-VN" sz="4267" b="1" dirty="0">
+              <a:solidFill>
+                <a:srgbClr val="000066"/>
+              </a:solidFill>
+              <a:ea typeface="Microsoft JhengHei" panose="020B0604030504040204" pitchFamily="34" charset="-120"/>
+            </a:endParaRPr>
+          </a:p>
+        </p:txBody>
+      </p:sp>
+    </p:spTree>
+    <p:extLst>
+      <p:ext uri="{BB962C8B-B14F-4D97-AF65-F5344CB8AC3E}">
+        <p14:creationId xmlns:p14="http://schemas.microsoft.com/office/powerpoint/2010/main" val="135816999"/>
+      </p:ext>
+    </p:extLst>
+  </p:cSld>
+  <p:clrMapOvr>
+    <a:masterClrMapping/>
+  </p:clrMapOvr>
 </p:sld>
 </file>
 
@@ -4632,47 +7242,50 @@
       </p:grpSpPr>
       <p:sp>
         <p:nvSpPr>
-          <p:cNvPr id="4" name="Title 3"/>
-          <p:cNvSpPr>
-            <a:spLocks noGrp="1"/>
-          </p:cNvSpPr>
-          <p:nvPr>
-            <p:ph type="title"/>
+          <p:cNvPr id="5" name="內容版面配置區 4"/>
+          <p:cNvSpPr>
+            <a:spLocks noGrp="1"/>
+          </p:cNvSpPr>
+          <p:nvPr>
+            <p:ph idx="1"/>
           </p:nvPr>
         </p:nvSpPr>
         <p:spPr>
           <a:xfrm>
-            <a:off x="457200" y="0"/>
-            <a:ext cx="8229600" cy="1143000"/>
+            <a:off x="0" y="2084853"/>
+            <a:ext cx="12192000" cy="2404863"/>
           </a:xfrm>
         </p:spPr>
         <p:txBody>
-          <a:bodyPr>
+          <a:bodyPr anchor="ctr">
             <a:normAutofit/>
           </a:bodyPr>
           <a:lstStyle/>
           <a:p>
-            <a:r>
-              <a:rPr lang="zh-CN" altLang="en-US" sz="4000" b="1" dirty="0">
-                <a:solidFill>
-                  <a:srgbClr val="660033"/>
-                </a:solidFill>
-                <a:latin typeface="微軟正黑體" pitchFamily="34" charset="-120"/>
-                <a:ea typeface="微軟正黑體" pitchFamily="34" charset="-120"/>
-              </a:rPr>
-              <a:t>願袮崇</a:t>
-            </a:r>
-            <a:r>
-              <a:rPr lang="zh-CN" altLang="en-US" sz="4000" b="1" dirty="0" smtClean="0">
-                <a:solidFill>
-                  <a:srgbClr val="660033"/>
-                </a:solidFill>
-                <a:latin typeface="微軟正黑體" pitchFamily="34" charset="-120"/>
-                <a:ea typeface="微軟正黑體" pitchFamily="34" charset="-120"/>
-              </a:rPr>
-              <a:t>高</a:t>
-            </a:r>
-            <a:endParaRPr lang="en-US" sz="4000" b="1" dirty="0">
+            <a:pPr algn="ctr">
+              <a:buNone/>
+            </a:pPr>
+            <a:r>
+              <a:rPr lang="zh-CN" altLang="en-US" sz="6400" b="1" dirty="0">
+                <a:solidFill>
+                  <a:srgbClr val="660033"/>
+                </a:solidFill>
+                <a:latin typeface="微軟正黑體" pitchFamily="34" charset="-120"/>
+                <a:ea typeface="微軟正黑體" pitchFamily="34" charset="-120"/>
+              </a:rPr>
+              <a:t>袮</a:t>
+            </a:r>
+            <a:r>
+              <a:rPr lang="zh-TW" altLang="en-US" sz="6400" b="1" dirty="0">
+                <a:solidFill>
+                  <a:srgbClr val="660033"/>
+                </a:solidFill>
+                <a:latin typeface="微軟正黑體" pitchFamily="34" charset="-120"/>
+                <a:ea typeface="微軟正黑體" pitchFamily="34" charset="-120"/>
+              </a:rPr>
+              <a:t>的慈愛高及諸天</a:t>
+            </a:r>
+            <a:endParaRPr lang="en-US" altLang="zh-TW" sz="6400" b="1" dirty="0">
               <a:solidFill>
                 <a:srgbClr val="660033"/>
               </a:solidFill>
@@ -4680,44 +7293,31 @@
               <a:ea typeface="微軟正黑體" pitchFamily="34" charset="-120"/>
             </a:endParaRPr>
           </a:p>
-        </p:txBody>
-      </p:sp>
-      <p:sp>
-        <p:nvSpPr>
-          <p:cNvPr id="5" name="Content Placeholder 4"/>
-          <p:cNvSpPr>
-            <a:spLocks noGrp="1"/>
-          </p:cNvSpPr>
-          <p:nvPr>
-            <p:ph idx="1"/>
-          </p:nvPr>
-        </p:nvSpPr>
-        <p:spPr>
-          <a:xfrm>
-            <a:off x="457200" y="1397000"/>
-            <a:ext cx="8229600" cy="5029200"/>
-          </a:xfrm>
-        </p:spPr>
-        <p:txBody>
-          <a:bodyPr>
-            <a:noAutofit/>
-          </a:bodyPr>
-          <a:lstStyle/>
           <a:p>
             <a:pPr algn="ctr">
               <a:buNone/>
             </a:pPr>
             <a:r>
-              <a:rPr lang="zh-TW" altLang="en-US" sz="4800" b="1" dirty="0" smtClean="0">
-                <a:solidFill>
-                  <a:srgbClr val="660033"/>
-                </a:solidFill>
-                <a:latin typeface="微軟正黑體" pitchFamily="34" charset="-120"/>
-                <a:ea typeface="微軟正黑體" pitchFamily="34" charset="-120"/>
-              </a:rPr>
-              <a:t>哈利路亞  哈利路亞</a:t>
-            </a:r>
-            <a:endParaRPr lang="en-US" altLang="zh-TW" sz="4800" b="1" dirty="0" smtClean="0">
+              <a:rPr lang="zh-CN" altLang="en-US" sz="6400" b="1" dirty="0">
+                <a:solidFill>
+                  <a:srgbClr val="660033"/>
+                </a:solidFill>
+                <a:latin typeface="微軟正黑體" pitchFamily="34" charset="-120"/>
+                <a:ea typeface="微軟正黑體" pitchFamily="34" charset="-120"/>
+              </a:rPr>
+              <a:t>袮</a:t>
+            </a:r>
+            <a:r>
+              <a:rPr lang="zh-TW" altLang="en-US" sz="6400" b="1" dirty="0">
+                <a:solidFill>
+                  <a:srgbClr val="660033"/>
+                </a:solidFill>
+                <a:latin typeface="微軟正黑體" pitchFamily="34" charset="-120"/>
+                <a:ea typeface="微軟正黑體" pitchFamily="34" charset="-120"/>
+              </a:rPr>
+              <a:t>的誠實上達穹蒼</a:t>
+            </a:r>
+            <a:endParaRPr lang="en-US" altLang="zh-TW" sz="6400" b="1" dirty="0">
               <a:solidFill>
                 <a:srgbClr val="660033"/>
               </a:solidFill>
@@ -4725,116 +7325,80 @@
               <a:ea typeface="微軟正黑體" pitchFamily="34" charset="-120"/>
             </a:endParaRPr>
           </a:p>
-          <a:p>
-            <a:pPr algn="ctr">
-              <a:buNone/>
-            </a:pPr>
-            <a:r>
-              <a:rPr lang="zh-CN" altLang="en-US" sz="4800" b="1" dirty="0">
-                <a:solidFill>
-                  <a:srgbClr val="660033"/>
-                </a:solidFill>
-                <a:latin typeface="微軟正黑體" pitchFamily="34" charset="-120"/>
-                <a:ea typeface="微軟正黑體" pitchFamily="34" charset="-120"/>
-              </a:rPr>
-              <a:t>袮</a:t>
-            </a:r>
-            <a:r>
-              <a:rPr lang="zh-TW" altLang="en-US" sz="4800" b="1" dirty="0" smtClean="0">
-                <a:solidFill>
-                  <a:srgbClr val="660033"/>
-                </a:solidFill>
-                <a:latin typeface="微軟正黑體" pitchFamily="34" charset="-120"/>
-                <a:ea typeface="微軟正黑體" pitchFamily="34" charset="-120"/>
-              </a:rPr>
-              <a:t>的慈愛高及諸天</a:t>
-            </a:r>
-            <a:endParaRPr lang="en-US" altLang="zh-TW" sz="4800" b="1" dirty="0" smtClean="0">
+        </p:txBody>
+      </p:sp>
+      <p:sp>
+        <p:nvSpPr>
+          <p:cNvPr id="3" name="TextBox 2"/>
+          <p:cNvSpPr txBox="1"/>
+          <p:nvPr/>
+        </p:nvSpPr>
+        <p:spPr>
+          <a:xfrm>
+            <a:off x="0" y="5157193"/>
+            <a:ext cx="12192000" cy="748988"/>
+          </a:xfrm>
+          <a:prstGeom prst="rect">
+            <a:avLst/>
+          </a:prstGeom>
+          <a:noFill/>
+        </p:spPr>
+        <p:txBody>
+          <a:bodyPr wrap="square" rtlCol="0">
+            <a:spAutoFit/>
+          </a:bodyPr>
+          <a:lstStyle/>
+          <a:p>
+            <a:pPr algn="ctr"/>
+            <a:r>
+              <a:rPr lang="en-US" sz="4267" b="1" dirty="0">
+                <a:solidFill>
+                  <a:srgbClr val="660033"/>
+                </a:solidFill>
+                <a:latin typeface="Microsoft JhengHei" panose="020B0604030504040204" pitchFamily="34" charset="-120"/>
+                <a:ea typeface="Microsoft JhengHei" panose="020B0604030504040204" pitchFamily="34" charset="-120"/>
+              </a:rPr>
+              <a:t>( </a:t>
+            </a:r>
+            <a:r>
+              <a:rPr lang="zh-CN" altLang="en-US" sz="4267" b="1" dirty="0">
+                <a:solidFill>
+                  <a:srgbClr val="660033"/>
+                </a:solidFill>
+                <a:latin typeface="Microsoft JhengHei" panose="020B0604030504040204" pitchFamily="34" charset="-120"/>
+                <a:ea typeface="Microsoft JhengHei" panose="020B0604030504040204" pitchFamily="34" charset="-120"/>
+              </a:rPr>
+              <a:t>正</a:t>
+            </a:r>
+            <a:r>
+              <a:rPr lang="en-US" sz="4267" b="1" dirty="0">
+                <a:solidFill>
+                  <a:srgbClr val="660033"/>
+                </a:solidFill>
+                <a:latin typeface="Microsoft JhengHei" panose="020B0604030504040204" pitchFamily="34" charset="-120"/>
+                <a:ea typeface="Microsoft JhengHei" panose="020B0604030504040204" pitchFamily="34" charset="-120"/>
+              </a:rPr>
+              <a:t> )( x2 )</a:t>
+            </a:r>
+            <a:endParaRPr lang="vi-VN" sz="4267" b="1" dirty="0">
               <a:solidFill>
                 <a:srgbClr val="660033"/>
               </a:solidFill>
-              <a:latin typeface="微軟正黑體" pitchFamily="34" charset="-120"/>
-              <a:ea typeface="微軟正黑體" pitchFamily="34" charset="-120"/>
+              <a:ea typeface="Microsoft JhengHei" panose="020B0604030504040204" pitchFamily="34" charset="-120"/>
             </a:endParaRPr>
           </a:p>
-          <a:p>
-            <a:pPr algn="ctr">
-              <a:buNone/>
-            </a:pPr>
-            <a:r>
-              <a:rPr lang="zh-TW" altLang="en-US" sz="4800" b="1" dirty="0" smtClean="0">
-                <a:solidFill>
-                  <a:srgbClr val="660033"/>
-                </a:solidFill>
-                <a:latin typeface="微軟正黑體" pitchFamily="34" charset="-120"/>
-                <a:ea typeface="微軟正黑體" pitchFamily="34" charset="-120"/>
-              </a:rPr>
-              <a:t>哈利路亞  哈利路亞</a:t>
-            </a:r>
-            <a:endParaRPr lang="en-US" altLang="zh-TW" sz="4800" b="1" dirty="0" smtClean="0">
-              <a:solidFill>
-                <a:srgbClr val="660033"/>
-              </a:solidFill>
-              <a:latin typeface="微軟正黑體" pitchFamily="34" charset="-120"/>
-              <a:ea typeface="微軟正黑體" pitchFamily="34" charset="-120"/>
-            </a:endParaRPr>
-          </a:p>
-          <a:p>
-            <a:pPr algn="ctr">
-              <a:buNone/>
-            </a:pPr>
-            <a:r>
-              <a:rPr lang="zh-CN" altLang="en-US" sz="4800" b="1" dirty="0">
-                <a:solidFill>
-                  <a:srgbClr val="660033"/>
-                </a:solidFill>
-                <a:latin typeface="微軟正黑體" pitchFamily="34" charset="-120"/>
-                <a:ea typeface="微軟正黑體" pitchFamily="34" charset="-120"/>
-              </a:rPr>
-              <a:t>袮</a:t>
-            </a:r>
-            <a:r>
-              <a:rPr lang="zh-TW" altLang="en-US" sz="4800" b="1" smtClean="0">
-                <a:solidFill>
-                  <a:srgbClr val="660033"/>
-                </a:solidFill>
-                <a:latin typeface="微軟正黑體" pitchFamily="34" charset="-120"/>
-                <a:ea typeface="微軟正黑體" pitchFamily="34" charset="-120"/>
-              </a:rPr>
-              <a:t>的</a:t>
-            </a:r>
-            <a:r>
-              <a:rPr lang="zh-TW" altLang="en-US" sz="4800" b="1" dirty="0" smtClean="0">
-                <a:solidFill>
-                  <a:srgbClr val="660033"/>
-                </a:solidFill>
-                <a:latin typeface="微軟正黑體" pitchFamily="34" charset="-120"/>
-                <a:ea typeface="微軟正黑體" pitchFamily="34" charset="-120"/>
-              </a:rPr>
-              <a:t>誠實上達到穹蒼</a:t>
-            </a:r>
-            <a:endParaRPr lang="en-US" sz="4800" b="1" dirty="0">
-              <a:solidFill>
-                <a:srgbClr val="660033"/>
-              </a:solidFill>
-              <a:latin typeface="微軟正黑體" pitchFamily="34" charset="-120"/>
-              <a:ea typeface="微軟正黑體" pitchFamily="34" charset="-120"/>
-            </a:endParaRPr>
-          </a:p>
         </p:txBody>
       </p:sp>
     </p:spTree>
+    <p:extLst>
+      <p:ext uri="{BB962C8B-B14F-4D97-AF65-F5344CB8AC3E}">
+        <p14:creationId xmlns:p14="http://schemas.microsoft.com/office/powerpoint/2010/main" val="4283524932"/>
+      </p:ext>
+    </p:extLst>
   </p:cSld>
   <p:clrMapOvr>
     <a:masterClrMapping/>
   </p:clrMapOvr>
-  <p:timing>
-    <p:tnLst>
-      <p:par>
-        <p:cTn id="1" dur="indefinite" restart="never" nodeType="tmRoot"/>
-      </p:par>
-    </p:tnLst>
-  </p:timing>
 </p:sld>
 </file>
 
@@ -4857,7 +7421,7 @@
       </p:grpSpPr>
       <p:sp>
         <p:nvSpPr>
-          <p:cNvPr id="4" name="Title 3"/>
+          <p:cNvPr id="4" name="標題 3"/>
           <p:cNvSpPr>
             <a:spLocks noGrp="1"/>
           </p:cNvSpPr>
@@ -4867,30 +7431,61 @@
         </p:nvSpPr>
         <p:spPr>
           <a:xfrm>
-            <a:off x="457200" y="0"/>
-            <a:ext cx="8229600" cy="1143000"/>
+            <a:off x="0" y="2660915"/>
+            <a:ext cx="12192000" cy="1143000"/>
           </a:xfrm>
         </p:spPr>
         <p:txBody>
           <a:bodyPr>
-            <a:normAutofit/>
+            <a:noAutofit/>
           </a:bodyPr>
           <a:lstStyle/>
           <a:p>
             <a:r>
-              <a:rPr lang="zh-CN" altLang="en-US" sz="4000" b="1" dirty="0" smtClean="0">
-                <a:solidFill>
-                  <a:srgbClr val="660033"/>
-                </a:solidFill>
-                <a:latin typeface="微軟正黑體" pitchFamily="34" charset="-120"/>
-                <a:ea typeface="微軟正黑體" pitchFamily="34" charset="-120"/>
-              </a:rPr>
-              <a:t>願袮崇高</a:t>
-            </a:r>
-            <a:endParaRPr lang="en-US" sz="4000" b="1" dirty="0">
+              <a:rPr lang="zh-CN" altLang="en-US" sz="7200" b="1" i="1" dirty="0">
+                <a:solidFill>
+                  <a:srgbClr val="660033"/>
+                </a:solidFill>
+                <a:effectLst>
+                  <a:outerShdw blurRad="38100" dist="38100" dir="2700000" algn="tl">
+                    <a:srgbClr val="000000">
+                      <a:alpha val="43137"/>
+                    </a:srgbClr>
+                  </a:outerShdw>
+                </a:effectLst>
+                <a:latin typeface="微軟正黑體" pitchFamily="34" charset="-120"/>
+                <a:ea typeface="微軟正黑體" pitchFamily="34" charset="-120"/>
+              </a:rPr>
+              <a:t>願</a:t>
+            </a:r>
+            <a:r>
+              <a:rPr lang="zh-CN" altLang="en-US" sz="7200" b="1" i="1" dirty="0">
+                <a:solidFill>
+                  <a:srgbClr val="660033"/>
+                </a:solidFill>
+                <a:effectLst>
+                  <a:outerShdw blurRad="38100" dist="38100" dir="2700000" algn="tl">
+                    <a:srgbClr val="000000">
+                      <a:alpha val="43137"/>
+                    </a:srgbClr>
+                  </a:outerShdw>
+                </a:effectLst>
+                <a:latin typeface="微軟正黑體" pitchFamily="34" charset="-120"/>
+                <a:ea typeface="微軟正黑體" pitchFamily="34" charset="-120"/>
+              </a:rPr>
+              <a:t>袮崇高</a:t>
+            </a:r>
+            <a:endParaRPr lang="zh-TW" altLang="en-US" sz="7200" b="1" i="1" dirty="0">
               <a:solidFill>
                 <a:srgbClr val="660033"/>
               </a:solidFill>
+              <a:effectLst>
+                <a:outerShdw blurRad="38100" dist="38100" dir="2700000" algn="tl">
+                  <a:srgbClr val="000000">
+                    <a:alpha val="43137"/>
+                  </a:srgbClr>
+                </a:outerShdw>
+              </a:effectLst>
               <a:latin typeface="微軟正黑體" pitchFamily="34" charset="-120"/>
               <a:ea typeface="微軟正黑體" pitchFamily="34" charset="-120"/>
             </a:endParaRPr>
@@ -4899,271 +7494,86 @@
       </p:sp>
       <p:sp>
         <p:nvSpPr>
-          <p:cNvPr id="5" name="Content Placeholder 4"/>
-          <p:cNvSpPr>
-            <a:spLocks noGrp="1"/>
-          </p:cNvSpPr>
-          <p:nvPr>
-            <p:ph idx="1"/>
-          </p:nvPr>
+          <p:cNvPr id="3" name="TextBox 2"/>
+          <p:cNvSpPr txBox="1"/>
+          <p:nvPr/>
         </p:nvSpPr>
         <p:spPr>
           <a:xfrm>
-            <a:off x="0" y="1193800"/>
-            <a:ext cx="9144000" cy="5664200"/>
+            <a:off x="0" y="5157193"/>
+            <a:ext cx="12192000" cy="748988"/>
           </a:xfrm>
+          <a:prstGeom prst="rect">
+            <a:avLst/>
+          </a:prstGeom>
+          <a:noFill/>
         </p:spPr>
         <p:txBody>
-          <a:bodyPr>
-            <a:noAutofit/>
+          <a:bodyPr wrap="square" rtlCol="0">
+            <a:spAutoFit/>
           </a:bodyPr>
           <a:lstStyle/>
           <a:p>
-            <a:pPr algn="ctr">
-              <a:buNone/>
-            </a:pPr>
-            <a:r>
-              <a:rPr lang="zh-TW" altLang="en-US" sz="4800" b="1" dirty="0">
-                <a:solidFill>
-                  <a:srgbClr val="660033"/>
-                </a:solidFill>
-                <a:latin typeface="微軟正黑體" pitchFamily="34" charset="-120"/>
-                <a:ea typeface="微軟正黑體" pitchFamily="34" charset="-120"/>
-              </a:rPr>
-              <a:t>我要在萬民中稱</a:t>
-            </a:r>
-            <a:r>
-              <a:rPr lang="zh-TW" altLang="en-US" sz="4800" b="1" dirty="0" smtClean="0">
-                <a:solidFill>
-                  <a:srgbClr val="660033"/>
-                </a:solidFill>
-                <a:latin typeface="微軟正黑體" pitchFamily="34" charset="-120"/>
-                <a:ea typeface="微軟正黑體" pitchFamily="34" charset="-120"/>
-              </a:rPr>
-              <a:t>謝</a:t>
-            </a:r>
-            <a:r>
-              <a:rPr lang="zh-CN" altLang="en-US" sz="4800" b="1" dirty="0">
-                <a:solidFill>
-                  <a:srgbClr val="660033"/>
-                </a:solidFill>
-                <a:latin typeface="微軟正黑體" pitchFamily="34" charset="-120"/>
-                <a:ea typeface="微軟正黑體" pitchFamily="34" charset="-120"/>
-              </a:rPr>
-              <a:t>袮</a:t>
-            </a:r>
-            <a:endParaRPr lang="en-US" altLang="zh-TW" sz="4800" b="1" dirty="0" smtClean="0">
+            <a:pPr algn="ctr"/>
+            <a:r>
+              <a:rPr lang="en-US" sz="4267" b="1" dirty="0">
+                <a:solidFill>
+                  <a:srgbClr val="660033"/>
+                </a:solidFill>
+                <a:latin typeface="Microsoft JhengHei" panose="020B0604030504040204" pitchFamily="34" charset="-120"/>
+                <a:ea typeface="Microsoft JhengHei" panose="020B0604030504040204" pitchFamily="34" charset="-120"/>
+              </a:rPr>
+              <a:t>( </a:t>
+            </a:r>
+            <a:r>
+              <a:rPr lang="zh-CN" altLang="en-US" sz="4267" b="1" dirty="0" smtClean="0">
+                <a:solidFill>
+                  <a:srgbClr val="660033"/>
+                </a:solidFill>
+                <a:latin typeface="Microsoft JhengHei" panose="020B0604030504040204" pitchFamily="34" charset="-120"/>
+                <a:ea typeface="Microsoft JhengHei" panose="020B0604030504040204" pitchFamily="34" charset="-120"/>
+              </a:rPr>
+              <a:t>過門</a:t>
+            </a:r>
+            <a:r>
+              <a:rPr lang="en-US" sz="4267" b="1" dirty="0" smtClean="0">
+                <a:solidFill>
+                  <a:srgbClr val="660033"/>
+                </a:solidFill>
+                <a:latin typeface="Microsoft JhengHei" panose="020B0604030504040204" pitchFamily="34" charset="-120"/>
+                <a:ea typeface="Microsoft JhengHei" panose="020B0604030504040204" pitchFamily="34" charset="-120"/>
+              </a:rPr>
+              <a:t> </a:t>
+            </a:r>
+            <a:r>
+              <a:rPr lang="en-US" sz="4267" b="1" dirty="0">
+                <a:solidFill>
+                  <a:srgbClr val="660033"/>
+                </a:solidFill>
+                <a:latin typeface="Microsoft JhengHei" panose="020B0604030504040204" pitchFamily="34" charset="-120"/>
+                <a:ea typeface="Microsoft JhengHei" panose="020B0604030504040204" pitchFamily="34" charset="-120"/>
+              </a:rPr>
+              <a:t>)</a:t>
+            </a:r>
+            <a:endParaRPr lang="vi-VN" sz="4267" b="1" dirty="0">
               <a:solidFill>
                 <a:srgbClr val="660033"/>
               </a:solidFill>
-              <a:latin typeface="微軟正黑體" pitchFamily="34" charset="-120"/>
-              <a:ea typeface="微軟正黑體" pitchFamily="34" charset="-120"/>
+              <a:ea typeface="Microsoft JhengHei" panose="020B0604030504040204" pitchFamily="34" charset="-120"/>
             </a:endParaRPr>
           </a:p>
-          <a:p>
-            <a:pPr algn="ctr">
-              <a:buNone/>
-            </a:pPr>
-            <a:r>
-              <a:rPr lang="zh-TW" altLang="en-US" sz="4800" b="1" dirty="0" smtClean="0">
-                <a:solidFill>
-                  <a:srgbClr val="660033"/>
-                </a:solidFill>
-                <a:latin typeface="微軟正黑體" pitchFamily="34" charset="-120"/>
-                <a:ea typeface="微軟正黑體" pitchFamily="34" charset="-120"/>
-              </a:rPr>
-              <a:t>我</a:t>
-            </a:r>
-            <a:r>
-              <a:rPr lang="zh-TW" altLang="en-US" sz="4800" b="1" dirty="0">
-                <a:solidFill>
-                  <a:srgbClr val="660033"/>
-                </a:solidFill>
-                <a:latin typeface="微軟正黑體" pitchFamily="34" charset="-120"/>
-                <a:ea typeface="微軟正黑體" pitchFamily="34" charset="-120"/>
-              </a:rPr>
-              <a:t>要在列邦中歌</a:t>
-            </a:r>
-            <a:r>
-              <a:rPr lang="zh-TW" altLang="en-US" sz="4800" b="1" dirty="0" smtClean="0">
-                <a:solidFill>
-                  <a:srgbClr val="660033"/>
-                </a:solidFill>
-                <a:latin typeface="微軟正黑體" pitchFamily="34" charset="-120"/>
-                <a:ea typeface="微軟正黑體" pitchFamily="34" charset="-120"/>
-              </a:rPr>
-              <a:t>頌</a:t>
-            </a:r>
-            <a:r>
-              <a:rPr lang="zh-CN" altLang="en-US" sz="4800" b="1" dirty="0">
-                <a:solidFill>
-                  <a:srgbClr val="660033"/>
-                </a:solidFill>
-                <a:latin typeface="微軟正黑體" pitchFamily="34" charset="-120"/>
-                <a:ea typeface="微軟正黑體" pitchFamily="34" charset="-120"/>
-              </a:rPr>
-              <a:t>袮</a:t>
-            </a:r>
-            <a:endParaRPr lang="en-US" altLang="zh-TW" sz="4800" b="1" dirty="0">
-              <a:solidFill>
-                <a:srgbClr val="660033"/>
-              </a:solidFill>
-              <a:latin typeface="微軟正黑體" pitchFamily="34" charset="-120"/>
-              <a:ea typeface="微軟正黑體" pitchFamily="34" charset="-120"/>
-            </a:endParaRPr>
-          </a:p>
-          <a:p>
-            <a:pPr algn="ctr">
-              <a:buNone/>
-            </a:pPr>
-            <a:endParaRPr lang="en-US" altLang="zh-TW" sz="1200" b="1" dirty="0" smtClean="0">
-              <a:solidFill>
-                <a:srgbClr val="660033"/>
-              </a:solidFill>
-              <a:latin typeface="微軟正黑體" pitchFamily="34" charset="-120"/>
-              <a:ea typeface="微軟正黑體" pitchFamily="34" charset="-120"/>
-            </a:endParaRPr>
-          </a:p>
-          <a:p>
-            <a:pPr algn="ctr">
-              <a:buNone/>
-            </a:pPr>
-            <a:r>
-              <a:rPr lang="zh-CN" altLang="en-US" sz="4800" b="1" dirty="0">
-                <a:solidFill>
-                  <a:srgbClr val="660033"/>
-                </a:solidFill>
-                <a:latin typeface="微軟正黑體" pitchFamily="34" charset="-120"/>
-                <a:ea typeface="微軟正黑體" pitchFamily="34" charset="-120"/>
-              </a:rPr>
-              <a:t>袮</a:t>
-            </a:r>
-            <a:r>
-              <a:rPr lang="zh-TW" altLang="en-US" sz="4800" b="1" dirty="0" smtClean="0">
-                <a:solidFill>
-                  <a:srgbClr val="660033"/>
-                </a:solidFill>
-                <a:latin typeface="微軟正黑體" pitchFamily="34" charset="-120"/>
-                <a:ea typeface="微軟正黑體" pitchFamily="34" charset="-120"/>
-              </a:rPr>
-              <a:t>的</a:t>
-            </a:r>
-            <a:r>
-              <a:rPr lang="zh-TW" altLang="en-US" sz="4800" b="1" dirty="0">
-                <a:solidFill>
-                  <a:srgbClr val="660033"/>
-                </a:solidFill>
-                <a:latin typeface="微軟正黑體" pitchFamily="34" charset="-120"/>
-                <a:ea typeface="微軟正黑體" pitchFamily="34" charset="-120"/>
-              </a:rPr>
-              <a:t>慈愛高及諸</a:t>
-            </a:r>
-            <a:r>
-              <a:rPr lang="zh-TW" altLang="en-US" sz="4800" b="1" dirty="0" smtClean="0">
-                <a:solidFill>
-                  <a:srgbClr val="660033"/>
-                </a:solidFill>
-                <a:latin typeface="微軟正黑體" pitchFamily="34" charset="-120"/>
-                <a:ea typeface="微軟正黑體" pitchFamily="34" charset="-120"/>
-              </a:rPr>
-              <a:t>天</a:t>
-            </a:r>
-            <a:endParaRPr lang="en-US" altLang="zh-TW" sz="4800" b="1" dirty="0" smtClean="0">
-              <a:solidFill>
-                <a:srgbClr val="660033"/>
-              </a:solidFill>
-              <a:latin typeface="微軟正黑體" pitchFamily="34" charset="-120"/>
-              <a:ea typeface="微軟正黑體" pitchFamily="34" charset="-120"/>
-            </a:endParaRPr>
-          </a:p>
-          <a:p>
-            <a:pPr algn="ctr">
-              <a:buNone/>
-            </a:pPr>
-            <a:r>
-              <a:rPr lang="zh-CN" altLang="en-US" sz="4800" b="1" dirty="0">
-                <a:solidFill>
-                  <a:srgbClr val="660033"/>
-                </a:solidFill>
-                <a:latin typeface="微軟正黑體" pitchFamily="34" charset="-120"/>
-                <a:ea typeface="微軟正黑體" pitchFamily="34" charset="-120"/>
-              </a:rPr>
-              <a:t>袮</a:t>
-            </a:r>
-            <a:r>
-              <a:rPr lang="zh-TW" altLang="en-US" sz="4800" b="1" dirty="0" smtClean="0">
-                <a:solidFill>
-                  <a:srgbClr val="660033"/>
-                </a:solidFill>
-                <a:latin typeface="微軟正黑體" pitchFamily="34" charset="-120"/>
-                <a:ea typeface="微軟正黑體" pitchFamily="34" charset="-120"/>
-              </a:rPr>
-              <a:t>的</a:t>
-            </a:r>
-            <a:r>
-              <a:rPr lang="zh-TW" altLang="en-US" sz="4800" b="1" dirty="0">
-                <a:solidFill>
-                  <a:srgbClr val="660033"/>
-                </a:solidFill>
-                <a:latin typeface="微軟正黑體" pitchFamily="34" charset="-120"/>
-                <a:ea typeface="微軟正黑體" pitchFamily="34" charset="-120"/>
-              </a:rPr>
-              <a:t>誠實上達穹</a:t>
-            </a:r>
-            <a:r>
-              <a:rPr lang="zh-TW" altLang="en-US" sz="4800" b="1" dirty="0" smtClean="0">
-                <a:solidFill>
-                  <a:srgbClr val="660033"/>
-                </a:solidFill>
-                <a:latin typeface="微軟正黑體" pitchFamily="34" charset="-120"/>
-                <a:ea typeface="微軟正黑體" pitchFamily="34" charset="-120"/>
-              </a:rPr>
-              <a:t>蒼</a:t>
-            </a:r>
-            <a:endParaRPr lang="en-US" altLang="zh-TW" sz="4800" b="1" dirty="0" smtClean="0">
-              <a:solidFill>
-                <a:srgbClr val="660033"/>
-              </a:solidFill>
-              <a:latin typeface="微軟正黑體" pitchFamily="34" charset="-120"/>
-              <a:ea typeface="微軟正黑體" pitchFamily="34" charset="-120"/>
-            </a:endParaRPr>
-          </a:p>
-          <a:p>
-            <a:pPr algn="ctr">
-              <a:buNone/>
-            </a:pPr>
-            <a:r>
-              <a:rPr lang="en-US" altLang="zh-TW" b="1" dirty="0" smtClean="0">
-                <a:solidFill>
-                  <a:srgbClr val="660033"/>
-                </a:solidFill>
-                <a:latin typeface="微軟正黑體" pitchFamily="34" charset="-120"/>
-                <a:ea typeface="微軟正黑體" pitchFamily="34" charset="-120"/>
-              </a:rPr>
-              <a:t>(x2)</a:t>
-            </a:r>
-            <a:endParaRPr lang="en-US" altLang="zh-TW" sz="4000" b="1" dirty="0">
-              <a:solidFill>
-                <a:srgbClr val="660033"/>
-              </a:solidFill>
-              <a:latin typeface="微軟正黑體" pitchFamily="34" charset="-120"/>
-              <a:ea typeface="微軟正黑體" pitchFamily="34" charset="-120"/>
-            </a:endParaRPr>
-          </a:p>
         </p:txBody>
       </p:sp>
     </p:spTree>
+    <p:extLst>
+      <p:ext uri="{BB962C8B-B14F-4D97-AF65-F5344CB8AC3E}">
+        <p14:creationId xmlns:p14="http://schemas.microsoft.com/office/powerpoint/2010/main" val="3045565332"/>
+      </p:ext>
+    </p:extLst>
   </p:cSld>
   <p:clrMapOvr>
     <a:masterClrMapping/>
   </p:clrMapOvr>
-  <p:timing>
-    <p:tnLst>
-      <p:par>
-        <p:cTn id="1" dur="indefinite" restart="never" nodeType="tmRoot"/>
-      </p:par>
-    </p:tnLst>
-  </p:timing>
 </p:sld>
 </file>
 
@@ -5186,47 +7596,50 @@
       </p:grpSpPr>
       <p:sp>
         <p:nvSpPr>
-          <p:cNvPr id="4" name="Title 3"/>
-          <p:cNvSpPr>
-            <a:spLocks noGrp="1"/>
-          </p:cNvSpPr>
-          <p:nvPr>
-            <p:ph type="title"/>
+          <p:cNvPr id="5" name="內容版面配置區 4"/>
+          <p:cNvSpPr>
+            <a:spLocks noGrp="1"/>
+          </p:cNvSpPr>
+          <p:nvPr>
+            <p:ph idx="1"/>
           </p:nvPr>
         </p:nvSpPr>
         <p:spPr>
           <a:xfrm>
-            <a:off x="457200" y="0"/>
-            <a:ext cx="8229600" cy="1143000"/>
+            <a:off x="0" y="2084853"/>
+            <a:ext cx="12192000" cy="2404863"/>
           </a:xfrm>
         </p:spPr>
         <p:txBody>
-          <a:bodyPr>
+          <a:bodyPr anchor="ctr">
             <a:normAutofit/>
           </a:bodyPr>
           <a:lstStyle/>
           <a:p>
-            <a:r>
-              <a:rPr lang="zh-CN" altLang="en-US" sz="4000" b="1" dirty="0">
-                <a:solidFill>
-                  <a:srgbClr val="660033"/>
-                </a:solidFill>
-                <a:latin typeface="微軟正黑體" pitchFamily="34" charset="-120"/>
-                <a:ea typeface="微軟正黑體" pitchFamily="34" charset="-120"/>
-              </a:rPr>
-              <a:t>願袮崇</a:t>
-            </a:r>
-            <a:r>
-              <a:rPr lang="zh-CN" altLang="en-US" sz="4000" b="1" dirty="0" smtClean="0">
-                <a:solidFill>
-                  <a:srgbClr val="660033"/>
-                </a:solidFill>
-                <a:latin typeface="微軟正黑體" pitchFamily="34" charset="-120"/>
-                <a:ea typeface="微軟正黑體" pitchFamily="34" charset="-120"/>
-              </a:rPr>
-              <a:t>高</a:t>
-            </a:r>
-            <a:endParaRPr lang="en-US" sz="4000" b="1" dirty="0">
+            <a:pPr algn="ctr">
+              <a:buNone/>
+            </a:pPr>
+            <a:r>
+              <a:rPr lang="zh-TW" altLang="en-US" sz="6400" b="1" dirty="0">
+                <a:solidFill>
+                  <a:srgbClr val="660033"/>
+                </a:solidFill>
+                <a:latin typeface="微軟正黑體" pitchFamily="34" charset="-120"/>
+                <a:ea typeface="微軟正黑體" pitchFamily="34" charset="-120"/>
+              </a:rPr>
+              <a:t>我要在萬民中稱謝</a:t>
+            </a:r>
+            <a:r>
+              <a:rPr lang="zh-CN" altLang="en-US" sz="6400" b="1" dirty="0">
+                <a:solidFill>
+                  <a:srgbClr val="660033"/>
+                </a:solidFill>
+                <a:latin typeface="微軟正黑體" pitchFamily="34" charset="-120"/>
+                <a:ea typeface="微軟正黑體" pitchFamily="34" charset="-120"/>
+              </a:rPr>
+              <a:t>袮</a:t>
+            </a:r>
+            <a:endParaRPr lang="en-US" altLang="zh-TW" sz="6400" b="1" dirty="0">
               <a:solidFill>
                 <a:srgbClr val="660033"/>
               </a:solidFill>
@@ -5234,44 +7647,31 @@
               <a:ea typeface="微軟正黑體" pitchFamily="34" charset="-120"/>
             </a:endParaRPr>
           </a:p>
-        </p:txBody>
-      </p:sp>
-      <p:sp>
-        <p:nvSpPr>
-          <p:cNvPr id="5" name="Content Placeholder 4"/>
-          <p:cNvSpPr>
-            <a:spLocks noGrp="1"/>
-          </p:cNvSpPr>
-          <p:nvPr>
-            <p:ph idx="1"/>
-          </p:nvPr>
-        </p:nvSpPr>
-        <p:spPr>
-          <a:xfrm>
-            <a:off x="457200" y="1397000"/>
-            <a:ext cx="8229600" cy="5029200"/>
-          </a:xfrm>
-        </p:spPr>
-        <p:txBody>
-          <a:bodyPr>
-            <a:noAutofit/>
-          </a:bodyPr>
-          <a:lstStyle/>
           <a:p>
             <a:pPr algn="ctr">
               <a:buNone/>
             </a:pPr>
             <a:r>
-              <a:rPr lang="zh-TW" altLang="en-US" sz="4800" b="1" dirty="0" smtClean="0">
-                <a:solidFill>
-                  <a:srgbClr val="660033"/>
-                </a:solidFill>
-                <a:latin typeface="微軟正黑體" pitchFamily="34" charset="-120"/>
-                <a:ea typeface="微軟正黑體" pitchFamily="34" charset="-120"/>
-              </a:rPr>
-              <a:t>哈利路亞  哈利路亞</a:t>
-            </a:r>
-            <a:endParaRPr lang="en-US" altLang="zh-TW" sz="4800" b="1" dirty="0" smtClean="0">
+              <a:rPr lang="zh-TW" altLang="en-US" sz="6400" b="1" dirty="0">
+                <a:solidFill>
+                  <a:srgbClr val="660033"/>
+                </a:solidFill>
+                <a:latin typeface="微軟正黑體" pitchFamily="34" charset="-120"/>
+                <a:ea typeface="微軟正黑體" pitchFamily="34" charset="-120"/>
+              </a:rPr>
+              <a:t>我要在列邦中歌頌</a:t>
+            </a:r>
+            <a:r>
+              <a:rPr lang="zh-CN" altLang="en-US" sz="6400" b="1" dirty="0">
+                <a:solidFill>
+                  <a:srgbClr val="660033"/>
+                </a:solidFill>
+                <a:latin typeface="微軟正黑體" pitchFamily="34" charset="-120"/>
+                <a:ea typeface="微軟正黑體" pitchFamily="34" charset="-120"/>
+              </a:rPr>
+              <a:t>袮</a:t>
+            </a:r>
+            <a:endParaRPr lang="en-US" altLang="zh-TW" sz="6400" b="1" dirty="0">
               <a:solidFill>
                 <a:srgbClr val="660033"/>
               </a:solidFill>
@@ -5279,116 +7679,80 @@
               <a:ea typeface="微軟正黑體" pitchFamily="34" charset="-120"/>
             </a:endParaRPr>
           </a:p>
-          <a:p>
-            <a:pPr algn="ctr">
-              <a:buNone/>
-            </a:pPr>
-            <a:r>
-              <a:rPr lang="zh-CN" altLang="en-US" sz="4800" b="1" dirty="0">
-                <a:solidFill>
-                  <a:srgbClr val="660033"/>
-                </a:solidFill>
-                <a:latin typeface="微軟正黑體" pitchFamily="34" charset="-120"/>
-                <a:ea typeface="微軟正黑體" pitchFamily="34" charset="-120"/>
-              </a:rPr>
-              <a:t>袮</a:t>
-            </a:r>
-            <a:r>
-              <a:rPr lang="zh-TW" altLang="en-US" sz="4800" b="1" dirty="0" smtClean="0">
-                <a:solidFill>
-                  <a:srgbClr val="660033"/>
-                </a:solidFill>
-                <a:latin typeface="微軟正黑體" pitchFamily="34" charset="-120"/>
-                <a:ea typeface="微軟正黑體" pitchFamily="34" charset="-120"/>
-              </a:rPr>
-              <a:t>的慈愛高及諸天</a:t>
-            </a:r>
-            <a:endParaRPr lang="en-US" altLang="zh-TW" sz="4800" b="1" dirty="0" smtClean="0">
+        </p:txBody>
+      </p:sp>
+      <p:sp>
+        <p:nvSpPr>
+          <p:cNvPr id="3" name="TextBox 2"/>
+          <p:cNvSpPr txBox="1"/>
+          <p:nvPr/>
+        </p:nvSpPr>
+        <p:spPr>
+          <a:xfrm>
+            <a:off x="0" y="5157193"/>
+            <a:ext cx="12192000" cy="748988"/>
+          </a:xfrm>
+          <a:prstGeom prst="rect">
+            <a:avLst/>
+          </a:prstGeom>
+          <a:noFill/>
+        </p:spPr>
+        <p:txBody>
+          <a:bodyPr wrap="square" rtlCol="0">
+            <a:spAutoFit/>
+          </a:bodyPr>
+          <a:lstStyle/>
+          <a:p>
+            <a:pPr algn="ctr"/>
+            <a:r>
+              <a:rPr lang="en-US" sz="4267" b="1" dirty="0">
+                <a:solidFill>
+                  <a:srgbClr val="660033"/>
+                </a:solidFill>
+                <a:latin typeface="Microsoft JhengHei" panose="020B0604030504040204" pitchFamily="34" charset="-120"/>
+                <a:ea typeface="Microsoft JhengHei" panose="020B0604030504040204" pitchFamily="34" charset="-120"/>
+              </a:rPr>
+              <a:t>( </a:t>
+            </a:r>
+            <a:r>
+              <a:rPr lang="zh-CN" altLang="en-US" sz="4267" b="1" dirty="0">
+                <a:solidFill>
+                  <a:srgbClr val="660033"/>
+                </a:solidFill>
+                <a:latin typeface="Microsoft JhengHei" panose="020B0604030504040204" pitchFamily="34" charset="-120"/>
+                <a:ea typeface="Microsoft JhengHei" panose="020B0604030504040204" pitchFamily="34" charset="-120"/>
+              </a:rPr>
+              <a:t>正</a:t>
+            </a:r>
+            <a:r>
+              <a:rPr lang="en-US" sz="4267" b="1" dirty="0">
+                <a:solidFill>
+                  <a:srgbClr val="660033"/>
+                </a:solidFill>
+                <a:latin typeface="Microsoft JhengHei" panose="020B0604030504040204" pitchFamily="34" charset="-120"/>
+                <a:ea typeface="Microsoft JhengHei" panose="020B0604030504040204" pitchFamily="34" charset="-120"/>
+              </a:rPr>
+              <a:t> )</a:t>
+            </a:r>
+            <a:endParaRPr lang="vi-VN" sz="4267" b="1" dirty="0">
               <a:solidFill>
                 <a:srgbClr val="660033"/>
               </a:solidFill>
-              <a:latin typeface="微軟正黑體" pitchFamily="34" charset="-120"/>
-              <a:ea typeface="微軟正黑體" pitchFamily="34" charset="-120"/>
+              <a:ea typeface="Microsoft JhengHei" panose="020B0604030504040204" pitchFamily="34" charset="-120"/>
             </a:endParaRPr>
           </a:p>
-          <a:p>
-            <a:pPr algn="ctr">
-              <a:buNone/>
-            </a:pPr>
-            <a:r>
-              <a:rPr lang="zh-TW" altLang="en-US" sz="4800" b="1" dirty="0" smtClean="0">
-                <a:solidFill>
-                  <a:srgbClr val="660033"/>
-                </a:solidFill>
-                <a:latin typeface="微軟正黑體" pitchFamily="34" charset="-120"/>
-                <a:ea typeface="微軟正黑體" pitchFamily="34" charset="-120"/>
-              </a:rPr>
-              <a:t>哈利路亞  哈利路亞</a:t>
-            </a:r>
-            <a:endParaRPr lang="en-US" altLang="zh-TW" sz="4800" b="1" dirty="0" smtClean="0">
-              <a:solidFill>
-                <a:srgbClr val="660033"/>
-              </a:solidFill>
-              <a:latin typeface="微軟正黑體" pitchFamily="34" charset="-120"/>
-              <a:ea typeface="微軟正黑體" pitchFamily="34" charset="-120"/>
-            </a:endParaRPr>
-          </a:p>
-          <a:p>
-            <a:pPr algn="ctr">
-              <a:buNone/>
-            </a:pPr>
-            <a:r>
-              <a:rPr lang="zh-CN" altLang="en-US" sz="4800" b="1" dirty="0">
-                <a:solidFill>
-                  <a:srgbClr val="660033"/>
-                </a:solidFill>
-                <a:latin typeface="微軟正黑體" pitchFamily="34" charset="-120"/>
-                <a:ea typeface="微軟正黑體" pitchFamily="34" charset="-120"/>
-              </a:rPr>
-              <a:t>袮</a:t>
-            </a:r>
-            <a:r>
-              <a:rPr lang="zh-TW" altLang="en-US" sz="4800" b="1" smtClean="0">
-                <a:solidFill>
-                  <a:srgbClr val="660033"/>
-                </a:solidFill>
-                <a:latin typeface="微軟正黑體" pitchFamily="34" charset="-120"/>
-                <a:ea typeface="微軟正黑體" pitchFamily="34" charset="-120"/>
-              </a:rPr>
-              <a:t>的</a:t>
-            </a:r>
-            <a:r>
-              <a:rPr lang="zh-TW" altLang="en-US" sz="4800" b="1" dirty="0" smtClean="0">
-                <a:solidFill>
-                  <a:srgbClr val="660033"/>
-                </a:solidFill>
-                <a:latin typeface="微軟正黑體" pitchFamily="34" charset="-120"/>
-                <a:ea typeface="微軟正黑體" pitchFamily="34" charset="-120"/>
-              </a:rPr>
-              <a:t>誠實上達到穹蒼</a:t>
-            </a:r>
-            <a:endParaRPr lang="en-US" sz="4800" b="1" dirty="0">
-              <a:solidFill>
-                <a:srgbClr val="660033"/>
-              </a:solidFill>
-              <a:latin typeface="微軟正黑體" pitchFamily="34" charset="-120"/>
-              <a:ea typeface="微軟正黑體" pitchFamily="34" charset="-120"/>
-            </a:endParaRPr>
-          </a:p>
         </p:txBody>
       </p:sp>
     </p:spTree>
+    <p:extLst>
+      <p:ext uri="{BB962C8B-B14F-4D97-AF65-F5344CB8AC3E}">
+        <p14:creationId xmlns:p14="http://schemas.microsoft.com/office/powerpoint/2010/main" val="3098995481"/>
+      </p:ext>
+    </p:extLst>
   </p:cSld>
   <p:clrMapOvr>
     <a:masterClrMapping/>
   </p:clrMapOvr>
-  <p:timing>
-    <p:tnLst>
-      <p:par>
-        <p:cTn id="1" dur="indefinite" restart="never" nodeType="tmRoot"/>
-      </p:par>
-    </p:tnLst>
-  </p:timing>
 </p:sld>
 </file>
 
@@ -5411,47 +7775,50 @@
       </p:grpSpPr>
       <p:sp>
         <p:nvSpPr>
-          <p:cNvPr id="4" name="Title 3"/>
-          <p:cNvSpPr>
-            <a:spLocks noGrp="1"/>
-          </p:cNvSpPr>
-          <p:nvPr>
-            <p:ph type="title"/>
+          <p:cNvPr id="5" name="內容版面配置區 4"/>
+          <p:cNvSpPr>
+            <a:spLocks noGrp="1"/>
+          </p:cNvSpPr>
+          <p:nvPr>
+            <p:ph idx="1"/>
           </p:nvPr>
         </p:nvSpPr>
         <p:spPr>
           <a:xfrm>
-            <a:off x="457200" y="0"/>
-            <a:ext cx="8229600" cy="1143000"/>
+            <a:off x="0" y="2084853"/>
+            <a:ext cx="12192000" cy="2404863"/>
           </a:xfrm>
         </p:spPr>
         <p:txBody>
-          <a:bodyPr>
+          <a:bodyPr anchor="ctr">
             <a:normAutofit/>
           </a:bodyPr>
           <a:lstStyle/>
           <a:p>
-            <a:r>
-              <a:rPr lang="zh-CN" altLang="en-US" sz="4000" b="1" dirty="0">
-                <a:solidFill>
-                  <a:srgbClr val="660033"/>
-                </a:solidFill>
-                <a:latin typeface="微軟正黑體" pitchFamily="34" charset="-120"/>
-                <a:ea typeface="微軟正黑體" pitchFamily="34" charset="-120"/>
-              </a:rPr>
-              <a:t>願袮崇</a:t>
-            </a:r>
-            <a:r>
-              <a:rPr lang="zh-CN" altLang="en-US" sz="4000" b="1" dirty="0" smtClean="0">
-                <a:solidFill>
-                  <a:srgbClr val="660033"/>
-                </a:solidFill>
-                <a:latin typeface="微軟正黑體" pitchFamily="34" charset="-120"/>
-                <a:ea typeface="微軟正黑體" pitchFamily="34" charset="-120"/>
-              </a:rPr>
-              <a:t>高</a:t>
-            </a:r>
-            <a:endParaRPr lang="en-US" sz="4000" b="1" dirty="0">
+            <a:pPr algn="ctr">
+              <a:buNone/>
+            </a:pPr>
+            <a:r>
+              <a:rPr lang="zh-CN" altLang="en-US" sz="6400" b="1" dirty="0">
+                <a:solidFill>
+                  <a:srgbClr val="660033"/>
+                </a:solidFill>
+                <a:latin typeface="微軟正黑體" pitchFamily="34" charset="-120"/>
+                <a:ea typeface="微軟正黑體" pitchFamily="34" charset="-120"/>
+              </a:rPr>
+              <a:t>袮</a:t>
+            </a:r>
+            <a:r>
+              <a:rPr lang="zh-TW" altLang="en-US" sz="6400" b="1" dirty="0">
+                <a:solidFill>
+                  <a:srgbClr val="660033"/>
+                </a:solidFill>
+                <a:latin typeface="微軟正黑體" pitchFamily="34" charset="-120"/>
+                <a:ea typeface="微軟正黑體" pitchFamily="34" charset="-120"/>
+              </a:rPr>
+              <a:t>的慈愛高及諸天</a:t>
+            </a:r>
+            <a:endParaRPr lang="en-US" altLang="zh-TW" sz="6400" b="1" dirty="0">
               <a:solidFill>
                 <a:srgbClr val="660033"/>
               </a:solidFill>
@@ -5459,44 +7826,31 @@
               <a:ea typeface="微軟正黑體" pitchFamily="34" charset="-120"/>
             </a:endParaRPr>
           </a:p>
-        </p:txBody>
-      </p:sp>
-      <p:sp>
-        <p:nvSpPr>
-          <p:cNvPr id="5" name="Content Placeholder 4"/>
-          <p:cNvSpPr>
-            <a:spLocks noGrp="1"/>
-          </p:cNvSpPr>
-          <p:nvPr>
-            <p:ph idx="1"/>
-          </p:nvPr>
-        </p:nvSpPr>
-        <p:spPr>
-          <a:xfrm>
-            <a:off x="457200" y="1397000"/>
-            <a:ext cx="8229600" cy="5029200"/>
-          </a:xfrm>
-        </p:spPr>
-        <p:txBody>
-          <a:bodyPr>
-            <a:noAutofit/>
-          </a:bodyPr>
-          <a:lstStyle/>
           <a:p>
             <a:pPr algn="ctr">
               <a:buNone/>
             </a:pPr>
             <a:r>
-              <a:rPr lang="zh-TW" altLang="en-US" sz="4800" b="1" dirty="0" smtClean="0">
-                <a:solidFill>
-                  <a:srgbClr val="660033"/>
-                </a:solidFill>
-                <a:latin typeface="微軟正黑體" pitchFamily="34" charset="-120"/>
-                <a:ea typeface="微軟正黑體" pitchFamily="34" charset="-120"/>
-              </a:rPr>
-              <a:t>哈利路亞  哈利路亞</a:t>
-            </a:r>
-            <a:endParaRPr lang="en-US" altLang="zh-TW" sz="4800" b="1" dirty="0" smtClean="0">
+              <a:rPr lang="zh-CN" altLang="en-US" sz="6400" b="1" dirty="0">
+                <a:solidFill>
+                  <a:srgbClr val="660033"/>
+                </a:solidFill>
+                <a:latin typeface="微軟正黑體" pitchFamily="34" charset="-120"/>
+                <a:ea typeface="微軟正黑體" pitchFamily="34" charset="-120"/>
+              </a:rPr>
+              <a:t>袮</a:t>
+            </a:r>
+            <a:r>
+              <a:rPr lang="zh-TW" altLang="en-US" sz="6400" b="1" dirty="0">
+                <a:solidFill>
+                  <a:srgbClr val="660033"/>
+                </a:solidFill>
+                <a:latin typeface="微軟正黑體" pitchFamily="34" charset="-120"/>
+                <a:ea typeface="微軟正黑體" pitchFamily="34" charset="-120"/>
+              </a:rPr>
+              <a:t>的誠實上達穹蒼</a:t>
+            </a:r>
+            <a:endParaRPr lang="en-US" altLang="zh-TW" sz="6400" b="1" dirty="0">
               <a:solidFill>
                 <a:srgbClr val="660033"/>
               </a:solidFill>
@@ -5504,116 +7858,80 @@
               <a:ea typeface="微軟正黑體" pitchFamily="34" charset="-120"/>
             </a:endParaRPr>
           </a:p>
-          <a:p>
-            <a:pPr algn="ctr">
-              <a:buNone/>
-            </a:pPr>
-            <a:r>
-              <a:rPr lang="zh-CN" altLang="en-US" sz="4800" b="1" dirty="0">
-                <a:solidFill>
-                  <a:srgbClr val="660033"/>
-                </a:solidFill>
-                <a:latin typeface="微軟正黑體" pitchFamily="34" charset="-120"/>
-                <a:ea typeface="微軟正黑體" pitchFamily="34" charset="-120"/>
-              </a:rPr>
-              <a:t>袮</a:t>
-            </a:r>
-            <a:r>
-              <a:rPr lang="zh-TW" altLang="en-US" sz="4800" b="1" dirty="0" smtClean="0">
-                <a:solidFill>
-                  <a:srgbClr val="660033"/>
-                </a:solidFill>
-                <a:latin typeface="微軟正黑體" pitchFamily="34" charset="-120"/>
-                <a:ea typeface="微軟正黑體" pitchFamily="34" charset="-120"/>
-              </a:rPr>
-              <a:t>的慈愛高及諸天</a:t>
-            </a:r>
-            <a:endParaRPr lang="en-US" altLang="zh-TW" sz="4800" b="1" dirty="0" smtClean="0">
+        </p:txBody>
+      </p:sp>
+      <p:sp>
+        <p:nvSpPr>
+          <p:cNvPr id="3" name="TextBox 2"/>
+          <p:cNvSpPr txBox="1"/>
+          <p:nvPr/>
+        </p:nvSpPr>
+        <p:spPr>
+          <a:xfrm>
+            <a:off x="0" y="5157193"/>
+            <a:ext cx="12192000" cy="748988"/>
+          </a:xfrm>
+          <a:prstGeom prst="rect">
+            <a:avLst/>
+          </a:prstGeom>
+          <a:noFill/>
+        </p:spPr>
+        <p:txBody>
+          <a:bodyPr wrap="square" rtlCol="0">
+            <a:spAutoFit/>
+          </a:bodyPr>
+          <a:lstStyle/>
+          <a:p>
+            <a:pPr algn="ctr"/>
+            <a:r>
+              <a:rPr lang="en-US" sz="4267" b="1" dirty="0">
+                <a:solidFill>
+                  <a:srgbClr val="660033"/>
+                </a:solidFill>
+                <a:latin typeface="Microsoft JhengHei" panose="020B0604030504040204" pitchFamily="34" charset="-120"/>
+                <a:ea typeface="Microsoft JhengHei" panose="020B0604030504040204" pitchFamily="34" charset="-120"/>
+              </a:rPr>
+              <a:t>( </a:t>
+            </a:r>
+            <a:r>
+              <a:rPr lang="zh-CN" altLang="en-US" sz="4267" b="1" dirty="0">
+                <a:solidFill>
+                  <a:srgbClr val="660033"/>
+                </a:solidFill>
+                <a:latin typeface="Microsoft JhengHei" panose="020B0604030504040204" pitchFamily="34" charset="-120"/>
+                <a:ea typeface="Microsoft JhengHei" panose="020B0604030504040204" pitchFamily="34" charset="-120"/>
+              </a:rPr>
+              <a:t>正</a:t>
+            </a:r>
+            <a:r>
+              <a:rPr lang="en-US" sz="4267" b="1" dirty="0">
+                <a:solidFill>
+                  <a:srgbClr val="660033"/>
+                </a:solidFill>
+                <a:latin typeface="Microsoft JhengHei" panose="020B0604030504040204" pitchFamily="34" charset="-120"/>
+                <a:ea typeface="Microsoft JhengHei" panose="020B0604030504040204" pitchFamily="34" charset="-120"/>
+              </a:rPr>
+              <a:t> )( x2 )</a:t>
+            </a:r>
+            <a:endParaRPr lang="vi-VN" sz="4267" b="1" dirty="0">
               <a:solidFill>
                 <a:srgbClr val="660033"/>
               </a:solidFill>
-              <a:latin typeface="微軟正黑體" pitchFamily="34" charset="-120"/>
-              <a:ea typeface="微軟正黑體" pitchFamily="34" charset="-120"/>
+              <a:ea typeface="Microsoft JhengHei" panose="020B0604030504040204" pitchFamily="34" charset="-120"/>
             </a:endParaRPr>
           </a:p>
-          <a:p>
-            <a:pPr algn="ctr">
-              <a:buNone/>
-            </a:pPr>
-            <a:r>
-              <a:rPr lang="zh-TW" altLang="en-US" sz="4800" b="1" dirty="0" smtClean="0">
-                <a:solidFill>
-                  <a:srgbClr val="660033"/>
-                </a:solidFill>
-                <a:latin typeface="微軟正黑體" pitchFamily="34" charset="-120"/>
-                <a:ea typeface="微軟正黑體" pitchFamily="34" charset="-120"/>
-              </a:rPr>
-              <a:t>哈利路亞  哈利路亞</a:t>
-            </a:r>
-            <a:endParaRPr lang="en-US" altLang="zh-TW" sz="4800" b="1" dirty="0" smtClean="0">
-              <a:solidFill>
-                <a:srgbClr val="660033"/>
-              </a:solidFill>
-              <a:latin typeface="微軟正黑體" pitchFamily="34" charset="-120"/>
-              <a:ea typeface="微軟正黑體" pitchFamily="34" charset="-120"/>
-            </a:endParaRPr>
-          </a:p>
-          <a:p>
-            <a:pPr algn="ctr">
-              <a:buNone/>
-            </a:pPr>
-            <a:r>
-              <a:rPr lang="zh-CN" altLang="en-US" sz="4800" b="1" dirty="0">
-                <a:solidFill>
-                  <a:srgbClr val="660033"/>
-                </a:solidFill>
-                <a:latin typeface="微軟正黑體" pitchFamily="34" charset="-120"/>
-                <a:ea typeface="微軟正黑體" pitchFamily="34" charset="-120"/>
-              </a:rPr>
-              <a:t>袮</a:t>
-            </a:r>
-            <a:r>
-              <a:rPr lang="zh-TW" altLang="en-US" sz="4800" b="1" smtClean="0">
-                <a:solidFill>
-                  <a:srgbClr val="660033"/>
-                </a:solidFill>
-                <a:latin typeface="微軟正黑體" pitchFamily="34" charset="-120"/>
-                <a:ea typeface="微軟正黑體" pitchFamily="34" charset="-120"/>
-              </a:rPr>
-              <a:t>的</a:t>
-            </a:r>
-            <a:r>
-              <a:rPr lang="zh-TW" altLang="en-US" sz="4800" b="1" dirty="0" smtClean="0">
-                <a:solidFill>
-                  <a:srgbClr val="660033"/>
-                </a:solidFill>
-                <a:latin typeface="微軟正黑體" pitchFamily="34" charset="-120"/>
-                <a:ea typeface="微軟正黑體" pitchFamily="34" charset="-120"/>
-              </a:rPr>
-              <a:t>誠實上達到穹蒼</a:t>
-            </a:r>
-            <a:endParaRPr lang="en-US" sz="4800" b="1" dirty="0">
-              <a:solidFill>
-                <a:srgbClr val="660033"/>
-              </a:solidFill>
-              <a:latin typeface="微軟正黑體" pitchFamily="34" charset="-120"/>
-              <a:ea typeface="微軟正黑體" pitchFamily="34" charset="-120"/>
-            </a:endParaRPr>
-          </a:p>
         </p:txBody>
       </p:sp>
     </p:spTree>
+    <p:extLst>
+      <p:ext uri="{BB962C8B-B14F-4D97-AF65-F5344CB8AC3E}">
+        <p14:creationId xmlns:p14="http://schemas.microsoft.com/office/powerpoint/2010/main" val="3364986928"/>
+      </p:ext>
+    </p:extLst>
   </p:cSld>
   <p:clrMapOvr>
     <a:masterClrMapping/>
   </p:clrMapOvr>
-  <p:timing>
-    <p:tnLst>
-      <p:par>
-        <p:cTn id="1" dur="indefinite" restart="never" nodeType="tmRoot"/>
-      </p:par>
-    </p:tnLst>
-  </p:timing>
 </p:sld>
 </file>
 
@@ -5636,47 +7954,40 @@
       </p:grpSpPr>
       <p:sp>
         <p:nvSpPr>
-          <p:cNvPr id="4" name="Title 3"/>
-          <p:cNvSpPr>
-            <a:spLocks noGrp="1"/>
-          </p:cNvSpPr>
-          <p:nvPr>
-            <p:ph type="title"/>
+          <p:cNvPr id="5" name="內容版面配置區 4"/>
+          <p:cNvSpPr>
+            <a:spLocks noGrp="1"/>
+          </p:cNvSpPr>
+          <p:nvPr>
+            <p:ph idx="1"/>
           </p:nvPr>
         </p:nvSpPr>
         <p:spPr>
           <a:xfrm>
-            <a:off x="457200" y="0"/>
-            <a:ext cx="8229600" cy="1143000"/>
+            <a:off x="0" y="2084853"/>
+            <a:ext cx="12192000" cy="2404863"/>
           </a:xfrm>
         </p:spPr>
         <p:txBody>
-          <a:bodyPr>
+          <a:bodyPr anchor="ctr">
             <a:normAutofit/>
           </a:bodyPr>
           <a:lstStyle/>
           <a:p>
-            <a:r>
-              <a:rPr lang="zh-CN" altLang="en-US" sz="4000" b="1" dirty="0">
-                <a:solidFill>
-                  <a:srgbClr val="660033"/>
-                </a:solidFill>
-                <a:latin typeface="微軟正黑體" pitchFamily="34" charset="-120"/>
-                <a:ea typeface="微軟正黑體" pitchFamily="34" charset="-120"/>
-              </a:rPr>
-              <a:t>願袮崇</a:t>
-            </a:r>
-            <a:r>
-              <a:rPr lang="zh-CN" altLang="en-US" sz="4000" b="1" dirty="0" smtClean="0">
-                <a:solidFill>
-                  <a:srgbClr val="660033"/>
-                </a:solidFill>
-                <a:latin typeface="微軟正黑體" pitchFamily="34" charset="-120"/>
-                <a:ea typeface="微軟正黑體" pitchFamily="34" charset="-120"/>
-              </a:rPr>
-              <a:t>高</a:t>
-            </a:r>
-            <a:endParaRPr lang="en-US" sz="4000" b="1" dirty="0">
+            <a:pPr algn="ctr">
+              <a:buNone/>
+            </a:pPr>
+            <a:r>
+              <a:rPr lang="zh-TW" altLang="en-US" sz="6400" b="1" dirty="0">
+                <a:solidFill>
+                  <a:srgbClr val="660033"/>
+                </a:solidFill>
+                <a:latin typeface="微軟正黑體" pitchFamily="34" charset="-120"/>
+                <a:ea typeface="微軟正黑體" pitchFamily="34" charset="-120"/>
+              </a:rPr>
+              <a:t>哈利路亞  哈利路亞</a:t>
+            </a:r>
+            <a:endParaRPr lang="en-US" altLang="zh-TW" sz="6400" b="1" dirty="0">
               <a:solidFill>
                 <a:srgbClr val="660033"/>
               </a:solidFill>
@@ -5684,44 +7995,31 @@
               <a:ea typeface="微軟正黑體" pitchFamily="34" charset="-120"/>
             </a:endParaRPr>
           </a:p>
-        </p:txBody>
-      </p:sp>
-      <p:sp>
-        <p:nvSpPr>
-          <p:cNvPr id="5" name="Content Placeholder 4"/>
-          <p:cNvSpPr>
-            <a:spLocks noGrp="1"/>
-          </p:cNvSpPr>
-          <p:nvPr>
-            <p:ph idx="1"/>
-          </p:nvPr>
-        </p:nvSpPr>
-        <p:spPr>
-          <a:xfrm>
-            <a:off x="457200" y="1397000"/>
-            <a:ext cx="8229600" cy="5029200"/>
-          </a:xfrm>
-        </p:spPr>
-        <p:txBody>
-          <a:bodyPr>
-            <a:noAutofit/>
-          </a:bodyPr>
-          <a:lstStyle/>
           <a:p>
             <a:pPr algn="ctr">
               <a:buNone/>
             </a:pPr>
             <a:r>
-              <a:rPr lang="zh-TW" altLang="en-US" sz="4800" b="1" dirty="0" smtClean="0">
-                <a:solidFill>
-                  <a:srgbClr val="660033"/>
-                </a:solidFill>
-                <a:latin typeface="微軟正黑體" pitchFamily="34" charset="-120"/>
-                <a:ea typeface="微軟正黑體" pitchFamily="34" charset="-120"/>
-              </a:rPr>
-              <a:t>哈利路亞  哈利路亞</a:t>
-            </a:r>
-            <a:endParaRPr lang="en-US" altLang="zh-TW" sz="4800" b="1" dirty="0" smtClean="0">
+              <a:rPr lang="zh-CN" altLang="en-US" sz="6400" b="1" dirty="0">
+                <a:solidFill>
+                  <a:srgbClr val="660033"/>
+                </a:solidFill>
+                <a:latin typeface="微軟正黑體" pitchFamily="34" charset="-120"/>
+                <a:ea typeface="微軟正黑體" pitchFamily="34" charset="-120"/>
+              </a:rPr>
+              <a:t>袮</a:t>
+            </a:r>
+            <a:r>
+              <a:rPr lang="zh-TW" altLang="en-US" sz="6400" b="1" dirty="0">
+                <a:solidFill>
+                  <a:srgbClr val="660033"/>
+                </a:solidFill>
+                <a:latin typeface="微軟正黑體" pitchFamily="34" charset="-120"/>
+                <a:ea typeface="微軟正黑體" pitchFamily="34" charset="-120"/>
+              </a:rPr>
+              <a:t>的慈愛高及諸天</a:t>
+            </a:r>
+            <a:endParaRPr lang="en-US" altLang="zh-TW" sz="6400" b="1" dirty="0">
               <a:solidFill>
                 <a:srgbClr val="660033"/>
               </a:solidFill>
@@ -5729,116 +8027,80 @@
               <a:ea typeface="微軟正黑體" pitchFamily="34" charset="-120"/>
             </a:endParaRPr>
           </a:p>
-          <a:p>
-            <a:pPr algn="ctr">
-              <a:buNone/>
-            </a:pPr>
-            <a:r>
-              <a:rPr lang="zh-CN" altLang="en-US" sz="4800" b="1" dirty="0">
-                <a:solidFill>
-                  <a:srgbClr val="660033"/>
-                </a:solidFill>
-                <a:latin typeface="微軟正黑體" pitchFamily="34" charset="-120"/>
-                <a:ea typeface="微軟正黑體" pitchFamily="34" charset="-120"/>
-              </a:rPr>
-              <a:t>袮</a:t>
-            </a:r>
-            <a:r>
-              <a:rPr lang="zh-TW" altLang="en-US" sz="4800" b="1" dirty="0" smtClean="0">
-                <a:solidFill>
-                  <a:srgbClr val="660033"/>
-                </a:solidFill>
-                <a:latin typeface="微軟正黑體" pitchFamily="34" charset="-120"/>
-                <a:ea typeface="微軟正黑體" pitchFamily="34" charset="-120"/>
-              </a:rPr>
-              <a:t>的慈愛高及諸天</a:t>
-            </a:r>
-            <a:endParaRPr lang="en-US" altLang="zh-TW" sz="4800" b="1" dirty="0" smtClean="0">
+        </p:txBody>
+      </p:sp>
+      <p:sp>
+        <p:nvSpPr>
+          <p:cNvPr id="3" name="TextBox 2"/>
+          <p:cNvSpPr txBox="1"/>
+          <p:nvPr/>
+        </p:nvSpPr>
+        <p:spPr>
+          <a:xfrm>
+            <a:off x="0" y="5157193"/>
+            <a:ext cx="12192000" cy="748988"/>
+          </a:xfrm>
+          <a:prstGeom prst="rect">
+            <a:avLst/>
+          </a:prstGeom>
+          <a:noFill/>
+        </p:spPr>
+        <p:txBody>
+          <a:bodyPr wrap="square" rtlCol="0">
+            <a:spAutoFit/>
+          </a:bodyPr>
+          <a:lstStyle/>
+          <a:p>
+            <a:pPr algn="ctr"/>
+            <a:r>
+              <a:rPr lang="en-US" sz="4267" b="1" dirty="0">
+                <a:solidFill>
+                  <a:srgbClr val="660033"/>
+                </a:solidFill>
+                <a:latin typeface="Microsoft JhengHei" panose="020B0604030504040204" pitchFamily="34" charset="-120"/>
+                <a:ea typeface="Microsoft JhengHei" panose="020B0604030504040204" pitchFamily="34" charset="-120"/>
+              </a:rPr>
+              <a:t>( </a:t>
+            </a:r>
+            <a:r>
+              <a:rPr lang="zh-CN" altLang="en-US" sz="4267" b="1" dirty="0">
+                <a:solidFill>
+                  <a:srgbClr val="660033"/>
+                </a:solidFill>
+                <a:latin typeface="Microsoft JhengHei" panose="020B0604030504040204" pitchFamily="34" charset="-120"/>
+                <a:ea typeface="Microsoft JhengHei" panose="020B0604030504040204" pitchFamily="34" charset="-120"/>
+              </a:rPr>
+              <a:t>副</a:t>
+            </a:r>
+            <a:r>
+              <a:rPr lang="en-US" sz="4267" b="1" dirty="0">
+                <a:solidFill>
+                  <a:srgbClr val="660033"/>
+                </a:solidFill>
+                <a:latin typeface="Microsoft JhengHei" panose="020B0604030504040204" pitchFamily="34" charset="-120"/>
+                <a:ea typeface="Microsoft JhengHei" panose="020B0604030504040204" pitchFamily="34" charset="-120"/>
+              </a:rPr>
+              <a:t> )</a:t>
+            </a:r>
+            <a:endParaRPr lang="vi-VN" sz="4267" b="1" dirty="0">
               <a:solidFill>
                 <a:srgbClr val="660033"/>
               </a:solidFill>
-              <a:latin typeface="微軟正黑體" pitchFamily="34" charset="-120"/>
-              <a:ea typeface="微軟正黑體" pitchFamily="34" charset="-120"/>
+              <a:ea typeface="Microsoft JhengHei" panose="020B0604030504040204" pitchFamily="34" charset="-120"/>
             </a:endParaRPr>
           </a:p>
-          <a:p>
-            <a:pPr algn="ctr">
-              <a:buNone/>
-            </a:pPr>
-            <a:r>
-              <a:rPr lang="zh-TW" altLang="en-US" sz="4800" b="1" dirty="0" smtClean="0">
-                <a:solidFill>
-                  <a:srgbClr val="660033"/>
-                </a:solidFill>
-                <a:latin typeface="微軟正黑體" pitchFamily="34" charset="-120"/>
-                <a:ea typeface="微軟正黑體" pitchFamily="34" charset="-120"/>
-              </a:rPr>
-              <a:t>哈利路亞  哈利路亞</a:t>
-            </a:r>
-            <a:endParaRPr lang="en-US" altLang="zh-TW" sz="4800" b="1" dirty="0" smtClean="0">
-              <a:solidFill>
-                <a:srgbClr val="660033"/>
-              </a:solidFill>
-              <a:latin typeface="微軟正黑體" pitchFamily="34" charset="-120"/>
-              <a:ea typeface="微軟正黑體" pitchFamily="34" charset="-120"/>
-            </a:endParaRPr>
-          </a:p>
-          <a:p>
-            <a:pPr algn="ctr">
-              <a:buNone/>
-            </a:pPr>
-            <a:r>
-              <a:rPr lang="zh-CN" altLang="en-US" sz="4800" b="1" dirty="0">
-                <a:solidFill>
-                  <a:srgbClr val="660033"/>
-                </a:solidFill>
-                <a:latin typeface="微軟正黑體" pitchFamily="34" charset="-120"/>
-                <a:ea typeface="微軟正黑體" pitchFamily="34" charset="-120"/>
-              </a:rPr>
-              <a:t>袮</a:t>
-            </a:r>
-            <a:r>
-              <a:rPr lang="zh-TW" altLang="en-US" sz="4800" b="1" smtClean="0">
-                <a:solidFill>
-                  <a:srgbClr val="660033"/>
-                </a:solidFill>
-                <a:latin typeface="微軟正黑體" pitchFamily="34" charset="-120"/>
-                <a:ea typeface="微軟正黑體" pitchFamily="34" charset="-120"/>
-              </a:rPr>
-              <a:t>的</a:t>
-            </a:r>
-            <a:r>
-              <a:rPr lang="zh-TW" altLang="en-US" sz="4800" b="1" dirty="0" smtClean="0">
-                <a:solidFill>
-                  <a:srgbClr val="660033"/>
-                </a:solidFill>
-                <a:latin typeface="微軟正黑體" pitchFamily="34" charset="-120"/>
-                <a:ea typeface="微軟正黑體" pitchFamily="34" charset="-120"/>
-              </a:rPr>
-              <a:t>誠實上達到穹蒼</a:t>
-            </a:r>
-            <a:endParaRPr lang="en-US" sz="4800" b="1" dirty="0">
-              <a:solidFill>
-                <a:srgbClr val="660033"/>
-              </a:solidFill>
-              <a:latin typeface="微軟正黑體" pitchFamily="34" charset="-120"/>
-              <a:ea typeface="微軟正黑體" pitchFamily="34" charset="-120"/>
-            </a:endParaRPr>
-          </a:p>
         </p:txBody>
       </p:sp>
     </p:spTree>
+    <p:extLst>
+      <p:ext uri="{BB962C8B-B14F-4D97-AF65-F5344CB8AC3E}">
+        <p14:creationId xmlns:p14="http://schemas.microsoft.com/office/powerpoint/2010/main" val="1998479466"/>
+      </p:ext>
+    </p:extLst>
   </p:cSld>
   <p:clrMapOvr>
     <a:masterClrMapping/>
   </p:clrMapOvr>
-  <p:timing>
-    <p:tnLst>
-      <p:par>
-        <p:cTn id="1" dur="indefinite" restart="never" nodeType="tmRoot"/>
-      </p:par>
-    </p:tnLst>
-  </p:timing>
 </p:sld>
 </file>
 
@@ -5861,32 +8123,7 @@
       </p:grpSpPr>
       <p:sp>
         <p:nvSpPr>
-          <p:cNvPr id="2" name="標題 1"/>
-          <p:cNvSpPr>
-            <a:spLocks noGrp="1"/>
-          </p:cNvSpPr>
-          <p:nvPr>
-            <p:ph type="title"/>
-          </p:nvPr>
-        </p:nvSpPr>
-        <p:spPr/>
-        <p:txBody>
-          <a:bodyPr/>
-          <a:lstStyle/>
-          <a:p>
-            <a:r>
-              <a:rPr lang="zh-TW" altLang="en-US" b="1" dirty="0">
-                <a:latin typeface="微軟正黑體" pitchFamily="34" charset="-120"/>
-                <a:ea typeface="微軟正黑體" pitchFamily="34" charset="-120"/>
-              </a:rPr>
-              <a:t>我以禱告來到你跟前</a:t>
-            </a:r>
-          </a:p>
-        </p:txBody>
-      </p:sp>
-      <p:sp>
-        <p:nvSpPr>
-          <p:cNvPr id="3" name="內容版面配置區 2"/>
+          <p:cNvPr id="5" name="內容版面配置區 4"/>
           <p:cNvSpPr>
             <a:spLocks noGrp="1"/>
           </p:cNvSpPr>
@@ -5894,9 +8131,14 @@
             <p:ph idx="1"/>
           </p:nvPr>
         </p:nvSpPr>
-        <p:spPr/>
-        <p:txBody>
-          <a:bodyPr>
+        <p:spPr>
+          <a:xfrm>
+            <a:off x="0" y="2084853"/>
+            <a:ext cx="12192000" cy="2404863"/>
+          </a:xfrm>
+        </p:spPr>
+        <p:txBody>
+          <a:bodyPr anchor="ctr">
             <a:normAutofit/>
           </a:bodyPr>
           <a:lstStyle/>
@@ -5905,20 +8147,19 @@
               <a:buNone/>
             </a:pPr>
             <a:r>
-              <a:rPr lang="zh-TW" altLang="en-US" sz="5400" b="1" dirty="0">
-                <a:latin typeface="微軟正黑體" pitchFamily="34" charset="-120"/>
-                <a:ea typeface="微軟正黑體" pitchFamily="34" charset="-120"/>
-              </a:rPr>
-              <a:t>我以禱告來到你</a:t>
-            </a:r>
-            <a:r>
-              <a:rPr lang="zh-TW" altLang="en-US" sz="5400" b="1" dirty="0" smtClean="0">
-                <a:latin typeface="微軟正黑體" pitchFamily="34" charset="-120"/>
-                <a:ea typeface="微軟正黑體" pitchFamily="34" charset="-120"/>
-              </a:rPr>
-              <a:t>跟前</a:t>
-            </a:r>
-            <a:endParaRPr lang="en-US" altLang="zh-TW" sz="5400" b="1" dirty="0" smtClean="0">
+              <a:rPr lang="zh-TW" altLang="en-US" sz="6400" b="1" dirty="0">
+                <a:solidFill>
+                  <a:srgbClr val="660033"/>
+                </a:solidFill>
+                <a:latin typeface="微軟正黑體" pitchFamily="34" charset="-120"/>
+                <a:ea typeface="微軟正黑體" pitchFamily="34" charset="-120"/>
+              </a:rPr>
+              <a:t>哈利路亞  哈利路亞</a:t>
+            </a:r>
+            <a:endParaRPr lang="en-US" altLang="zh-TW" sz="6400" b="1" dirty="0">
+              <a:solidFill>
+                <a:srgbClr val="660033"/>
+              </a:solidFill>
               <a:latin typeface="微軟正黑體" pitchFamily="34" charset="-120"/>
               <a:ea typeface="微軟正黑體" pitchFamily="34" charset="-120"/>
             </a:endParaRPr>
@@ -5928,105 +8169,107 @@
               <a:buNone/>
             </a:pPr>
             <a:r>
-              <a:rPr lang="zh-TW" altLang="en-US" sz="5400" b="1" dirty="0" smtClean="0">
-                <a:latin typeface="微軟正黑體" pitchFamily="34" charset="-120"/>
-                <a:ea typeface="微軟正黑體" pitchFamily="34" charset="-120"/>
-              </a:rPr>
-              <a:t>我</a:t>
-            </a:r>
-            <a:r>
-              <a:rPr lang="zh-TW" altLang="en-US" sz="5400" b="1" dirty="0">
-                <a:latin typeface="微軟正黑體" pitchFamily="34" charset="-120"/>
-                <a:ea typeface="微軟正黑體" pitchFamily="34" charset="-120"/>
-              </a:rPr>
-              <a:t>要尋求</a:t>
-            </a:r>
-            <a:r>
-              <a:rPr lang="zh-TW" altLang="en-US" sz="5400" b="1" dirty="0" smtClean="0">
-                <a:latin typeface="微軟正黑體" pitchFamily="34" charset="-120"/>
-                <a:ea typeface="微軟正黑體" pitchFamily="34" charset="-120"/>
-              </a:rPr>
-              <a:t>你</a:t>
-            </a:r>
-            <a:endParaRPr lang="en-US" altLang="zh-TW" sz="5400" b="1" dirty="0">
+              <a:rPr lang="zh-CN" altLang="en-US" sz="6400" b="1" dirty="0">
+                <a:solidFill>
+                  <a:srgbClr val="660033"/>
+                </a:solidFill>
+                <a:latin typeface="微軟正黑體" pitchFamily="34" charset="-120"/>
+                <a:ea typeface="微軟正黑體" pitchFamily="34" charset="-120"/>
+              </a:rPr>
+              <a:t>袮</a:t>
+            </a:r>
+            <a:r>
+              <a:rPr lang="zh-TW" altLang="en-US" sz="6400" b="1" dirty="0">
+                <a:solidFill>
+                  <a:srgbClr val="660033"/>
+                </a:solidFill>
+                <a:latin typeface="微軟正黑體" pitchFamily="34" charset="-120"/>
+                <a:ea typeface="微軟正黑體" pitchFamily="34" charset="-120"/>
+              </a:rPr>
+              <a:t>的誠實上達到穹蒼</a:t>
+            </a:r>
+            <a:endParaRPr lang="en-US" sz="6400" b="1" dirty="0">
+              <a:solidFill>
+                <a:srgbClr val="660033"/>
+              </a:solidFill>
               <a:latin typeface="微軟正黑體" pitchFamily="34" charset="-120"/>
               <a:ea typeface="微軟正黑體" pitchFamily="34" charset="-120"/>
             </a:endParaRPr>
           </a:p>
-          <a:p>
-            <a:pPr algn="ctr">
-              <a:buNone/>
-            </a:pPr>
-            <a:r>
-              <a:rPr lang="zh-TW" altLang="en-US" sz="5400" b="1" dirty="0" smtClean="0">
-                <a:latin typeface="微軟正黑體" pitchFamily="34" charset="-120"/>
-                <a:ea typeface="微軟正黑體" pitchFamily="34" charset="-120"/>
-              </a:rPr>
-              <a:t>我</a:t>
-            </a:r>
-            <a:r>
-              <a:rPr lang="zh-TW" altLang="en-US" sz="5400" b="1" dirty="0">
-                <a:latin typeface="微軟正黑體" pitchFamily="34" charset="-120"/>
-                <a:ea typeface="微軟正黑體" pitchFamily="34" charset="-120"/>
-              </a:rPr>
-              <a:t>要站在破口</a:t>
-            </a:r>
-            <a:r>
-              <a:rPr lang="zh-TW" altLang="en-US" sz="5400" b="1" dirty="0" smtClean="0">
-                <a:latin typeface="微軟正黑體" pitchFamily="34" charset="-120"/>
-                <a:ea typeface="微軟正黑體" pitchFamily="34" charset="-120"/>
-              </a:rPr>
-              <a:t>之中</a:t>
-            </a:r>
-            <a:endParaRPr lang="en-US" altLang="zh-TW" sz="5400" b="1" dirty="0" smtClean="0">
-              <a:latin typeface="微軟正黑體" pitchFamily="34" charset="-120"/>
-              <a:ea typeface="微軟正黑體" pitchFamily="34" charset="-120"/>
+        </p:txBody>
+      </p:sp>
+      <p:sp>
+        <p:nvSpPr>
+          <p:cNvPr id="3" name="TextBox 2"/>
+          <p:cNvSpPr txBox="1"/>
+          <p:nvPr/>
+        </p:nvSpPr>
+        <p:spPr>
+          <a:xfrm>
+            <a:off x="0" y="5157193"/>
+            <a:ext cx="12192000" cy="748988"/>
+          </a:xfrm>
+          <a:prstGeom prst="rect">
+            <a:avLst/>
+          </a:prstGeom>
+          <a:noFill/>
+        </p:spPr>
+        <p:txBody>
+          <a:bodyPr wrap="square" rtlCol="0">
+            <a:spAutoFit/>
+          </a:bodyPr>
+          <a:lstStyle/>
+          <a:p>
+            <a:pPr algn="ctr"/>
+            <a:r>
+              <a:rPr lang="en-US" sz="4267" b="1" dirty="0">
+                <a:solidFill>
+                  <a:srgbClr val="660033"/>
+                </a:solidFill>
+                <a:latin typeface="Microsoft JhengHei" panose="020B0604030504040204" pitchFamily="34" charset="-120"/>
+                <a:ea typeface="Microsoft JhengHei" panose="020B0604030504040204" pitchFamily="34" charset="-120"/>
+              </a:rPr>
+              <a:t>( </a:t>
+            </a:r>
+            <a:r>
+              <a:rPr lang="zh-CN" altLang="en-US" sz="4267" b="1" dirty="0">
+                <a:solidFill>
+                  <a:srgbClr val="660033"/>
+                </a:solidFill>
+                <a:latin typeface="Microsoft JhengHei" panose="020B0604030504040204" pitchFamily="34" charset="-120"/>
+                <a:ea typeface="Microsoft JhengHei" panose="020B0604030504040204" pitchFamily="34" charset="-120"/>
+              </a:rPr>
+              <a:t>副</a:t>
+            </a:r>
+            <a:r>
+              <a:rPr lang="en-US" sz="4267" b="1" dirty="0">
+                <a:solidFill>
+                  <a:srgbClr val="660033"/>
+                </a:solidFill>
+                <a:latin typeface="Microsoft JhengHei" panose="020B0604030504040204" pitchFamily="34" charset="-120"/>
+                <a:ea typeface="Microsoft JhengHei" panose="020B0604030504040204" pitchFamily="34" charset="-120"/>
+              </a:rPr>
+              <a:t> )</a:t>
+            </a:r>
+            <a:endParaRPr lang="vi-VN" sz="4267" b="1" dirty="0">
+              <a:solidFill>
+                <a:srgbClr val="660033"/>
+              </a:solidFill>
+              <a:ea typeface="Microsoft JhengHei" panose="020B0604030504040204" pitchFamily="34" charset="-120"/>
             </a:endParaRPr>
           </a:p>
-          <a:p>
-            <a:pPr algn="ctr">
-              <a:buNone/>
-            </a:pPr>
-            <a:r>
-              <a:rPr lang="zh-TW" altLang="en-US" sz="5400" b="1" dirty="0" smtClean="0">
-                <a:latin typeface="微軟正黑體" pitchFamily="34" charset="-120"/>
-                <a:ea typeface="微軟正黑體" pitchFamily="34" charset="-120"/>
-              </a:rPr>
-              <a:t>在</a:t>
-            </a:r>
-            <a:r>
-              <a:rPr lang="zh-TW" altLang="en-US" sz="5400" b="1" dirty="0">
-                <a:latin typeface="微軟正黑體" pitchFamily="34" charset="-120"/>
-                <a:ea typeface="微軟正黑體" pitchFamily="34" charset="-120"/>
-              </a:rPr>
-              <a:t>那裡我</a:t>
-            </a:r>
-            <a:r>
-              <a:rPr lang="zh-TW" altLang="en-US" sz="5400" b="1" dirty="0" smtClean="0">
-                <a:latin typeface="微軟正黑體" pitchFamily="34" charset="-120"/>
-                <a:ea typeface="微軟正黑體" pitchFamily="34" charset="-120"/>
-              </a:rPr>
-              <a:t>尋求你</a:t>
-            </a:r>
-            <a:endParaRPr lang="zh-TW" altLang="en-US" sz="5400" b="1" dirty="0">
-              <a:latin typeface="微軟正黑體" pitchFamily="34" charset="-120"/>
-              <a:ea typeface="微軟正黑體" pitchFamily="34" charset="-120"/>
-            </a:endParaRPr>
-          </a:p>
         </p:txBody>
       </p:sp>
     </p:spTree>
+    <p:extLst>
+      <p:ext uri="{BB962C8B-B14F-4D97-AF65-F5344CB8AC3E}">
+        <p14:creationId xmlns:p14="http://schemas.microsoft.com/office/powerpoint/2010/main" val="1085906032"/>
+      </p:ext>
+    </p:extLst>
   </p:cSld>
   <p:clrMapOvr>
     <a:masterClrMapping/>
   </p:clrMapOvr>
-  <p:timing>
-    <p:tnLst>
-      <p:par>
-        <p:cTn id="1" dur="indefinite" restart="never" nodeType="tmRoot"/>
-      </p:par>
-    </p:tnLst>
-  </p:timing>
 </p:sld>
 </file>
 
@@ -6049,32 +8292,7 @@
       </p:grpSpPr>
       <p:sp>
         <p:nvSpPr>
-          <p:cNvPr id="2" name="標題 1"/>
-          <p:cNvSpPr>
-            <a:spLocks noGrp="1"/>
-          </p:cNvSpPr>
-          <p:nvPr>
-            <p:ph type="title"/>
-          </p:nvPr>
-        </p:nvSpPr>
-        <p:spPr/>
-        <p:txBody>
-          <a:bodyPr/>
-          <a:lstStyle/>
-          <a:p>
-            <a:r>
-              <a:rPr lang="zh-TW" altLang="en-US" b="1" dirty="0">
-                <a:latin typeface="微軟正黑體" pitchFamily="34" charset="-120"/>
-                <a:ea typeface="微軟正黑體" pitchFamily="34" charset="-120"/>
-              </a:rPr>
-              <a:t>我以禱告來到你跟前</a:t>
-            </a:r>
-          </a:p>
-        </p:txBody>
-      </p:sp>
-      <p:sp>
-        <p:nvSpPr>
-          <p:cNvPr id="3" name="內容版面配置區 2"/>
+          <p:cNvPr id="5" name="內容版面配置區 4"/>
           <p:cNvSpPr>
             <a:spLocks noGrp="1"/>
           </p:cNvSpPr>
@@ -6082,9 +8300,14 @@
             <p:ph idx="1"/>
           </p:nvPr>
         </p:nvSpPr>
-        <p:spPr/>
-        <p:txBody>
-          <a:bodyPr>
+        <p:spPr>
+          <a:xfrm>
+            <a:off x="0" y="2084853"/>
+            <a:ext cx="12192000" cy="2404863"/>
+          </a:xfrm>
+        </p:spPr>
+        <p:txBody>
+          <a:bodyPr anchor="ctr">
             <a:normAutofit/>
           </a:bodyPr>
           <a:lstStyle/>
@@ -6093,13 +8316,29 @@
               <a:buNone/>
             </a:pPr>
             <a:r>
-              <a:rPr lang="zh-TW" altLang="en-US" sz="5400" b="1" dirty="0">
-                <a:latin typeface="微軟正黑體" pitchFamily="34" charset="-120"/>
-                <a:ea typeface="微軟正黑體" pitchFamily="34" charset="-120"/>
-              </a:rPr>
-              <a:t>每一次我禱告</a:t>
-            </a:r>
-            <a:endParaRPr lang="en-US" altLang="zh-TW" sz="5400" b="1" dirty="0">
+              <a:rPr lang="zh-TW" altLang="en-US" sz="6400" b="1" dirty="0">
+                <a:solidFill>
+                  <a:srgbClr val="660033"/>
+                </a:solidFill>
+                <a:latin typeface="微軟正黑體" pitchFamily="34" charset="-120"/>
+                <a:ea typeface="微軟正黑體" pitchFamily="34" charset="-120"/>
+              </a:rPr>
+              <a:t>我要在萬民中稱謝</a:t>
+            </a:r>
+            <a:r>
+              <a:rPr lang="zh-CN" altLang="en-US" sz="6400" b="1" dirty="0">
+                <a:solidFill>
+                  <a:srgbClr val="660033"/>
+                </a:solidFill>
+                <a:latin typeface="微軟正黑體" pitchFamily="34" charset="-120"/>
+                <a:ea typeface="微軟正黑體" pitchFamily="34" charset="-120"/>
+              </a:rPr>
+              <a:t>袮</a:t>
+            </a:r>
+            <a:endParaRPr lang="en-US" altLang="zh-TW" sz="6400" b="1" dirty="0">
+              <a:solidFill>
+                <a:srgbClr val="660033"/>
+              </a:solidFill>
               <a:latin typeface="微軟正黑體" pitchFamily="34" charset="-120"/>
               <a:ea typeface="微軟正黑體" pitchFamily="34" charset="-120"/>
             </a:endParaRPr>
@@ -6109,43 +8348,107 @@
               <a:buNone/>
             </a:pPr>
             <a:r>
-              <a:rPr lang="zh-TW" altLang="en-US" sz="5400" b="1" dirty="0">
-                <a:latin typeface="微軟正黑體" pitchFamily="34" charset="-120"/>
-                <a:ea typeface="微軟正黑體" pitchFamily="34" charset="-120"/>
-              </a:rPr>
-              <a:t>我搖動你的手</a:t>
-            </a:r>
-            <a:endParaRPr lang="en-US" altLang="zh-TW" sz="5400" b="1" dirty="0">
+              <a:rPr lang="zh-TW" altLang="en-US" sz="6400" b="1" dirty="0">
+                <a:solidFill>
+                  <a:srgbClr val="660033"/>
+                </a:solidFill>
+                <a:latin typeface="微軟正黑體" pitchFamily="34" charset="-120"/>
+                <a:ea typeface="微軟正黑體" pitchFamily="34" charset="-120"/>
+              </a:rPr>
+              <a:t>我要在列邦中歌頌</a:t>
+            </a:r>
+            <a:r>
+              <a:rPr lang="zh-CN" altLang="en-US" sz="6400" b="1" dirty="0">
+                <a:solidFill>
+                  <a:srgbClr val="660033"/>
+                </a:solidFill>
+                <a:latin typeface="微軟正黑體" pitchFamily="34" charset="-120"/>
+                <a:ea typeface="微軟正黑體" pitchFamily="34" charset="-120"/>
+              </a:rPr>
+              <a:t>袮</a:t>
+            </a:r>
+            <a:endParaRPr lang="en-US" altLang="zh-TW" sz="6400" b="1" dirty="0">
+              <a:solidFill>
+                <a:srgbClr val="660033"/>
+              </a:solidFill>
               <a:latin typeface="微軟正黑體" pitchFamily="34" charset="-120"/>
               <a:ea typeface="微軟正黑體" pitchFamily="34" charset="-120"/>
             </a:endParaRPr>
           </a:p>
-          <a:p>
-            <a:pPr algn="ctr">
-              <a:buNone/>
-            </a:pPr>
-            <a:r>
-              <a:rPr lang="zh-TW" altLang="en-US" sz="5400" b="1" dirty="0">
-                <a:latin typeface="微軟正黑體" pitchFamily="34" charset="-120"/>
-                <a:ea typeface="微軟正黑體" pitchFamily="34" charset="-120"/>
-              </a:rPr>
-              <a:t>禱告做的事我的手不能做</a:t>
-            </a:r>
+        </p:txBody>
+      </p:sp>
+      <p:sp>
+        <p:nvSpPr>
+          <p:cNvPr id="3" name="TextBox 2"/>
+          <p:cNvSpPr txBox="1"/>
+          <p:nvPr/>
+        </p:nvSpPr>
+        <p:spPr>
+          <a:xfrm>
+            <a:off x="0" y="5157193"/>
+            <a:ext cx="12192000" cy="748988"/>
+          </a:xfrm>
+          <a:prstGeom prst="rect">
+            <a:avLst/>
+          </a:prstGeom>
+          <a:noFill/>
+        </p:spPr>
+        <p:txBody>
+          <a:bodyPr wrap="square" rtlCol="0">
+            <a:spAutoFit/>
+          </a:bodyPr>
+          <a:lstStyle/>
+          <a:p>
+            <a:pPr algn="ctr"/>
+            <a:r>
+              <a:rPr lang="en-US" sz="4267" b="1" dirty="0">
+                <a:solidFill>
+                  <a:srgbClr val="660033"/>
+                </a:solidFill>
+                <a:latin typeface="Microsoft JhengHei" panose="020B0604030504040204" pitchFamily="34" charset="-120"/>
+                <a:ea typeface="Microsoft JhengHei" panose="020B0604030504040204" pitchFamily="34" charset="-120"/>
+              </a:rPr>
+              <a:t>( </a:t>
+            </a:r>
+            <a:r>
+              <a:rPr lang="zh-CN" altLang="en-US" sz="4267" b="1" dirty="0">
+                <a:solidFill>
+                  <a:srgbClr val="660033"/>
+                </a:solidFill>
+                <a:latin typeface="Microsoft JhengHei" panose="020B0604030504040204" pitchFamily="34" charset="-120"/>
+                <a:ea typeface="Microsoft JhengHei" panose="020B0604030504040204" pitchFamily="34" charset="-120"/>
+              </a:rPr>
+              <a:t>正</a:t>
+            </a:r>
+            <a:r>
+              <a:rPr lang="en-US" sz="4267" b="1" dirty="0">
+                <a:solidFill>
+                  <a:srgbClr val="660033"/>
+                </a:solidFill>
+                <a:latin typeface="Microsoft JhengHei" panose="020B0604030504040204" pitchFamily="34" charset="-120"/>
+                <a:ea typeface="Microsoft JhengHei" panose="020B0604030504040204" pitchFamily="34" charset="-120"/>
+              </a:rPr>
+              <a:t> )</a:t>
+            </a:r>
+            <a:endParaRPr lang="vi-VN" sz="4267" b="1" dirty="0">
+              <a:solidFill>
+                <a:srgbClr val="660033"/>
+              </a:solidFill>
+              <a:ea typeface="Microsoft JhengHei" panose="020B0604030504040204" pitchFamily="34" charset="-120"/>
+            </a:endParaRPr>
           </a:p>
         </p:txBody>
       </p:sp>
     </p:spTree>
+    <p:extLst>
+      <p:ext uri="{BB962C8B-B14F-4D97-AF65-F5344CB8AC3E}">
+        <p14:creationId xmlns:p14="http://schemas.microsoft.com/office/powerpoint/2010/main" val="1802115160"/>
+      </p:ext>
+    </p:extLst>
   </p:cSld>
   <p:clrMapOvr>
     <a:masterClrMapping/>
   </p:clrMapOvr>
-  <p:timing>
-    <p:tnLst>
-      <p:par>
-        <p:cTn id="1" dur="indefinite" restart="never" nodeType="tmRoot"/>
-      </p:par>
-    </p:tnLst>
-  </p:timing>
 </p:sld>
 </file>
 

--- a/2022/7月/07072022.pptx
+++ b/2022/7月/07072022.pptx
@@ -22,7 +22,7 @@
     <p:sldId id="270" r:id="rId16"/>
     <p:sldId id="272" r:id="rId17"/>
   </p:sldIdLst>
-  <p:sldSz cx="9144000" cy="6858000" type="screen4x3"/>
+  <p:sldSz cx="9144000" cy="5143500" type="screen16x9"/>
   <p:notesSz cx="6858000" cy="9144000"/>
   <p:defaultTextStyle>
     <a:defPPr>
@@ -151,8 +151,8 @@
         </p:nvSpPr>
         <p:spPr>
           <a:xfrm>
-            <a:off x="685800" y="2130425"/>
-            <a:ext cx="7772400" cy="1470025"/>
+            <a:off x="685800" y="1597819"/>
+            <a:ext cx="7772400" cy="1102519"/>
           </a:xfrm>
         </p:spPr>
         <p:txBody>
@@ -179,8 +179,8 @@
         </p:nvSpPr>
         <p:spPr>
           <a:xfrm>
-            <a:off x="1371600" y="3886200"/>
-            <a:ext cx="6400800" cy="1752600"/>
+            <a:off x="1371600" y="2914650"/>
+            <a:ext cx="6400800" cy="1314450"/>
           </a:xfrm>
         </p:spPr>
         <p:txBody>
@@ -303,7 +303,8 @@
           <a:p>
             <a:fld id="{5A80805E-1030-4D3C-8484-5F78309864D0}" type="datetimeFigureOut">
               <a:rPr lang="zh-TW" altLang="en-US" smtClean="0"/>
-              <a:t>2022/7/5</a:t>
+              <a:pPr/>
+              <a:t>2022/7/7</a:t>
             </a:fld>
             <a:endParaRPr lang="zh-TW" altLang="en-US"/>
           </a:p>
@@ -345,6 +346,7 @@
           <a:p>
             <a:fld id="{125E1696-DBFA-4EDA-905E-840BB6C37EAF}" type="slidenum">
               <a:rPr lang="zh-TW" altLang="en-US" smtClean="0"/>
+              <a:pPr/>
               <a:t>‹#›</a:t>
             </a:fld>
             <a:endParaRPr lang="zh-TW" altLang="en-US"/>
@@ -468,7 +470,8 @@
           <a:p>
             <a:fld id="{5A80805E-1030-4D3C-8484-5F78309864D0}" type="datetimeFigureOut">
               <a:rPr lang="zh-TW" altLang="en-US" smtClean="0"/>
-              <a:t>2022/7/5</a:t>
+              <a:pPr/>
+              <a:t>2022/7/7</a:t>
             </a:fld>
             <a:endParaRPr lang="zh-TW" altLang="en-US"/>
           </a:p>
@@ -510,6 +513,7 @@
           <a:p>
             <a:fld id="{125E1696-DBFA-4EDA-905E-840BB6C37EAF}" type="slidenum">
               <a:rPr lang="zh-TW" altLang="en-US" smtClean="0"/>
+              <a:pPr/>
               <a:t>‹#›</a:t>
             </a:fld>
             <a:endParaRPr lang="zh-TW" altLang="en-US"/>
@@ -553,8 +557,8 @@
         </p:nvSpPr>
         <p:spPr>
           <a:xfrm>
-            <a:off x="6629400" y="274638"/>
-            <a:ext cx="2057400" cy="5851525"/>
+            <a:off x="6629400" y="205979"/>
+            <a:ext cx="2057400" cy="4388644"/>
           </a:xfrm>
         </p:spPr>
         <p:txBody>
@@ -581,8 +585,8 @@
         </p:nvSpPr>
         <p:spPr>
           <a:xfrm>
-            <a:off x="457200" y="274638"/>
-            <a:ext cx="6019800" cy="5851525"/>
+            <a:off x="457200" y="205979"/>
+            <a:ext cx="6019800" cy="4388644"/>
           </a:xfrm>
         </p:spPr>
         <p:txBody>
@@ -643,7 +647,8 @@
           <a:p>
             <a:fld id="{5A80805E-1030-4D3C-8484-5F78309864D0}" type="datetimeFigureOut">
               <a:rPr lang="zh-TW" altLang="en-US" smtClean="0"/>
-              <a:t>2022/7/5</a:t>
+              <a:pPr/>
+              <a:t>2022/7/7</a:t>
             </a:fld>
             <a:endParaRPr lang="zh-TW" altLang="en-US"/>
           </a:p>
@@ -685,6 +690,7 @@
           <a:p>
             <a:fld id="{125E1696-DBFA-4EDA-905E-840BB6C37EAF}" type="slidenum">
               <a:rPr lang="zh-TW" altLang="en-US" smtClean="0"/>
+              <a:pPr/>
               <a:t>‹#›</a:t>
             </a:fld>
             <a:endParaRPr lang="zh-TW" altLang="en-US"/>
@@ -808,7 +814,8 @@
           <a:p>
             <a:fld id="{5A80805E-1030-4D3C-8484-5F78309864D0}" type="datetimeFigureOut">
               <a:rPr lang="zh-TW" altLang="en-US" smtClean="0"/>
-              <a:t>2022/7/5</a:t>
+              <a:pPr/>
+              <a:t>2022/7/7</a:t>
             </a:fld>
             <a:endParaRPr lang="zh-TW" altLang="en-US"/>
           </a:p>
@@ -850,6 +857,7 @@
           <a:p>
             <a:fld id="{125E1696-DBFA-4EDA-905E-840BB6C37EAF}" type="slidenum">
               <a:rPr lang="zh-TW" altLang="en-US" smtClean="0"/>
+              <a:pPr/>
               <a:t>‹#›</a:t>
             </a:fld>
             <a:endParaRPr lang="zh-TW" altLang="en-US"/>
@@ -893,8 +901,8 @@
         </p:nvSpPr>
         <p:spPr>
           <a:xfrm>
-            <a:off x="722313" y="4406900"/>
-            <a:ext cx="7772400" cy="1362075"/>
+            <a:off x="722313" y="3305176"/>
+            <a:ext cx="7772400" cy="1021556"/>
           </a:xfrm>
         </p:spPr>
         <p:txBody>
@@ -925,8 +933,8 @@
         </p:nvSpPr>
         <p:spPr>
           <a:xfrm>
-            <a:off x="722313" y="2906713"/>
-            <a:ext cx="7772400" cy="1500187"/>
+            <a:off x="722313" y="2180035"/>
+            <a:ext cx="7772400" cy="1125140"/>
           </a:xfrm>
         </p:spPr>
         <p:txBody>
@@ -1049,7 +1057,8 @@
           <a:p>
             <a:fld id="{5A80805E-1030-4D3C-8484-5F78309864D0}" type="datetimeFigureOut">
               <a:rPr lang="zh-TW" altLang="en-US" smtClean="0"/>
-              <a:t>2022/7/5</a:t>
+              <a:pPr/>
+              <a:t>2022/7/7</a:t>
             </a:fld>
             <a:endParaRPr lang="zh-TW" altLang="en-US"/>
           </a:p>
@@ -1091,6 +1100,7 @@
           <a:p>
             <a:fld id="{125E1696-DBFA-4EDA-905E-840BB6C37EAF}" type="slidenum">
               <a:rPr lang="zh-TW" altLang="en-US" smtClean="0"/>
+              <a:pPr/>
               <a:t>‹#›</a:t>
             </a:fld>
             <a:endParaRPr lang="zh-TW" altLang="en-US"/>
@@ -1157,8 +1167,8 @@
         </p:nvSpPr>
         <p:spPr>
           <a:xfrm>
-            <a:off x="457200" y="1600200"/>
-            <a:ext cx="4038600" cy="4525963"/>
+            <a:off x="457200" y="1200151"/>
+            <a:ext cx="4038600" cy="3394472"/>
           </a:xfrm>
         </p:spPr>
         <p:txBody>
@@ -1242,8 +1252,8 @@
         </p:nvSpPr>
         <p:spPr>
           <a:xfrm>
-            <a:off x="4648200" y="1600200"/>
-            <a:ext cx="4038600" cy="4525963"/>
+            <a:off x="4648200" y="1200151"/>
+            <a:ext cx="4038600" cy="3394472"/>
           </a:xfrm>
         </p:spPr>
         <p:txBody>
@@ -1332,7 +1342,8 @@
           <a:p>
             <a:fld id="{5A80805E-1030-4D3C-8484-5F78309864D0}" type="datetimeFigureOut">
               <a:rPr lang="zh-TW" altLang="en-US" smtClean="0"/>
-              <a:t>2022/7/5</a:t>
+              <a:pPr/>
+              <a:t>2022/7/7</a:t>
             </a:fld>
             <a:endParaRPr lang="zh-TW" altLang="en-US"/>
           </a:p>
@@ -1374,6 +1385,7 @@
           <a:p>
             <a:fld id="{125E1696-DBFA-4EDA-905E-840BB6C37EAF}" type="slidenum">
               <a:rPr lang="zh-TW" altLang="en-US" smtClean="0"/>
+              <a:pPr/>
               <a:t>‹#›</a:t>
             </a:fld>
             <a:endParaRPr lang="zh-TW" altLang="en-US"/>
@@ -1444,8 +1456,8 @@
         </p:nvSpPr>
         <p:spPr>
           <a:xfrm>
-            <a:off x="457200" y="1535113"/>
-            <a:ext cx="4040188" cy="639762"/>
+            <a:off x="457200" y="1151335"/>
+            <a:ext cx="4040188" cy="479822"/>
           </a:xfrm>
         </p:spPr>
         <p:txBody>
@@ -1509,8 +1521,8 @@
         </p:nvSpPr>
         <p:spPr>
           <a:xfrm>
-            <a:off x="457200" y="2174875"/>
-            <a:ext cx="4040188" cy="3951288"/>
+            <a:off x="457200" y="1631156"/>
+            <a:ext cx="4040188" cy="2963466"/>
           </a:xfrm>
         </p:spPr>
         <p:txBody>
@@ -1594,8 +1606,8 @@
         </p:nvSpPr>
         <p:spPr>
           <a:xfrm>
-            <a:off x="4645025" y="1535113"/>
-            <a:ext cx="4041775" cy="639762"/>
+            <a:off x="4645026" y="1151335"/>
+            <a:ext cx="4041775" cy="479822"/>
           </a:xfrm>
         </p:spPr>
         <p:txBody>
@@ -1659,8 +1671,8 @@
         </p:nvSpPr>
         <p:spPr>
           <a:xfrm>
-            <a:off x="4645025" y="2174875"/>
-            <a:ext cx="4041775" cy="3951288"/>
+            <a:off x="4645026" y="1631156"/>
+            <a:ext cx="4041775" cy="2963466"/>
           </a:xfrm>
         </p:spPr>
         <p:txBody>
@@ -1749,7 +1761,8 @@
           <a:p>
             <a:fld id="{5A80805E-1030-4D3C-8484-5F78309864D0}" type="datetimeFigureOut">
               <a:rPr lang="zh-TW" altLang="en-US" smtClean="0"/>
-              <a:t>2022/7/5</a:t>
+              <a:pPr/>
+              <a:t>2022/7/7</a:t>
             </a:fld>
             <a:endParaRPr lang="zh-TW" altLang="en-US"/>
           </a:p>
@@ -1791,6 +1804,7 @@
           <a:p>
             <a:fld id="{125E1696-DBFA-4EDA-905E-840BB6C37EAF}" type="slidenum">
               <a:rPr lang="zh-TW" altLang="en-US" smtClean="0"/>
+              <a:pPr/>
               <a:t>‹#›</a:t>
             </a:fld>
             <a:endParaRPr lang="zh-TW" altLang="en-US"/>
@@ -1862,7 +1876,8 @@
           <a:p>
             <a:fld id="{5A80805E-1030-4D3C-8484-5F78309864D0}" type="datetimeFigureOut">
               <a:rPr lang="zh-TW" altLang="en-US" smtClean="0"/>
-              <a:t>2022/7/5</a:t>
+              <a:pPr/>
+              <a:t>2022/7/7</a:t>
             </a:fld>
             <a:endParaRPr lang="zh-TW" altLang="en-US"/>
           </a:p>
@@ -1904,6 +1919,7 @@
           <a:p>
             <a:fld id="{125E1696-DBFA-4EDA-905E-840BB6C37EAF}" type="slidenum">
               <a:rPr lang="zh-TW" altLang="en-US" smtClean="0"/>
+              <a:pPr/>
               <a:t>‹#›</a:t>
             </a:fld>
             <a:endParaRPr lang="zh-TW" altLang="en-US"/>
@@ -1952,7 +1968,8 @@
           <a:p>
             <a:fld id="{5A80805E-1030-4D3C-8484-5F78309864D0}" type="datetimeFigureOut">
               <a:rPr lang="zh-TW" altLang="en-US" smtClean="0"/>
-              <a:t>2022/7/5</a:t>
+              <a:pPr/>
+              <a:t>2022/7/7</a:t>
             </a:fld>
             <a:endParaRPr lang="zh-TW" altLang="en-US"/>
           </a:p>
@@ -1994,6 +2011,7 @@
           <a:p>
             <a:fld id="{125E1696-DBFA-4EDA-905E-840BB6C37EAF}" type="slidenum">
               <a:rPr lang="zh-TW" altLang="en-US" smtClean="0"/>
+              <a:pPr/>
               <a:t>‹#›</a:t>
             </a:fld>
             <a:endParaRPr lang="zh-TW" altLang="en-US"/>
@@ -2037,8 +2055,8 @@
         </p:nvSpPr>
         <p:spPr>
           <a:xfrm>
-            <a:off x="457200" y="273050"/>
-            <a:ext cx="3008313" cy="1162050"/>
+            <a:off x="457201" y="204787"/>
+            <a:ext cx="3008313" cy="871538"/>
           </a:xfrm>
         </p:spPr>
         <p:txBody>
@@ -2069,8 +2087,8 @@
         </p:nvSpPr>
         <p:spPr>
           <a:xfrm>
-            <a:off x="3575050" y="273050"/>
-            <a:ext cx="5111750" cy="5853113"/>
+            <a:off x="3575050" y="204788"/>
+            <a:ext cx="5111750" cy="4389835"/>
           </a:xfrm>
         </p:spPr>
         <p:txBody>
@@ -2154,8 +2172,8 @@
         </p:nvSpPr>
         <p:spPr>
           <a:xfrm>
-            <a:off x="457200" y="1435100"/>
-            <a:ext cx="3008313" cy="4691063"/>
+            <a:off x="457201" y="1076326"/>
+            <a:ext cx="3008313" cy="3518297"/>
           </a:xfrm>
         </p:spPr>
         <p:txBody>
@@ -2224,7 +2242,8 @@
           <a:p>
             <a:fld id="{5A80805E-1030-4D3C-8484-5F78309864D0}" type="datetimeFigureOut">
               <a:rPr lang="zh-TW" altLang="en-US" smtClean="0"/>
-              <a:t>2022/7/5</a:t>
+              <a:pPr/>
+              <a:t>2022/7/7</a:t>
             </a:fld>
             <a:endParaRPr lang="zh-TW" altLang="en-US"/>
           </a:p>
@@ -2266,6 +2285,7 @@
           <a:p>
             <a:fld id="{125E1696-DBFA-4EDA-905E-840BB6C37EAF}" type="slidenum">
               <a:rPr lang="zh-TW" altLang="en-US" smtClean="0"/>
+              <a:pPr/>
               <a:t>‹#›</a:t>
             </a:fld>
             <a:endParaRPr lang="zh-TW" altLang="en-US"/>
@@ -2309,8 +2329,8 @@
         </p:nvSpPr>
         <p:spPr>
           <a:xfrm>
-            <a:off x="1792288" y="4800600"/>
-            <a:ext cx="5486400" cy="566738"/>
+            <a:off x="1792288" y="3600450"/>
+            <a:ext cx="5486400" cy="425054"/>
           </a:xfrm>
         </p:spPr>
         <p:txBody>
@@ -2341,8 +2361,8 @@
         </p:nvSpPr>
         <p:spPr>
           <a:xfrm>
-            <a:off x="1792288" y="612775"/>
-            <a:ext cx="5486400" cy="4114800"/>
+            <a:off x="1792288" y="459581"/>
+            <a:ext cx="5486400" cy="3086100"/>
           </a:xfrm>
         </p:spPr>
         <p:txBody>
@@ -2406,8 +2426,8 @@
         </p:nvSpPr>
         <p:spPr>
           <a:xfrm>
-            <a:off x="1792288" y="5367338"/>
-            <a:ext cx="5486400" cy="804862"/>
+            <a:off x="1792288" y="4025503"/>
+            <a:ext cx="5486400" cy="603647"/>
           </a:xfrm>
         </p:spPr>
         <p:txBody>
@@ -2476,7 +2496,8 @@
           <a:p>
             <a:fld id="{5A80805E-1030-4D3C-8484-5F78309864D0}" type="datetimeFigureOut">
               <a:rPr lang="zh-TW" altLang="en-US" smtClean="0"/>
-              <a:t>2022/7/5</a:t>
+              <a:pPr/>
+              <a:t>2022/7/7</a:t>
             </a:fld>
             <a:endParaRPr lang="zh-TW" altLang="en-US"/>
           </a:p>
@@ -2518,6 +2539,7 @@
           <a:p>
             <a:fld id="{125E1696-DBFA-4EDA-905E-840BB6C37EAF}" type="slidenum">
               <a:rPr lang="zh-TW" altLang="en-US" smtClean="0"/>
+              <a:pPr/>
               <a:t>‹#›</a:t>
             </a:fld>
             <a:endParaRPr lang="zh-TW" altLang="en-US"/>
@@ -2571,8 +2593,8 @@
         </p:nvSpPr>
         <p:spPr>
           <a:xfrm>
-            <a:off x="457200" y="274638"/>
-            <a:ext cx="8229600" cy="1143000"/>
+            <a:off x="457200" y="205978"/>
+            <a:ext cx="8229600" cy="857250"/>
           </a:xfrm>
           <a:prstGeom prst="rect">
             <a:avLst/>
@@ -2604,8 +2626,8 @@
         </p:nvSpPr>
         <p:spPr>
           <a:xfrm>
-            <a:off x="457200" y="1600200"/>
-            <a:ext cx="8229600" cy="4525963"/>
+            <a:off x="457200" y="1200151"/>
+            <a:ext cx="8229600" cy="3394472"/>
           </a:xfrm>
           <a:prstGeom prst="rect">
             <a:avLst/>
@@ -2666,8 +2688,8 @@
         </p:nvSpPr>
         <p:spPr>
           <a:xfrm>
-            <a:off x="457200" y="6356350"/>
-            <a:ext cx="2133600" cy="365125"/>
+            <a:off x="457200" y="4767263"/>
+            <a:ext cx="2133600" cy="273844"/>
           </a:xfrm>
           <a:prstGeom prst="rect">
             <a:avLst/>
@@ -2689,7 +2711,8 @@
           <a:p>
             <a:fld id="{5A80805E-1030-4D3C-8484-5F78309864D0}" type="datetimeFigureOut">
               <a:rPr lang="zh-TW" altLang="en-US" smtClean="0"/>
-              <a:t>2022/7/5</a:t>
+              <a:pPr/>
+              <a:t>2022/7/7</a:t>
             </a:fld>
             <a:endParaRPr lang="zh-TW" altLang="en-US"/>
           </a:p>
@@ -2707,8 +2730,8 @@
         </p:nvSpPr>
         <p:spPr>
           <a:xfrm>
-            <a:off x="3124200" y="6356350"/>
-            <a:ext cx="2895600" cy="365125"/>
+            <a:off x="3124200" y="4767263"/>
+            <a:ext cx="2895600" cy="273844"/>
           </a:xfrm>
           <a:prstGeom prst="rect">
             <a:avLst/>
@@ -2744,8 +2767,8 @@
         </p:nvSpPr>
         <p:spPr>
           <a:xfrm>
-            <a:off x="6553200" y="6356350"/>
-            <a:ext cx="2133600" cy="365125"/>
+            <a:off x="6553200" y="4767263"/>
+            <a:ext cx="2133600" cy="273844"/>
           </a:xfrm>
           <a:prstGeom prst="rect">
             <a:avLst/>
@@ -2767,6 +2790,7 @@
           <a:p>
             <a:fld id="{125E1696-DBFA-4EDA-905E-840BB6C37EAF}" type="slidenum">
               <a:rPr lang="zh-TW" altLang="en-US" smtClean="0"/>
+              <a:pPr/>
               <a:t>‹#›</a:t>
             </a:fld>
             <a:endParaRPr lang="zh-TW" altLang="en-US"/>
@@ -3072,7 +3096,7 @@
         <p:spPr>
           <a:xfrm>
             <a:off x="457200" y="0"/>
-            <a:ext cx="8229600" cy="1143000"/>
+            <a:ext cx="8229600" cy="857250"/>
           </a:xfrm>
         </p:spPr>
         <p:txBody>
@@ -3113,8 +3137,8 @@
         </p:nvSpPr>
         <p:spPr>
           <a:xfrm>
-            <a:off x="0" y="1193800"/>
-            <a:ext cx="9144000" cy="5664200"/>
+            <a:off x="0" y="895350"/>
+            <a:ext cx="9144000" cy="4248150"/>
           </a:xfrm>
         </p:spPr>
         <p:txBody>
@@ -3426,7 +3450,7 @@
         <p:spPr/>
         <p:txBody>
           <a:bodyPr>
-            <a:normAutofit/>
+            <a:normAutofit fontScale="92500" lnSpcReduction="10000"/>
           </a:bodyPr>
           <a:lstStyle/>
           <a:p>
@@ -3561,7 +3585,7 @@
         <p:spPr/>
         <p:txBody>
           <a:bodyPr>
-            <a:normAutofit/>
+            <a:normAutofit fontScale="92500" lnSpcReduction="10000"/>
           </a:bodyPr>
           <a:lstStyle/>
           <a:p>
@@ -3815,7 +3839,7 @@
         <p:spPr/>
         <p:txBody>
           <a:bodyPr>
-            <a:normAutofit/>
+            <a:normAutofit fontScale="92500" lnSpcReduction="10000"/>
           </a:bodyPr>
           <a:lstStyle/>
           <a:p>
@@ -4069,7 +4093,7 @@
         <p:spPr/>
         <p:txBody>
           <a:bodyPr>
-            <a:normAutofit/>
+            <a:normAutofit fontScale="92500" lnSpcReduction="10000"/>
           </a:bodyPr>
           <a:lstStyle/>
           <a:p>
@@ -4204,7 +4228,7 @@
         <p:spPr/>
         <p:txBody>
           <a:bodyPr>
-            <a:normAutofit/>
+            <a:normAutofit fontScale="92500" lnSpcReduction="10000"/>
           </a:bodyPr>
           <a:lstStyle/>
           <a:p>
@@ -4314,7 +4338,7 @@
         <p:spPr>
           <a:xfrm>
             <a:off x="457200" y="0"/>
-            <a:ext cx="8229600" cy="1143000"/>
+            <a:ext cx="8229600" cy="857250"/>
           </a:xfrm>
         </p:spPr>
         <p:txBody>
@@ -4355,8 +4379,8 @@
         </p:nvSpPr>
         <p:spPr>
           <a:xfrm>
-            <a:off x="0" y="1193800"/>
-            <a:ext cx="9144000" cy="5664200"/>
+            <a:off x="0" y="895350"/>
+            <a:ext cx="9144000" cy="4248150"/>
           </a:xfrm>
         </p:spPr>
         <p:txBody>
@@ -4643,7 +4667,7 @@
         <p:spPr>
           <a:xfrm>
             <a:off x="457200" y="0"/>
-            <a:ext cx="8229600" cy="1143000"/>
+            <a:ext cx="8229600" cy="857250"/>
           </a:xfrm>
         </p:spPr>
         <p:txBody>
@@ -4694,8 +4718,8 @@
         </p:nvSpPr>
         <p:spPr>
           <a:xfrm>
-            <a:off x="457200" y="1397000"/>
-            <a:ext cx="8229600" cy="5029200"/>
+            <a:off x="457200" y="1047750"/>
+            <a:ext cx="8229600" cy="3771900"/>
           </a:xfrm>
         </p:spPr>
         <p:txBody>
@@ -4868,7 +4892,7 @@
         <p:spPr>
           <a:xfrm>
             <a:off x="457200" y="0"/>
-            <a:ext cx="8229600" cy="1143000"/>
+            <a:ext cx="8229600" cy="857250"/>
           </a:xfrm>
         </p:spPr>
         <p:txBody>
@@ -4909,8 +4933,8 @@
         </p:nvSpPr>
         <p:spPr>
           <a:xfrm>
-            <a:off x="0" y="1193800"/>
-            <a:ext cx="9144000" cy="5664200"/>
+            <a:off x="0" y="895350"/>
+            <a:ext cx="9144000" cy="4248150"/>
           </a:xfrm>
         </p:spPr>
         <p:txBody>
@@ -5197,7 +5221,7 @@
         <p:spPr>
           <a:xfrm>
             <a:off x="457200" y="0"/>
-            <a:ext cx="8229600" cy="1143000"/>
+            <a:ext cx="8229600" cy="857250"/>
           </a:xfrm>
         </p:spPr>
         <p:txBody>
@@ -5248,8 +5272,8 @@
         </p:nvSpPr>
         <p:spPr>
           <a:xfrm>
-            <a:off x="457200" y="1397000"/>
-            <a:ext cx="8229600" cy="5029200"/>
+            <a:off x="457200" y="1047750"/>
+            <a:ext cx="8229600" cy="3771900"/>
           </a:xfrm>
         </p:spPr>
         <p:txBody>
@@ -5422,7 +5446,7 @@
         <p:spPr>
           <a:xfrm>
             <a:off x="457200" y="0"/>
-            <a:ext cx="8229600" cy="1143000"/>
+            <a:ext cx="8229600" cy="857250"/>
           </a:xfrm>
         </p:spPr>
         <p:txBody>
@@ -5473,8 +5497,8 @@
         </p:nvSpPr>
         <p:spPr>
           <a:xfrm>
-            <a:off x="457200" y="1397000"/>
-            <a:ext cx="8229600" cy="5029200"/>
+            <a:off x="457200" y="1047750"/>
+            <a:ext cx="8229600" cy="3771900"/>
           </a:xfrm>
         </p:spPr>
         <p:txBody>
@@ -5647,7 +5671,7 @@
         <p:spPr>
           <a:xfrm>
             <a:off x="457200" y="0"/>
-            <a:ext cx="8229600" cy="1143000"/>
+            <a:ext cx="8229600" cy="857250"/>
           </a:xfrm>
         </p:spPr>
         <p:txBody>
@@ -5698,8 +5722,8 @@
         </p:nvSpPr>
         <p:spPr>
           <a:xfrm>
-            <a:off x="457200" y="1397000"/>
-            <a:ext cx="8229600" cy="5029200"/>
+            <a:off x="457200" y="1047750"/>
+            <a:ext cx="8229600" cy="3771900"/>
           </a:xfrm>
         </p:spPr>
         <p:txBody>
@@ -5897,7 +5921,7 @@
         <p:spPr/>
         <p:txBody>
           <a:bodyPr>
-            <a:normAutofit/>
+            <a:normAutofit fontScale="92500" lnSpcReduction="10000"/>
           </a:bodyPr>
           <a:lstStyle/>
           <a:p>

--- a/2022/7月/07072022.pptx
+++ b/2022/7月/07072022.pptx
@@ -3329,6 +3329,26 @@
               <a:t>的</a:t>
             </a:r>
             <a:r>
+              <a:rPr lang="zh-CN" altLang="en-US" sz="4800" b="1" dirty="0" smtClean="0">
+                <a:solidFill>
+                  <a:srgbClr val="660033"/>
+                </a:solidFill>
+                <a:latin typeface="微軟正黑體" pitchFamily="34" charset="-120"/>
+                <a:ea typeface="微軟正黑體" pitchFamily="34" charset="-120"/>
+              </a:rPr>
+              <a:t>信</a:t>
+            </a:r>
+            <a:r>
+              <a:rPr lang="zh-TW" altLang="en-US" sz="4800" b="1" dirty="0" smtClean="0">
+                <a:solidFill>
+                  <a:srgbClr val="660033"/>
+                </a:solidFill>
+                <a:latin typeface="微軟正黑體" pitchFamily="34" charset="-120"/>
+                <a:ea typeface="微軟正黑體" pitchFamily="34" charset="-120"/>
+              </a:rPr>
+              <a:t>實</a:t>
+            </a:r>
+            <a:r>
               <a:rPr lang="zh-TW" altLang="en-US" sz="4800" b="1" dirty="0">
                 <a:solidFill>
                   <a:srgbClr val="660033"/>
@@ -3336,7 +3356,7 @@
                 <a:latin typeface="微軟正黑體" pitchFamily="34" charset="-120"/>
                 <a:ea typeface="微軟正黑體" pitchFamily="34" charset="-120"/>
               </a:rPr>
-              <a:t>誠實上達穹</a:t>
+              <a:t>上達穹</a:t>
             </a:r>
             <a:r>
               <a:rPr lang="zh-TW" altLang="en-US" sz="4800" b="1" dirty="0" smtClean="0">
@@ -4571,6 +4591,26 @@
               <a:t>的</a:t>
             </a:r>
             <a:r>
+              <a:rPr lang="zh-CN" altLang="en-US" sz="4800" b="1" dirty="0" smtClean="0">
+                <a:solidFill>
+                  <a:srgbClr val="660033"/>
+                </a:solidFill>
+                <a:latin typeface="微軟正黑體" pitchFamily="34" charset="-120"/>
+                <a:ea typeface="微軟正黑體" pitchFamily="34" charset="-120"/>
+              </a:rPr>
+              <a:t>信</a:t>
+            </a:r>
+            <a:r>
+              <a:rPr lang="zh-TW" altLang="en-US" sz="4800" b="1" dirty="0" smtClean="0">
+                <a:solidFill>
+                  <a:srgbClr val="660033"/>
+                </a:solidFill>
+                <a:latin typeface="微軟正黑體" pitchFamily="34" charset="-120"/>
+                <a:ea typeface="微軟正黑體" pitchFamily="34" charset="-120"/>
+              </a:rPr>
+              <a:t>實</a:t>
+            </a:r>
+            <a:r>
               <a:rPr lang="zh-TW" altLang="en-US" sz="4800" b="1" dirty="0">
                 <a:solidFill>
                   <a:srgbClr val="660033"/>
@@ -4578,7 +4618,7 @@
                 <a:latin typeface="微軟正黑體" pitchFamily="34" charset="-120"/>
                 <a:ea typeface="微軟正黑體" pitchFamily="34" charset="-120"/>
               </a:rPr>
-              <a:t>誠實上達穹</a:t>
+              <a:t>上達穹</a:t>
             </a:r>
             <a:r>
               <a:rPr lang="zh-TW" altLang="en-US" sz="4800" b="1" dirty="0" smtClean="0">
@@ -4818,7 +4858,7 @@
               <a:t>袮</a:t>
             </a:r>
             <a:r>
-              <a:rPr lang="zh-TW" altLang="en-US" sz="4800" b="1" smtClean="0">
+              <a:rPr lang="zh-TW" altLang="en-US" sz="4800" b="1" dirty="0" smtClean="0">
                 <a:solidFill>
                   <a:srgbClr val="660033"/>
                 </a:solidFill>
@@ -4828,6 +4868,16 @@
               <a:t>的</a:t>
             </a:r>
             <a:r>
+              <a:rPr lang="zh-CN" altLang="en-US" sz="4800" b="1" dirty="0" smtClean="0">
+                <a:solidFill>
+                  <a:srgbClr val="660033"/>
+                </a:solidFill>
+                <a:latin typeface="微軟正黑體" pitchFamily="34" charset="-120"/>
+                <a:ea typeface="微軟正黑體" pitchFamily="34" charset="-120"/>
+              </a:rPr>
+              <a:t>信</a:t>
+            </a:r>
+            <a:r>
               <a:rPr lang="zh-TW" altLang="en-US" sz="4800" b="1" dirty="0" smtClean="0">
                 <a:solidFill>
                   <a:srgbClr val="660033"/>
@@ -4835,7 +4885,17 @@
                 <a:latin typeface="微軟正黑體" pitchFamily="34" charset="-120"/>
                 <a:ea typeface="微軟正黑體" pitchFamily="34" charset="-120"/>
               </a:rPr>
-              <a:t>誠實上達到穹蒼</a:t>
+              <a:t>實</a:t>
+            </a:r>
+            <a:r>
+              <a:rPr lang="zh-TW" altLang="en-US" sz="4800" b="1" dirty="0" smtClean="0">
+                <a:solidFill>
+                  <a:srgbClr val="660033"/>
+                </a:solidFill>
+                <a:latin typeface="微軟正黑體" pitchFamily="34" charset="-120"/>
+                <a:ea typeface="微軟正黑體" pitchFamily="34" charset="-120"/>
+              </a:rPr>
+              <a:t>上達到穹蒼</a:t>
             </a:r>
             <a:endParaRPr lang="en-US" sz="4800" b="1" dirty="0">
               <a:solidFill>
@@ -5125,6 +5185,26 @@
               <a:t>的</a:t>
             </a:r>
             <a:r>
+              <a:rPr lang="zh-CN" altLang="en-US" sz="4800" b="1" dirty="0" smtClean="0">
+                <a:solidFill>
+                  <a:srgbClr val="660033"/>
+                </a:solidFill>
+                <a:latin typeface="微軟正黑體" pitchFamily="34" charset="-120"/>
+                <a:ea typeface="微軟正黑體" pitchFamily="34" charset="-120"/>
+              </a:rPr>
+              <a:t>信</a:t>
+            </a:r>
+            <a:r>
+              <a:rPr lang="zh-TW" altLang="en-US" sz="4800" b="1" dirty="0" smtClean="0">
+                <a:solidFill>
+                  <a:srgbClr val="660033"/>
+                </a:solidFill>
+                <a:latin typeface="微軟正黑體" pitchFamily="34" charset="-120"/>
+                <a:ea typeface="微軟正黑體" pitchFamily="34" charset="-120"/>
+              </a:rPr>
+              <a:t>實</a:t>
+            </a:r>
+            <a:r>
               <a:rPr lang="zh-TW" altLang="en-US" sz="4800" b="1" dirty="0">
                 <a:solidFill>
                   <a:srgbClr val="660033"/>
@@ -5132,7 +5212,7 @@
                 <a:latin typeface="微軟正黑體" pitchFamily="34" charset="-120"/>
                 <a:ea typeface="微軟正黑體" pitchFamily="34" charset="-120"/>
               </a:rPr>
-              <a:t>誠實上達穹</a:t>
+              <a:t>上達穹</a:t>
             </a:r>
             <a:r>
               <a:rPr lang="zh-TW" altLang="en-US" sz="4800" b="1" dirty="0" smtClean="0">
@@ -5372,7 +5452,7 @@
               <a:t>袮</a:t>
             </a:r>
             <a:r>
-              <a:rPr lang="zh-TW" altLang="en-US" sz="4800" b="1" smtClean="0">
+              <a:rPr lang="zh-TW" altLang="en-US" sz="4800" b="1" dirty="0" smtClean="0">
                 <a:solidFill>
                   <a:srgbClr val="660033"/>
                 </a:solidFill>
@@ -5382,6 +5462,16 @@
               <a:t>的</a:t>
             </a:r>
             <a:r>
+              <a:rPr lang="zh-CN" altLang="en-US" sz="4800" b="1" dirty="0" smtClean="0">
+                <a:solidFill>
+                  <a:srgbClr val="660033"/>
+                </a:solidFill>
+                <a:latin typeface="微軟正黑體" pitchFamily="34" charset="-120"/>
+                <a:ea typeface="微軟正黑體" pitchFamily="34" charset="-120"/>
+              </a:rPr>
+              <a:t>信</a:t>
+            </a:r>
+            <a:r>
               <a:rPr lang="zh-TW" altLang="en-US" sz="4800" b="1" dirty="0" smtClean="0">
                 <a:solidFill>
                   <a:srgbClr val="660033"/>
@@ -5389,7 +5479,17 @@
                 <a:latin typeface="微軟正黑體" pitchFamily="34" charset="-120"/>
                 <a:ea typeface="微軟正黑體" pitchFamily="34" charset="-120"/>
               </a:rPr>
-              <a:t>誠實上達到穹蒼</a:t>
+              <a:t>實</a:t>
+            </a:r>
+            <a:r>
+              <a:rPr lang="zh-TW" altLang="en-US" sz="4800" b="1" dirty="0" smtClean="0">
+                <a:solidFill>
+                  <a:srgbClr val="660033"/>
+                </a:solidFill>
+                <a:latin typeface="微軟正黑體" pitchFamily="34" charset="-120"/>
+                <a:ea typeface="微軟正黑體" pitchFamily="34" charset="-120"/>
+              </a:rPr>
+              <a:t>上達到穹蒼</a:t>
             </a:r>
             <a:endParaRPr lang="en-US" sz="4800" b="1" dirty="0">
               <a:solidFill>
@@ -5597,7 +5697,7 @@
               <a:t>袮</a:t>
             </a:r>
             <a:r>
-              <a:rPr lang="zh-TW" altLang="en-US" sz="4800" b="1" smtClean="0">
+              <a:rPr lang="zh-TW" altLang="en-US" sz="4800" b="1" dirty="0" smtClean="0">
                 <a:solidFill>
                   <a:srgbClr val="660033"/>
                 </a:solidFill>
@@ -5607,6 +5707,16 @@
               <a:t>的</a:t>
             </a:r>
             <a:r>
+              <a:rPr lang="zh-CN" altLang="en-US" sz="4800" b="1" dirty="0" smtClean="0">
+                <a:solidFill>
+                  <a:srgbClr val="660033"/>
+                </a:solidFill>
+                <a:latin typeface="微軟正黑體" pitchFamily="34" charset="-120"/>
+                <a:ea typeface="微軟正黑體" pitchFamily="34" charset="-120"/>
+              </a:rPr>
+              <a:t>信</a:t>
+            </a:r>
+            <a:r>
               <a:rPr lang="zh-TW" altLang="en-US" sz="4800" b="1" dirty="0" smtClean="0">
                 <a:solidFill>
                   <a:srgbClr val="660033"/>
@@ -5614,7 +5724,17 @@
                 <a:latin typeface="微軟正黑體" pitchFamily="34" charset="-120"/>
                 <a:ea typeface="微軟正黑體" pitchFamily="34" charset="-120"/>
               </a:rPr>
-              <a:t>誠實上達到穹蒼</a:t>
+              <a:t>實</a:t>
+            </a:r>
+            <a:r>
+              <a:rPr lang="zh-TW" altLang="en-US" sz="4800" b="1" dirty="0" smtClean="0">
+                <a:solidFill>
+                  <a:srgbClr val="660033"/>
+                </a:solidFill>
+                <a:latin typeface="微軟正黑體" pitchFamily="34" charset="-120"/>
+                <a:ea typeface="微軟正黑體" pitchFamily="34" charset="-120"/>
+              </a:rPr>
+              <a:t>上達到穹蒼</a:t>
             </a:r>
             <a:endParaRPr lang="en-US" sz="4800" b="1" dirty="0">
               <a:solidFill>
@@ -5822,7 +5942,7 @@
               <a:t>袮</a:t>
             </a:r>
             <a:r>
-              <a:rPr lang="zh-TW" altLang="en-US" sz="4800" b="1" smtClean="0">
+              <a:rPr lang="zh-TW" altLang="en-US" sz="4800" b="1" dirty="0" smtClean="0">
                 <a:solidFill>
                   <a:srgbClr val="660033"/>
                 </a:solidFill>
@@ -5832,6 +5952,16 @@
               <a:t>的</a:t>
             </a:r>
             <a:r>
+              <a:rPr lang="zh-CN" altLang="en-US" sz="4800" b="1" dirty="0" smtClean="0">
+                <a:solidFill>
+                  <a:srgbClr val="660033"/>
+                </a:solidFill>
+                <a:latin typeface="微軟正黑體" pitchFamily="34" charset="-120"/>
+                <a:ea typeface="微軟正黑體" pitchFamily="34" charset="-120"/>
+              </a:rPr>
+              <a:t>信</a:t>
+            </a:r>
+            <a:r>
               <a:rPr lang="zh-TW" altLang="en-US" sz="4800" b="1" dirty="0" smtClean="0">
                 <a:solidFill>
                   <a:srgbClr val="660033"/>
@@ -5839,7 +5969,17 @@
                 <a:latin typeface="微軟正黑體" pitchFamily="34" charset="-120"/>
                 <a:ea typeface="微軟正黑體" pitchFamily="34" charset="-120"/>
               </a:rPr>
-              <a:t>誠實上達到穹蒼</a:t>
+              <a:t>實</a:t>
+            </a:r>
+            <a:r>
+              <a:rPr lang="zh-TW" altLang="en-US" sz="4800" b="1" dirty="0" smtClean="0">
+                <a:solidFill>
+                  <a:srgbClr val="660033"/>
+                </a:solidFill>
+                <a:latin typeface="微軟正黑體" pitchFamily="34" charset="-120"/>
+                <a:ea typeface="微軟正黑體" pitchFamily="34" charset="-120"/>
+              </a:rPr>
+              <a:t>上達到穹蒼</a:t>
             </a:r>
             <a:endParaRPr lang="en-US" sz="4800" b="1" dirty="0">
               <a:solidFill>
